--- a/deliverables/Project_presentation.pptx
+++ b/deliverables/Project_presentation.pptx
@@ -127,16 +127,26 @@
 </p:presentation>
 </file>
 
+<file path=ppt/revisionInfo.xml><?xml version="1.0" encoding="utf-8"?>
+<p1510:revInfo xmlns:a="http://schemas.openxmlformats.org/drawingml/2006/main" xmlns:r="http://schemas.openxmlformats.org/officeDocument/2006/relationships" xmlns:p1510="http://schemas.microsoft.com/office/powerpoint/2015/10/main">
+  <p1510:revLst>
+    <p1510:client id="{63CA3DF0-2E90-3E01-9197-B61904A91F32}" v="341" dt="2022-08-31T11:53:51.990"/>
+  </p1510:revLst>
+</p1510:revInfo>
+</file>
+
 <file path=ppt/diagrams/colors1.xml><?xml version="1.0" encoding="utf-8"?>
-<dgm:colorsDef xmlns:dgm="http://schemas.openxmlformats.org/drawingml/2006/diagram" xmlns:a="http://schemas.openxmlformats.org/drawingml/2006/main" uniqueId="urn:microsoft.com/office/officeart/2005/8/colors/accent1_2">
+<dgm:colorsDef xmlns:dgm="http://schemas.openxmlformats.org/drawingml/2006/diagram" xmlns:a="http://schemas.openxmlformats.org/drawingml/2006/main" uniqueId="urn:microsoft.com/office/officeart/2005/8/colors/accent3_4">
   <dgm:title val=""/>
   <dgm:desc val=""/>
   <dgm:catLst>
-    <dgm:cat type="accent1" pri="11200"/>
+    <dgm:cat type="accent3" pri="11400"/>
   </dgm:catLst>
   <dgm:styleLbl name="node0">
-    <dgm:fillClrLst meth="repeat">
-      <a:schemeClr val="accent1"/>
+    <dgm:fillClrLst meth="cycle">
+      <a:schemeClr val="accent3">
+        <a:shade val="60000"/>
+      </a:schemeClr>
     </dgm:fillClrLst>
     <dgm:linClrLst meth="repeat">
       <a:schemeClr val="lt1"/>
@@ -146,21 +156,14 @@
     <dgm:txFillClrLst/>
     <dgm:txEffectClrLst/>
   </dgm:styleLbl>
-  <dgm:styleLbl name="alignNode1">
-    <dgm:fillClrLst meth="repeat">
-      <a:schemeClr val="accent1"/>
-    </dgm:fillClrLst>
-    <dgm:linClrLst meth="repeat">
-      <a:schemeClr val="accent1"/>
-    </dgm:linClrLst>
-    <dgm:effectClrLst/>
-    <dgm:txLinClrLst/>
-    <dgm:txFillClrLst/>
-    <dgm:txEffectClrLst/>
-  </dgm:styleLbl>
   <dgm:styleLbl name="node1">
-    <dgm:fillClrLst meth="repeat">
-      <a:schemeClr val="accent1"/>
+    <dgm:fillClrLst meth="cycle">
+      <a:schemeClr val="accent3">
+        <a:shade val="50000"/>
+      </a:schemeClr>
+      <a:schemeClr val="accent3">
+        <a:tint val="55000"/>
+      </a:schemeClr>
     </dgm:fillClrLst>
     <dgm:linClrLst meth="repeat">
       <a:schemeClr val="lt1"/>
@@ -170,9 +173,36 @@
     <dgm:txFillClrLst/>
     <dgm:txEffectClrLst/>
   </dgm:styleLbl>
+  <dgm:styleLbl name="alignNode1">
+    <dgm:fillClrLst meth="cycle">
+      <a:schemeClr val="accent3">
+        <a:shade val="50000"/>
+      </a:schemeClr>
+      <a:schemeClr val="accent3">
+        <a:tint val="55000"/>
+      </a:schemeClr>
+    </dgm:fillClrLst>
+    <dgm:linClrLst meth="cycle">
+      <a:schemeClr val="accent3">
+        <a:shade val="50000"/>
+      </a:schemeClr>
+      <a:schemeClr val="accent3">
+        <a:tint val="55000"/>
+      </a:schemeClr>
+    </dgm:linClrLst>
+    <dgm:effectClrLst/>
+    <dgm:txLinClrLst/>
+    <dgm:txFillClrLst/>
+    <dgm:txEffectClrLst/>
+  </dgm:styleLbl>
   <dgm:styleLbl name="lnNode1">
-    <dgm:fillClrLst meth="repeat">
-      <a:schemeClr val="accent1"/>
+    <dgm:fillClrLst meth="cycle">
+      <a:schemeClr val="accent3">
+        <a:shade val="50000"/>
+      </a:schemeClr>
+      <a:schemeClr val="accent3">
+        <a:tint val="55000"/>
+      </a:schemeClr>
     </dgm:fillClrLst>
     <dgm:linClrLst meth="repeat">
       <a:schemeClr val="lt1"/>
@@ -183,8 +213,13 @@
     <dgm:txEffectClrLst/>
   </dgm:styleLbl>
   <dgm:styleLbl name="vennNode1">
-    <dgm:fillClrLst meth="repeat">
-      <a:schemeClr val="accent1">
+    <dgm:fillClrLst meth="cycle">
+      <a:schemeClr val="accent3">
+        <a:shade val="80000"/>
+        <a:alpha val="50000"/>
+      </a:schemeClr>
+      <a:schemeClr val="accent3">
+        <a:tint val="50000"/>
         <a:alpha val="50000"/>
       </a:schemeClr>
     </dgm:fillClrLst>
@@ -197,8 +232,10 @@
     <dgm:txEffectClrLst/>
   </dgm:styleLbl>
   <dgm:styleLbl name="node2">
-    <dgm:fillClrLst meth="repeat">
-      <a:schemeClr val="accent1"/>
+    <dgm:fillClrLst>
+      <a:schemeClr val="accent3">
+        <a:shade val="80000"/>
+      </a:schemeClr>
     </dgm:fillClrLst>
     <dgm:linClrLst meth="repeat">
       <a:schemeClr val="lt1"/>
@@ -209,8 +246,10 @@
     <dgm:txEffectClrLst/>
   </dgm:styleLbl>
   <dgm:styleLbl name="node3">
-    <dgm:fillClrLst meth="repeat">
-      <a:schemeClr val="accent1"/>
+    <dgm:fillClrLst>
+      <a:schemeClr val="accent3">
+        <a:tint val="99000"/>
+      </a:schemeClr>
     </dgm:fillClrLst>
     <dgm:linClrLst meth="repeat">
       <a:schemeClr val="lt1"/>
@@ -221,8 +260,10 @@
     <dgm:txEffectClrLst/>
   </dgm:styleLbl>
   <dgm:styleLbl name="node4">
-    <dgm:fillClrLst meth="repeat">
-      <a:schemeClr val="accent1"/>
+    <dgm:fillClrLst>
+      <a:schemeClr val="accent3">
+        <a:tint val="70000"/>
+      </a:schemeClr>
     </dgm:fillClrLst>
     <dgm:linClrLst meth="repeat">
       <a:schemeClr val="lt1"/>
@@ -233,9 +274,12 @@
     <dgm:txEffectClrLst/>
   </dgm:styleLbl>
   <dgm:styleLbl name="fgImgPlace1">
-    <dgm:fillClrLst meth="repeat">
-      <a:schemeClr val="accent1">
+    <dgm:fillClrLst>
+      <a:schemeClr val="accent3">
         <a:tint val="50000"/>
+      </a:schemeClr>
+      <a:schemeClr val="accent3">
+        <a:tint val="55000"/>
       </a:schemeClr>
     </dgm:fillClrLst>
     <dgm:linClrLst meth="repeat">
@@ -249,9 +293,12 @@
     <dgm:txEffectClrLst/>
   </dgm:styleLbl>
   <dgm:styleLbl name="alignImgPlace1">
-    <dgm:fillClrLst meth="repeat">
-      <a:schemeClr val="accent1">
+    <dgm:fillClrLst>
+      <a:schemeClr val="accent3">
         <a:tint val="50000"/>
+      </a:schemeClr>
+      <a:schemeClr val="accent3">
+        <a:tint val="55000"/>
       </a:schemeClr>
     </dgm:fillClrLst>
     <dgm:linClrLst meth="repeat">
@@ -265,9 +312,12 @@
     <dgm:txEffectClrLst/>
   </dgm:styleLbl>
   <dgm:styleLbl name="bgImgPlace1">
-    <dgm:fillClrLst meth="repeat">
-      <a:schemeClr val="accent1">
+    <dgm:fillClrLst>
+      <a:schemeClr val="accent3">
         <a:tint val="50000"/>
+      </a:schemeClr>
+      <a:schemeClr val="accent3">
+        <a:tint val="55000"/>
       </a:schemeClr>
     </dgm:fillClrLst>
     <dgm:linClrLst meth="repeat">
@@ -281,14 +331,20 @@
     <dgm:txEffectClrLst/>
   </dgm:styleLbl>
   <dgm:styleLbl name="sibTrans2D1">
-    <dgm:fillClrLst meth="repeat">
-      <a:schemeClr val="accent1">
-        <a:tint val="60000"/>
+    <dgm:fillClrLst meth="cycle">
+      <a:schemeClr val="accent3">
+        <a:shade val="90000"/>
+      </a:schemeClr>
+      <a:schemeClr val="accent3">
+        <a:tint val="50000"/>
       </a:schemeClr>
     </dgm:fillClrLst>
-    <dgm:linClrLst meth="repeat">
-      <a:schemeClr val="accent1">
-        <a:tint val="60000"/>
+    <dgm:linClrLst meth="cycle">
+      <a:schemeClr val="accent3">
+        <a:shade val="90000"/>
+      </a:schemeClr>
+      <a:schemeClr val="accent3">
+        <a:tint val="50000"/>
       </a:schemeClr>
     </dgm:linClrLst>
     <dgm:effectClrLst/>
@@ -297,14 +353,20 @@
     <dgm:txEffectClrLst/>
   </dgm:styleLbl>
   <dgm:styleLbl name="fgSibTrans2D1">
-    <dgm:fillClrLst meth="repeat">
-      <a:schemeClr val="accent1">
-        <a:tint val="60000"/>
+    <dgm:fillClrLst meth="cycle">
+      <a:schemeClr val="accent3">
+        <a:shade val="90000"/>
+      </a:schemeClr>
+      <a:schemeClr val="accent3">
+        <a:tint val="50000"/>
       </a:schemeClr>
     </dgm:fillClrLst>
-    <dgm:linClrLst meth="repeat">
-      <a:schemeClr val="accent1">
-        <a:tint val="60000"/>
+    <dgm:linClrLst meth="cycle">
+      <a:schemeClr val="accent3">
+        <a:shade val="90000"/>
+      </a:schemeClr>
+      <a:schemeClr val="accent3">
+        <a:tint val="50000"/>
       </a:schemeClr>
     </dgm:linClrLst>
     <dgm:effectClrLst/>
@@ -313,14 +375,20 @@
     <dgm:txEffectClrLst/>
   </dgm:styleLbl>
   <dgm:styleLbl name="bgSibTrans2D1">
-    <dgm:fillClrLst meth="repeat">
-      <a:schemeClr val="accent1">
-        <a:tint val="60000"/>
+    <dgm:fillClrLst meth="cycle">
+      <a:schemeClr val="accent3">
+        <a:shade val="90000"/>
+      </a:schemeClr>
+      <a:schemeClr val="accent3">
+        <a:tint val="50000"/>
       </a:schemeClr>
     </dgm:fillClrLst>
-    <dgm:linClrLst meth="repeat">
-      <a:schemeClr val="accent1">
-        <a:tint val="60000"/>
+    <dgm:linClrLst meth="cycle">
+      <a:schemeClr val="accent3">
+        <a:shade val="90000"/>
+      </a:schemeClr>
+      <a:schemeClr val="accent3">
+        <a:tint val="50000"/>
       </a:schemeClr>
     </dgm:linClrLst>
     <dgm:effectClrLst/>
@@ -329,11 +397,21 @@
     <dgm:txEffectClrLst/>
   </dgm:styleLbl>
   <dgm:styleLbl name="sibTrans1D1">
-    <dgm:fillClrLst meth="repeat">
-      <a:schemeClr val="accent1"/>
+    <dgm:fillClrLst meth="cycle">
+      <a:schemeClr val="accent3">
+        <a:shade val="90000"/>
+      </a:schemeClr>
+      <a:schemeClr val="accent3">
+        <a:tint val="50000"/>
+      </a:schemeClr>
     </dgm:fillClrLst>
-    <dgm:linClrLst meth="repeat">
-      <a:schemeClr val="accent1"/>
+    <dgm:linClrLst meth="cycle">
+      <a:schemeClr val="accent3">
+        <a:shade val="90000"/>
+      </a:schemeClr>
+      <a:schemeClr val="accent3">
+        <a:tint val="50000"/>
+      </a:schemeClr>
     </dgm:linClrLst>
     <dgm:effectClrLst/>
     <dgm:txLinClrLst/>
@@ -344,12 +422,10 @@
   </dgm:styleLbl>
   <dgm:styleLbl name="callout">
     <dgm:fillClrLst meth="repeat">
-      <a:schemeClr val="accent1"/>
+      <a:schemeClr val="accent3"/>
     </dgm:fillClrLst>
     <dgm:linClrLst meth="repeat">
-      <a:schemeClr val="accent1">
-        <a:tint val="50000"/>
-      </a:schemeClr>
+      <a:schemeClr val="accent3"/>
     </dgm:linClrLst>
     <dgm:effectClrLst/>
     <dgm:txLinClrLst/>
@@ -360,7 +436,9 @@
   </dgm:styleLbl>
   <dgm:styleLbl name="asst0">
     <dgm:fillClrLst meth="repeat">
-      <a:schemeClr val="accent1"/>
+      <a:schemeClr val="accent3">
+        <a:shade val="80000"/>
+      </a:schemeClr>
     </dgm:fillClrLst>
     <dgm:linClrLst meth="repeat">
       <a:schemeClr val="lt1"/>
@@ -372,7 +450,9 @@
   </dgm:styleLbl>
   <dgm:styleLbl name="asst1">
     <dgm:fillClrLst meth="repeat">
-      <a:schemeClr val="accent1"/>
+      <a:schemeClr val="accent3">
+        <a:shade val="80000"/>
+      </a:schemeClr>
     </dgm:fillClrLst>
     <dgm:linClrLst meth="repeat">
       <a:schemeClr val="lt1"/>
@@ -383,8 +463,10 @@
     <dgm:txEffectClrLst/>
   </dgm:styleLbl>
   <dgm:styleLbl name="asst2">
-    <dgm:fillClrLst meth="repeat">
-      <a:schemeClr val="accent1"/>
+    <dgm:fillClrLst>
+      <a:schemeClr val="accent3">
+        <a:tint val="90000"/>
+      </a:schemeClr>
     </dgm:fillClrLst>
     <dgm:linClrLst meth="repeat">
       <a:schemeClr val="lt1"/>
@@ -395,8 +477,10 @@
     <dgm:txEffectClrLst/>
   </dgm:styleLbl>
   <dgm:styleLbl name="asst3">
-    <dgm:fillClrLst meth="repeat">
-      <a:schemeClr val="accent1"/>
+    <dgm:fillClrLst>
+      <a:schemeClr val="accent3">
+        <a:tint val="70000"/>
+      </a:schemeClr>
     </dgm:fillClrLst>
     <dgm:linClrLst meth="repeat">
       <a:schemeClr val="lt1"/>
@@ -407,8 +491,10 @@
     <dgm:txEffectClrLst/>
   </dgm:styleLbl>
   <dgm:styleLbl name="asst4">
-    <dgm:fillClrLst meth="repeat">
-      <a:schemeClr val="accent1"/>
+    <dgm:fillClrLst>
+      <a:schemeClr val="accent3">
+        <a:tint val="50000"/>
+      </a:schemeClr>
     </dgm:fillClrLst>
     <dgm:linClrLst meth="repeat">
       <a:schemeClr val="lt1"/>
@@ -420,71 +506,79 @@
   </dgm:styleLbl>
   <dgm:styleLbl name="parChTrans2D1">
     <dgm:fillClrLst meth="repeat">
-      <a:schemeClr val="accent1">
+      <a:schemeClr val="accent3">
         <a:tint val="60000"/>
       </a:schemeClr>
     </dgm:fillClrLst>
     <dgm:linClrLst meth="repeat">
-      <a:schemeClr val="accent1">
-        <a:tint val="60000"/>
+      <a:schemeClr val="accent3">
+        <a:shade val="80000"/>
+      </a:schemeClr>
+    </dgm:linClrLst>
+    <dgm:effectClrLst/>
+    <dgm:txLinClrLst/>
+    <dgm:txFillClrLst/>
+    <dgm:txEffectClrLst/>
+  </dgm:styleLbl>
+  <dgm:styleLbl name="parChTrans2D2">
+    <dgm:fillClrLst meth="repeat">
+      <a:schemeClr val="accent3">
+        <a:tint val="90000"/>
+      </a:schemeClr>
+    </dgm:fillClrLst>
+    <dgm:linClrLst meth="repeat">
+      <a:schemeClr val="accent3">
+        <a:tint val="90000"/>
+      </a:schemeClr>
+    </dgm:linClrLst>
+    <dgm:effectClrLst/>
+    <dgm:txLinClrLst/>
+    <dgm:txFillClrLst/>
+    <dgm:txEffectClrLst/>
+  </dgm:styleLbl>
+  <dgm:styleLbl name="parChTrans2D3">
+    <dgm:fillClrLst meth="repeat">
+      <a:schemeClr val="accent3">
+        <a:tint val="70000"/>
+      </a:schemeClr>
+    </dgm:fillClrLst>
+    <dgm:linClrLst meth="repeat">
+      <a:schemeClr val="accent3">
+        <a:tint val="70000"/>
+      </a:schemeClr>
+    </dgm:linClrLst>
+    <dgm:effectClrLst/>
+    <dgm:txLinClrLst/>
+    <dgm:txFillClrLst/>
+    <dgm:txEffectClrLst/>
+  </dgm:styleLbl>
+  <dgm:styleLbl name="parChTrans2D4">
+    <dgm:fillClrLst meth="repeat">
+      <a:schemeClr val="accent3">
+        <a:tint val="50000"/>
+      </a:schemeClr>
+    </dgm:fillClrLst>
+    <dgm:linClrLst meth="repeat">
+      <a:schemeClr val="accent3">
+        <a:tint val="50000"/>
       </a:schemeClr>
     </dgm:linClrLst>
     <dgm:effectClrLst/>
     <dgm:txLinClrLst/>
     <dgm:txFillClrLst meth="repeat">
-      <a:schemeClr val="lt1"/>
+      <a:schemeClr val="dk1"/>
     </dgm:txFillClrLst>
     <dgm:txEffectClrLst/>
   </dgm:styleLbl>
-  <dgm:styleLbl name="parChTrans2D2">
+  <dgm:styleLbl name="parChTrans1D1">
     <dgm:fillClrLst meth="repeat">
-      <a:schemeClr val="accent1"/>
+      <a:schemeClr val="accent3">
+        <a:shade val="80000"/>
+      </a:schemeClr>
     </dgm:fillClrLst>
     <dgm:linClrLst meth="repeat">
-      <a:schemeClr val="accent1"/>
-    </dgm:linClrLst>
-    <dgm:effectClrLst/>
-    <dgm:txLinClrLst/>
-    <dgm:txFillClrLst meth="repeat">
-      <a:schemeClr val="lt1"/>
-    </dgm:txFillClrLst>
-    <dgm:txEffectClrLst/>
-  </dgm:styleLbl>
-  <dgm:styleLbl name="parChTrans2D3">
-    <dgm:fillClrLst meth="repeat">
-      <a:schemeClr val="accent1"/>
-    </dgm:fillClrLst>
-    <dgm:linClrLst meth="repeat">
-      <a:schemeClr val="accent1"/>
-    </dgm:linClrLst>
-    <dgm:effectClrLst/>
-    <dgm:txLinClrLst/>
-    <dgm:txFillClrLst meth="repeat">
-      <a:schemeClr val="lt1"/>
-    </dgm:txFillClrLst>
-    <dgm:txEffectClrLst/>
-  </dgm:styleLbl>
-  <dgm:styleLbl name="parChTrans2D4">
-    <dgm:fillClrLst meth="repeat">
-      <a:schemeClr val="accent1"/>
-    </dgm:fillClrLst>
-    <dgm:linClrLst meth="repeat">
-      <a:schemeClr val="accent1"/>
-    </dgm:linClrLst>
-    <dgm:effectClrLst/>
-    <dgm:txLinClrLst/>
-    <dgm:txFillClrLst meth="repeat">
-      <a:schemeClr val="lt1"/>
-    </dgm:txFillClrLst>
-    <dgm:txEffectClrLst/>
-  </dgm:styleLbl>
-  <dgm:styleLbl name="parChTrans1D1">
-    <dgm:fillClrLst meth="repeat">
-      <a:schemeClr val="accent1"/>
-    </dgm:fillClrLst>
-    <dgm:linClrLst meth="repeat">
-      <a:schemeClr val="accent1">
-        <a:shade val="60000"/>
+      <a:schemeClr val="accent3">
+        <a:shade val="80000"/>
       </a:schemeClr>
     </dgm:linClrLst>
     <dgm:effectClrLst/>
@@ -496,11 +590,13 @@
   </dgm:styleLbl>
   <dgm:styleLbl name="parChTrans1D2">
     <dgm:fillClrLst meth="repeat">
-      <a:schemeClr val="accent1"/>
+      <a:schemeClr val="accent3">
+        <a:tint val="90000"/>
+      </a:schemeClr>
     </dgm:fillClrLst>
     <dgm:linClrLst meth="repeat">
-      <a:schemeClr val="accent1">
-        <a:shade val="60000"/>
+      <a:schemeClr val="accent3">
+        <a:tint val="90000"/>
       </a:schemeClr>
     </dgm:linClrLst>
     <dgm:effectClrLst/>
@@ -512,11 +608,13 @@
   </dgm:styleLbl>
   <dgm:styleLbl name="parChTrans1D3">
     <dgm:fillClrLst meth="repeat">
-      <a:schemeClr val="accent1"/>
+      <a:schemeClr val="accent3">
+        <a:tint val="70000"/>
+      </a:schemeClr>
     </dgm:fillClrLst>
     <dgm:linClrLst meth="repeat">
-      <a:schemeClr val="accent1">
-        <a:shade val="80000"/>
+      <a:schemeClr val="accent3">
+        <a:tint val="70000"/>
       </a:schemeClr>
     </dgm:linClrLst>
     <dgm:effectClrLst/>
@@ -528,11 +626,13 @@
   </dgm:styleLbl>
   <dgm:styleLbl name="parChTrans1D4">
     <dgm:fillClrLst meth="repeat">
-      <a:schemeClr val="accent1"/>
+      <a:schemeClr val="accent3">
+        <a:tint val="50000"/>
+      </a:schemeClr>
     </dgm:fillClrLst>
     <dgm:linClrLst meth="repeat">
-      <a:schemeClr val="accent1">
-        <a:shade val="80000"/>
+      <a:schemeClr val="accent3">
+        <a:tint val="50000"/>
       </a:schemeClr>
     </dgm:linClrLst>
     <dgm:effectClrLst/>
@@ -548,8 +648,13 @@
         <a:alpha val="90000"/>
       </a:schemeClr>
     </dgm:fillClrLst>
-    <dgm:linClrLst meth="repeat">
-      <a:schemeClr val="accent1"/>
+    <dgm:linClrLst meth="cycle">
+      <a:schemeClr val="accent3">
+        <a:shade val="50000"/>
+      </a:schemeClr>
+      <a:schemeClr val="accent3">
+        <a:tint val="55000"/>
+      </a:schemeClr>
     </dgm:linClrLst>
     <dgm:effectClrLst/>
     <dgm:txLinClrLst/>
@@ -564,8 +669,13 @@
         <a:alpha val="90000"/>
       </a:schemeClr>
     </dgm:fillClrLst>
-    <dgm:linClrLst meth="repeat">
-      <a:schemeClr val="accent1"/>
+    <dgm:linClrLst meth="cycle">
+      <a:schemeClr val="accent3">
+        <a:shade val="50000"/>
+      </a:schemeClr>
+      <a:schemeClr val="accent3">
+        <a:tint val="55000"/>
+      </a:schemeClr>
     </dgm:linClrLst>
     <dgm:effectClrLst/>
     <dgm:txLinClrLst/>
@@ -580,8 +690,13 @@
         <a:alpha val="90000"/>
       </a:schemeClr>
     </dgm:fillClrLst>
-    <dgm:linClrLst meth="repeat">
-      <a:schemeClr val="accent1"/>
+    <dgm:linClrLst meth="cycle">
+      <a:schemeClr val="accent3">
+        <a:shade val="50000"/>
+      </a:schemeClr>
+      <a:schemeClr val="accent3">
+        <a:tint val="55000"/>
+      </a:schemeClr>
     </dgm:linClrLst>
     <dgm:effectClrLst/>
     <dgm:txLinClrLst/>
@@ -593,11 +708,11 @@
   <dgm:styleLbl name="trAlignAcc1">
     <dgm:fillClrLst meth="repeat">
       <a:schemeClr val="lt1">
-        <a:alpha val="40000"/>
+        <a:alpha val="55000"/>
       </a:schemeClr>
     </dgm:fillClrLst>
     <dgm:linClrLst meth="repeat">
-      <a:schemeClr val="accent1"/>
+      <a:schemeClr val="accent3"/>
     </dgm:linClrLst>
     <dgm:effectClrLst/>
     <dgm:txLinClrLst/>
@@ -612,8 +727,13 @@
         <a:alpha val="90000"/>
       </a:schemeClr>
     </dgm:fillClrLst>
-    <dgm:linClrLst meth="repeat">
-      <a:schemeClr val="accent1"/>
+    <dgm:linClrLst meth="cycle">
+      <a:schemeClr val="accent3">
+        <a:shade val="50000"/>
+      </a:schemeClr>
+      <a:schemeClr val="accent3">
+        <a:tint val="55000"/>
+      </a:schemeClr>
     </dgm:linClrLst>
     <dgm:effectClrLst/>
     <dgm:txLinClrLst/>
@@ -626,8 +746,13 @@
     <dgm:fillClrLst meth="repeat">
       <a:schemeClr val="lt1"/>
     </dgm:fillClrLst>
-    <dgm:linClrLst meth="repeat">
-      <a:schemeClr val="accent1"/>
+    <dgm:linClrLst meth="cycle">
+      <a:schemeClr val="accent3">
+        <a:shade val="50000"/>
+      </a:schemeClr>
+      <a:schemeClr val="accent3">
+        <a:tint val="55000"/>
+      </a:schemeClr>
     </dgm:linClrLst>
     <dgm:effectClrLst/>
     <dgm:txLinClrLst/>
@@ -641,7 +766,7 @@
       <a:schemeClr val="lt1"/>
     </dgm:fillClrLst>
     <dgm:linClrLst meth="repeat">
-      <a:schemeClr val="accent1"/>
+      <a:schemeClr val="accent3"/>
     </dgm:linClrLst>
     <dgm:effectClrLst/>
     <dgm:txLinClrLst/>
@@ -655,7 +780,7 @@
       <a:schemeClr val="lt1"/>
     </dgm:fillClrLst>
     <dgm:linClrLst meth="repeat">
-      <a:schemeClr val="accent1"/>
+      <a:schemeClr val="accent3"/>
     </dgm:linClrLst>
     <dgm:effectClrLst/>
     <dgm:txLinClrLst/>
@@ -666,15 +791,15 @@
   </dgm:styleLbl>
   <dgm:styleLbl name="fgAccFollowNode1">
     <dgm:fillClrLst meth="repeat">
-      <a:schemeClr val="accent1">
+      <a:schemeClr val="accent3">
         <a:alpha val="90000"/>
-        <a:tint val="40000"/>
+        <a:tint val="55000"/>
       </a:schemeClr>
     </dgm:fillClrLst>
     <dgm:linClrLst meth="repeat">
-      <a:schemeClr val="accent1">
+      <a:schemeClr val="accent3">
         <a:alpha val="90000"/>
-        <a:tint val="40000"/>
+        <a:tint val="55000"/>
       </a:schemeClr>
     </dgm:linClrLst>
     <dgm:effectClrLst/>
@@ -686,15 +811,15 @@
   </dgm:styleLbl>
   <dgm:styleLbl name="alignAccFollowNode1">
     <dgm:fillClrLst meth="repeat">
-      <a:schemeClr val="accent1">
+      <a:schemeClr val="accent3">
         <a:alpha val="90000"/>
-        <a:tint val="40000"/>
+        <a:tint val="55000"/>
       </a:schemeClr>
     </dgm:fillClrLst>
     <dgm:linClrLst meth="repeat">
-      <a:schemeClr val="accent1">
+      <a:schemeClr val="accent3">
         <a:alpha val="90000"/>
-        <a:tint val="40000"/>
+        <a:tint val="55000"/>
       </a:schemeClr>
     </dgm:linClrLst>
     <dgm:effectClrLst/>
@@ -706,141 +831,9 @@
   </dgm:styleLbl>
   <dgm:styleLbl name="bgAccFollowNode1">
     <dgm:fillClrLst meth="repeat">
-      <a:schemeClr val="accent1">
+      <a:schemeClr val="accent3">
         <a:alpha val="90000"/>
-        <a:tint val="40000"/>
-      </a:schemeClr>
-    </dgm:fillClrLst>
-    <dgm:linClrLst meth="repeat">
-      <a:schemeClr val="accent1">
-        <a:alpha val="90000"/>
-        <a:tint val="40000"/>
-      </a:schemeClr>
-    </dgm:linClrLst>
-    <dgm:effectClrLst/>
-    <dgm:txLinClrLst/>
-    <dgm:txFillClrLst meth="repeat">
-      <a:schemeClr val="dk1"/>
-    </dgm:txFillClrLst>
-    <dgm:txEffectClrLst/>
-  </dgm:styleLbl>
-  <dgm:styleLbl name="fgAcc0">
-    <dgm:fillClrLst meth="repeat">
-      <a:schemeClr val="lt1">
-        <a:alpha val="90000"/>
-      </a:schemeClr>
-    </dgm:fillClrLst>
-    <dgm:linClrLst meth="repeat">
-      <a:schemeClr val="accent1"/>
-    </dgm:linClrLst>
-    <dgm:effectClrLst/>
-    <dgm:txLinClrLst/>
-    <dgm:txFillClrLst meth="repeat">
-      <a:schemeClr val="dk1"/>
-    </dgm:txFillClrLst>
-    <dgm:txEffectClrLst/>
-  </dgm:styleLbl>
-  <dgm:styleLbl name="fgAcc2">
-    <dgm:fillClrLst meth="repeat">
-      <a:schemeClr val="lt1">
-        <a:alpha val="90000"/>
-      </a:schemeClr>
-    </dgm:fillClrLst>
-    <dgm:linClrLst meth="repeat">
-      <a:schemeClr val="accent1"/>
-    </dgm:linClrLst>
-    <dgm:effectClrLst/>
-    <dgm:txLinClrLst/>
-    <dgm:txFillClrLst meth="repeat">
-      <a:schemeClr val="dk1"/>
-    </dgm:txFillClrLst>
-    <dgm:txEffectClrLst/>
-  </dgm:styleLbl>
-  <dgm:styleLbl name="fgAcc3">
-    <dgm:fillClrLst meth="repeat">
-      <a:schemeClr val="lt1">
-        <a:alpha val="90000"/>
-      </a:schemeClr>
-    </dgm:fillClrLst>
-    <dgm:linClrLst meth="repeat">
-      <a:schemeClr val="accent1"/>
-    </dgm:linClrLst>
-    <dgm:effectClrLst/>
-    <dgm:txLinClrLst/>
-    <dgm:txFillClrLst meth="repeat">
-      <a:schemeClr val="dk1"/>
-    </dgm:txFillClrLst>
-    <dgm:txEffectClrLst/>
-  </dgm:styleLbl>
-  <dgm:styleLbl name="fgAcc4">
-    <dgm:fillClrLst meth="repeat">
-      <a:schemeClr val="lt1">
-        <a:alpha val="90000"/>
-      </a:schemeClr>
-    </dgm:fillClrLst>
-    <dgm:linClrLst meth="repeat">
-      <a:schemeClr val="accent1"/>
-    </dgm:linClrLst>
-    <dgm:effectClrLst/>
-    <dgm:txLinClrLst/>
-    <dgm:txFillClrLst meth="repeat">
-      <a:schemeClr val="dk1"/>
-    </dgm:txFillClrLst>
-    <dgm:txEffectClrLst/>
-  </dgm:styleLbl>
-  <dgm:styleLbl name="bgShp">
-    <dgm:fillClrLst meth="repeat">
-      <a:schemeClr val="accent1">
-        <a:tint val="40000"/>
-      </a:schemeClr>
-    </dgm:fillClrLst>
-    <dgm:linClrLst meth="repeat">
-      <a:schemeClr val="accent1"/>
-    </dgm:linClrLst>
-    <dgm:effectClrLst/>
-    <dgm:txLinClrLst/>
-    <dgm:txFillClrLst meth="repeat">
-      <a:schemeClr val="dk1"/>
-    </dgm:txFillClrLst>
-    <dgm:txEffectClrLst/>
-  </dgm:styleLbl>
-  <dgm:styleLbl name="dkBgShp">
-    <dgm:fillClrLst meth="repeat">
-      <a:schemeClr val="accent1">
-        <a:shade val="80000"/>
-      </a:schemeClr>
-    </dgm:fillClrLst>
-    <dgm:linClrLst meth="repeat">
-      <a:schemeClr val="accent1"/>
-    </dgm:linClrLst>
-    <dgm:effectClrLst/>
-    <dgm:txLinClrLst/>
-    <dgm:txFillClrLst meth="repeat">
-      <a:schemeClr val="lt1"/>
-    </dgm:txFillClrLst>
-    <dgm:txEffectClrLst/>
-  </dgm:styleLbl>
-  <dgm:styleLbl name="trBgShp">
-    <dgm:fillClrLst meth="repeat">
-      <a:schemeClr val="accent1">
-        <a:tint val="50000"/>
-        <a:alpha val="40000"/>
-      </a:schemeClr>
-    </dgm:fillClrLst>
-    <dgm:linClrLst meth="repeat">
-      <a:schemeClr val="accent1"/>
-    </dgm:linClrLst>
-    <dgm:effectClrLst/>
-    <dgm:txLinClrLst/>
-    <dgm:txFillClrLst meth="repeat">
-      <a:schemeClr val="lt1"/>
-    </dgm:txFillClrLst>
-    <dgm:txEffectClrLst/>
-  </dgm:styleLbl>
-  <dgm:styleLbl name="fgShp">
-    <dgm:fillClrLst meth="repeat">
-      <a:schemeClr val="accent1">
-        <a:tint val="60000"/>
+        <a:tint val="55000"/>
       </a:schemeClr>
     </dgm:fillClrLst>
     <dgm:linClrLst meth="repeat">
@@ -853,6 +846,143 @@
     </dgm:txFillClrLst>
     <dgm:txEffectClrLst/>
   </dgm:styleLbl>
+  <dgm:styleLbl name="fgAcc0">
+    <dgm:fillClrLst meth="repeat">
+      <a:schemeClr val="lt1">
+        <a:alpha val="90000"/>
+      </a:schemeClr>
+    </dgm:fillClrLst>
+    <dgm:linClrLst meth="repeat">
+      <a:schemeClr val="accent3">
+        <a:shade val="80000"/>
+      </a:schemeClr>
+    </dgm:linClrLst>
+    <dgm:effectClrLst/>
+    <dgm:txLinClrLst/>
+    <dgm:txFillClrLst meth="repeat">
+      <a:schemeClr val="dk1"/>
+    </dgm:txFillClrLst>
+    <dgm:txEffectClrLst/>
+  </dgm:styleLbl>
+  <dgm:styleLbl name="fgAcc2">
+    <dgm:fillClrLst meth="repeat">
+      <a:schemeClr val="lt1">
+        <a:alpha val="90000"/>
+      </a:schemeClr>
+    </dgm:fillClrLst>
+    <dgm:linClrLst meth="repeat">
+      <a:schemeClr val="accent3">
+        <a:tint val="90000"/>
+      </a:schemeClr>
+    </dgm:linClrLst>
+    <dgm:effectClrLst/>
+    <dgm:txLinClrLst/>
+    <dgm:txFillClrLst meth="repeat">
+      <a:schemeClr val="dk1"/>
+    </dgm:txFillClrLst>
+    <dgm:txEffectClrLst/>
+  </dgm:styleLbl>
+  <dgm:styleLbl name="fgAcc3">
+    <dgm:fillClrLst meth="repeat">
+      <a:schemeClr val="lt1">
+        <a:alpha val="90000"/>
+      </a:schemeClr>
+    </dgm:fillClrLst>
+    <dgm:linClrLst meth="repeat">
+      <a:schemeClr val="accent3">
+        <a:tint val="70000"/>
+      </a:schemeClr>
+    </dgm:linClrLst>
+    <dgm:effectClrLst/>
+    <dgm:txLinClrLst/>
+    <dgm:txFillClrLst meth="repeat">
+      <a:schemeClr val="dk1"/>
+    </dgm:txFillClrLst>
+    <dgm:txEffectClrLst/>
+  </dgm:styleLbl>
+  <dgm:styleLbl name="fgAcc4">
+    <dgm:fillClrLst meth="repeat">
+      <a:schemeClr val="lt1">
+        <a:alpha val="90000"/>
+      </a:schemeClr>
+    </dgm:fillClrLst>
+    <dgm:linClrLst meth="repeat">
+      <a:schemeClr val="accent3">
+        <a:tint val="50000"/>
+      </a:schemeClr>
+    </dgm:linClrLst>
+    <dgm:effectClrLst/>
+    <dgm:txLinClrLst/>
+    <dgm:txFillClrLst meth="repeat">
+      <a:schemeClr val="dk1"/>
+    </dgm:txFillClrLst>
+    <dgm:txEffectClrLst/>
+  </dgm:styleLbl>
+  <dgm:styleLbl name="bgShp">
+    <dgm:fillClrLst meth="repeat">
+      <a:schemeClr val="accent3">
+        <a:tint val="55000"/>
+      </a:schemeClr>
+    </dgm:fillClrLst>
+    <dgm:linClrLst meth="repeat">
+      <a:schemeClr val="dk1"/>
+    </dgm:linClrLst>
+    <dgm:effectClrLst/>
+    <dgm:txLinClrLst/>
+    <dgm:txFillClrLst meth="repeat">
+      <a:schemeClr val="dk1"/>
+    </dgm:txFillClrLst>
+    <dgm:txEffectClrLst/>
+  </dgm:styleLbl>
+  <dgm:styleLbl name="dkBgShp">
+    <dgm:fillClrLst meth="repeat">
+      <a:schemeClr val="accent3">
+        <a:shade val="90000"/>
+      </a:schemeClr>
+    </dgm:fillClrLst>
+    <dgm:linClrLst meth="repeat">
+      <a:schemeClr val="dk1"/>
+    </dgm:linClrLst>
+    <dgm:effectClrLst/>
+    <dgm:txLinClrLst/>
+    <dgm:txFillClrLst meth="repeat">
+      <a:schemeClr val="lt1"/>
+    </dgm:txFillClrLst>
+    <dgm:txEffectClrLst/>
+  </dgm:styleLbl>
+  <dgm:styleLbl name="trBgShp">
+    <dgm:fillClrLst meth="repeat">
+      <a:schemeClr val="accent3">
+        <a:tint val="50000"/>
+        <a:alpha val="55000"/>
+      </a:schemeClr>
+    </dgm:fillClrLst>
+    <dgm:linClrLst meth="repeat">
+      <a:schemeClr val="accent3"/>
+    </dgm:linClrLst>
+    <dgm:effectClrLst/>
+    <dgm:txLinClrLst/>
+    <dgm:txFillClrLst meth="repeat">
+      <a:schemeClr val="lt1"/>
+    </dgm:txFillClrLst>
+    <dgm:txEffectClrLst/>
+  </dgm:styleLbl>
+  <dgm:styleLbl name="fgShp">
+    <dgm:fillClrLst meth="repeat">
+      <a:schemeClr val="accent3">
+        <a:tint val="55000"/>
+      </a:schemeClr>
+    </dgm:fillClrLst>
+    <dgm:linClrLst meth="repeat">
+      <a:schemeClr val="lt1"/>
+    </dgm:linClrLst>
+    <dgm:effectClrLst/>
+    <dgm:txLinClrLst/>
+    <dgm:txFillClrLst meth="repeat">
+      <a:schemeClr val="dk1"/>
+    </dgm:txFillClrLst>
+    <dgm:txEffectClrLst/>
+  </dgm:styleLbl>
   <dgm:styleLbl name="revTx">
     <dgm:fillClrLst meth="repeat">
       <a:schemeClr val="lt1">
@@ -875,15 +1005,17 @@
 </file>
 
 <file path=ppt/diagrams/colors2.xml><?xml version="1.0" encoding="utf-8"?>
-<dgm:colorsDef xmlns:dgm="http://schemas.openxmlformats.org/drawingml/2006/diagram" xmlns:a="http://schemas.openxmlformats.org/drawingml/2006/main" uniqueId="urn:microsoft.com/office/officeart/2005/8/colors/accent1_2">
+<dgm:colorsDef xmlns:dgm="http://schemas.openxmlformats.org/drawingml/2006/diagram" xmlns:a="http://schemas.openxmlformats.org/drawingml/2006/main" uniqueId="urn:microsoft.com/office/officeart/2005/8/colors/accent3_4">
   <dgm:title val=""/>
   <dgm:desc val=""/>
   <dgm:catLst>
-    <dgm:cat type="accent1" pri="11200"/>
+    <dgm:cat type="accent3" pri="11400"/>
   </dgm:catLst>
   <dgm:styleLbl name="node0">
-    <dgm:fillClrLst meth="repeat">
-      <a:schemeClr val="accent1"/>
+    <dgm:fillClrLst meth="cycle">
+      <a:schemeClr val="accent3">
+        <a:shade val="60000"/>
+      </a:schemeClr>
     </dgm:fillClrLst>
     <dgm:linClrLst meth="repeat">
       <a:schemeClr val="lt1"/>
@@ -893,21 +1025,14 @@
     <dgm:txFillClrLst/>
     <dgm:txEffectClrLst/>
   </dgm:styleLbl>
-  <dgm:styleLbl name="alignNode1">
-    <dgm:fillClrLst meth="repeat">
-      <a:schemeClr val="accent1"/>
-    </dgm:fillClrLst>
-    <dgm:linClrLst meth="repeat">
-      <a:schemeClr val="accent1"/>
-    </dgm:linClrLst>
-    <dgm:effectClrLst/>
-    <dgm:txLinClrLst/>
-    <dgm:txFillClrLst/>
-    <dgm:txEffectClrLst/>
-  </dgm:styleLbl>
   <dgm:styleLbl name="node1">
-    <dgm:fillClrLst meth="repeat">
-      <a:schemeClr val="accent1"/>
+    <dgm:fillClrLst meth="cycle">
+      <a:schemeClr val="accent3">
+        <a:shade val="50000"/>
+      </a:schemeClr>
+      <a:schemeClr val="accent3">
+        <a:tint val="55000"/>
+      </a:schemeClr>
     </dgm:fillClrLst>
     <dgm:linClrLst meth="repeat">
       <a:schemeClr val="lt1"/>
@@ -917,9 +1042,36 @@
     <dgm:txFillClrLst/>
     <dgm:txEffectClrLst/>
   </dgm:styleLbl>
+  <dgm:styleLbl name="alignNode1">
+    <dgm:fillClrLst meth="cycle">
+      <a:schemeClr val="accent3">
+        <a:shade val="50000"/>
+      </a:schemeClr>
+      <a:schemeClr val="accent3">
+        <a:tint val="55000"/>
+      </a:schemeClr>
+    </dgm:fillClrLst>
+    <dgm:linClrLst meth="cycle">
+      <a:schemeClr val="accent3">
+        <a:shade val="50000"/>
+      </a:schemeClr>
+      <a:schemeClr val="accent3">
+        <a:tint val="55000"/>
+      </a:schemeClr>
+    </dgm:linClrLst>
+    <dgm:effectClrLst/>
+    <dgm:txLinClrLst/>
+    <dgm:txFillClrLst/>
+    <dgm:txEffectClrLst/>
+  </dgm:styleLbl>
   <dgm:styleLbl name="lnNode1">
-    <dgm:fillClrLst meth="repeat">
-      <a:schemeClr val="accent1"/>
+    <dgm:fillClrLst meth="cycle">
+      <a:schemeClr val="accent3">
+        <a:shade val="50000"/>
+      </a:schemeClr>
+      <a:schemeClr val="accent3">
+        <a:tint val="55000"/>
+      </a:schemeClr>
     </dgm:fillClrLst>
     <dgm:linClrLst meth="repeat">
       <a:schemeClr val="lt1"/>
@@ -930,8 +1082,13 @@
     <dgm:txEffectClrLst/>
   </dgm:styleLbl>
   <dgm:styleLbl name="vennNode1">
-    <dgm:fillClrLst meth="repeat">
-      <a:schemeClr val="accent1">
+    <dgm:fillClrLst meth="cycle">
+      <a:schemeClr val="accent3">
+        <a:shade val="80000"/>
+        <a:alpha val="50000"/>
+      </a:schemeClr>
+      <a:schemeClr val="accent3">
+        <a:tint val="50000"/>
         <a:alpha val="50000"/>
       </a:schemeClr>
     </dgm:fillClrLst>
@@ -944,8 +1101,10 @@
     <dgm:txEffectClrLst/>
   </dgm:styleLbl>
   <dgm:styleLbl name="node2">
-    <dgm:fillClrLst meth="repeat">
-      <a:schemeClr val="accent1"/>
+    <dgm:fillClrLst>
+      <a:schemeClr val="accent3">
+        <a:shade val="80000"/>
+      </a:schemeClr>
     </dgm:fillClrLst>
     <dgm:linClrLst meth="repeat">
       <a:schemeClr val="lt1"/>
@@ -956,8 +1115,10 @@
     <dgm:txEffectClrLst/>
   </dgm:styleLbl>
   <dgm:styleLbl name="node3">
-    <dgm:fillClrLst meth="repeat">
-      <a:schemeClr val="accent1"/>
+    <dgm:fillClrLst>
+      <a:schemeClr val="accent3">
+        <a:tint val="99000"/>
+      </a:schemeClr>
     </dgm:fillClrLst>
     <dgm:linClrLst meth="repeat">
       <a:schemeClr val="lt1"/>
@@ -968,8 +1129,10 @@
     <dgm:txEffectClrLst/>
   </dgm:styleLbl>
   <dgm:styleLbl name="node4">
-    <dgm:fillClrLst meth="repeat">
-      <a:schemeClr val="accent1"/>
+    <dgm:fillClrLst>
+      <a:schemeClr val="accent3">
+        <a:tint val="70000"/>
+      </a:schemeClr>
     </dgm:fillClrLst>
     <dgm:linClrLst meth="repeat">
       <a:schemeClr val="lt1"/>
@@ -980,9 +1143,12 @@
     <dgm:txEffectClrLst/>
   </dgm:styleLbl>
   <dgm:styleLbl name="fgImgPlace1">
-    <dgm:fillClrLst meth="repeat">
-      <a:schemeClr val="accent1">
+    <dgm:fillClrLst>
+      <a:schemeClr val="accent3">
         <a:tint val="50000"/>
+      </a:schemeClr>
+      <a:schemeClr val="accent3">
+        <a:tint val="55000"/>
       </a:schemeClr>
     </dgm:fillClrLst>
     <dgm:linClrLst meth="repeat">
@@ -996,9 +1162,12 @@
     <dgm:txEffectClrLst/>
   </dgm:styleLbl>
   <dgm:styleLbl name="alignImgPlace1">
-    <dgm:fillClrLst meth="repeat">
-      <a:schemeClr val="accent1">
+    <dgm:fillClrLst>
+      <a:schemeClr val="accent3">
         <a:tint val="50000"/>
+      </a:schemeClr>
+      <a:schemeClr val="accent3">
+        <a:tint val="55000"/>
       </a:schemeClr>
     </dgm:fillClrLst>
     <dgm:linClrLst meth="repeat">
@@ -1012,9 +1181,12 @@
     <dgm:txEffectClrLst/>
   </dgm:styleLbl>
   <dgm:styleLbl name="bgImgPlace1">
-    <dgm:fillClrLst meth="repeat">
-      <a:schemeClr val="accent1">
+    <dgm:fillClrLst>
+      <a:schemeClr val="accent3">
         <a:tint val="50000"/>
+      </a:schemeClr>
+      <a:schemeClr val="accent3">
+        <a:tint val="55000"/>
       </a:schemeClr>
     </dgm:fillClrLst>
     <dgm:linClrLst meth="repeat">
@@ -1028,14 +1200,20 @@
     <dgm:txEffectClrLst/>
   </dgm:styleLbl>
   <dgm:styleLbl name="sibTrans2D1">
-    <dgm:fillClrLst meth="repeat">
-      <a:schemeClr val="accent1">
-        <a:tint val="60000"/>
+    <dgm:fillClrLst meth="cycle">
+      <a:schemeClr val="accent3">
+        <a:shade val="90000"/>
+      </a:schemeClr>
+      <a:schemeClr val="accent3">
+        <a:tint val="50000"/>
       </a:schemeClr>
     </dgm:fillClrLst>
-    <dgm:linClrLst meth="repeat">
-      <a:schemeClr val="accent1">
-        <a:tint val="60000"/>
+    <dgm:linClrLst meth="cycle">
+      <a:schemeClr val="accent3">
+        <a:shade val="90000"/>
+      </a:schemeClr>
+      <a:schemeClr val="accent3">
+        <a:tint val="50000"/>
       </a:schemeClr>
     </dgm:linClrLst>
     <dgm:effectClrLst/>
@@ -1044,14 +1222,20 @@
     <dgm:txEffectClrLst/>
   </dgm:styleLbl>
   <dgm:styleLbl name="fgSibTrans2D1">
-    <dgm:fillClrLst meth="repeat">
-      <a:schemeClr val="accent1">
-        <a:tint val="60000"/>
+    <dgm:fillClrLst meth="cycle">
+      <a:schemeClr val="accent3">
+        <a:shade val="90000"/>
+      </a:schemeClr>
+      <a:schemeClr val="accent3">
+        <a:tint val="50000"/>
       </a:schemeClr>
     </dgm:fillClrLst>
-    <dgm:linClrLst meth="repeat">
-      <a:schemeClr val="accent1">
-        <a:tint val="60000"/>
+    <dgm:linClrLst meth="cycle">
+      <a:schemeClr val="accent3">
+        <a:shade val="90000"/>
+      </a:schemeClr>
+      <a:schemeClr val="accent3">
+        <a:tint val="50000"/>
       </a:schemeClr>
     </dgm:linClrLst>
     <dgm:effectClrLst/>
@@ -1060,14 +1244,20 @@
     <dgm:txEffectClrLst/>
   </dgm:styleLbl>
   <dgm:styleLbl name="bgSibTrans2D1">
-    <dgm:fillClrLst meth="repeat">
-      <a:schemeClr val="accent1">
-        <a:tint val="60000"/>
+    <dgm:fillClrLst meth="cycle">
+      <a:schemeClr val="accent3">
+        <a:shade val="90000"/>
+      </a:schemeClr>
+      <a:schemeClr val="accent3">
+        <a:tint val="50000"/>
       </a:schemeClr>
     </dgm:fillClrLst>
-    <dgm:linClrLst meth="repeat">
-      <a:schemeClr val="accent1">
-        <a:tint val="60000"/>
+    <dgm:linClrLst meth="cycle">
+      <a:schemeClr val="accent3">
+        <a:shade val="90000"/>
+      </a:schemeClr>
+      <a:schemeClr val="accent3">
+        <a:tint val="50000"/>
       </a:schemeClr>
     </dgm:linClrLst>
     <dgm:effectClrLst/>
@@ -1076,11 +1266,21 @@
     <dgm:txEffectClrLst/>
   </dgm:styleLbl>
   <dgm:styleLbl name="sibTrans1D1">
-    <dgm:fillClrLst meth="repeat">
-      <a:schemeClr val="accent1"/>
+    <dgm:fillClrLst meth="cycle">
+      <a:schemeClr val="accent3">
+        <a:shade val="90000"/>
+      </a:schemeClr>
+      <a:schemeClr val="accent3">
+        <a:tint val="50000"/>
+      </a:schemeClr>
     </dgm:fillClrLst>
-    <dgm:linClrLst meth="repeat">
-      <a:schemeClr val="accent1"/>
+    <dgm:linClrLst meth="cycle">
+      <a:schemeClr val="accent3">
+        <a:shade val="90000"/>
+      </a:schemeClr>
+      <a:schemeClr val="accent3">
+        <a:tint val="50000"/>
+      </a:schemeClr>
     </dgm:linClrLst>
     <dgm:effectClrLst/>
     <dgm:txLinClrLst/>
@@ -1091,12 +1291,10 @@
   </dgm:styleLbl>
   <dgm:styleLbl name="callout">
     <dgm:fillClrLst meth="repeat">
-      <a:schemeClr val="accent1"/>
+      <a:schemeClr val="accent3"/>
     </dgm:fillClrLst>
     <dgm:linClrLst meth="repeat">
-      <a:schemeClr val="accent1">
-        <a:tint val="50000"/>
-      </a:schemeClr>
+      <a:schemeClr val="accent3"/>
     </dgm:linClrLst>
     <dgm:effectClrLst/>
     <dgm:txLinClrLst/>
@@ -1107,7 +1305,9 @@
   </dgm:styleLbl>
   <dgm:styleLbl name="asst0">
     <dgm:fillClrLst meth="repeat">
-      <a:schemeClr val="accent1"/>
+      <a:schemeClr val="accent3">
+        <a:shade val="80000"/>
+      </a:schemeClr>
     </dgm:fillClrLst>
     <dgm:linClrLst meth="repeat">
       <a:schemeClr val="lt1"/>
@@ -1119,7 +1319,9 @@
   </dgm:styleLbl>
   <dgm:styleLbl name="asst1">
     <dgm:fillClrLst meth="repeat">
-      <a:schemeClr val="accent1"/>
+      <a:schemeClr val="accent3">
+        <a:shade val="80000"/>
+      </a:schemeClr>
     </dgm:fillClrLst>
     <dgm:linClrLst meth="repeat">
       <a:schemeClr val="lt1"/>
@@ -1130,8 +1332,10 @@
     <dgm:txEffectClrLst/>
   </dgm:styleLbl>
   <dgm:styleLbl name="asst2">
-    <dgm:fillClrLst meth="repeat">
-      <a:schemeClr val="accent1"/>
+    <dgm:fillClrLst>
+      <a:schemeClr val="accent3">
+        <a:tint val="90000"/>
+      </a:schemeClr>
     </dgm:fillClrLst>
     <dgm:linClrLst meth="repeat">
       <a:schemeClr val="lt1"/>
@@ -1142,8 +1346,10 @@
     <dgm:txEffectClrLst/>
   </dgm:styleLbl>
   <dgm:styleLbl name="asst3">
-    <dgm:fillClrLst meth="repeat">
-      <a:schemeClr val="accent1"/>
+    <dgm:fillClrLst>
+      <a:schemeClr val="accent3">
+        <a:tint val="70000"/>
+      </a:schemeClr>
     </dgm:fillClrLst>
     <dgm:linClrLst meth="repeat">
       <a:schemeClr val="lt1"/>
@@ -1154,8 +1360,10 @@
     <dgm:txEffectClrLst/>
   </dgm:styleLbl>
   <dgm:styleLbl name="asst4">
-    <dgm:fillClrLst meth="repeat">
-      <a:schemeClr val="accent1"/>
+    <dgm:fillClrLst>
+      <a:schemeClr val="accent3">
+        <a:tint val="50000"/>
+      </a:schemeClr>
     </dgm:fillClrLst>
     <dgm:linClrLst meth="repeat">
       <a:schemeClr val="lt1"/>
@@ -1167,71 +1375,79 @@
   </dgm:styleLbl>
   <dgm:styleLbl name="parChTrans2D1">
     <dgm:fillClrLst meth="repeat">
-      <a:schemeClr val="accent1">
+      <a:schemeClr val="accent3">
         <a:tint val="60000"/>
       </a:schemeClr>
     </dgm:fillClrLst>
     <dgm:linClrLst meth="repeat">
-      <a:schemeClr val="accent1">
-        <a:tint val="60000"/>
+      <a:schemeClr val="accent3">
+        <a:shade val="80000"/>
+      </a:schemeClr>
+    </dgm:linClrLst>
+    <dgm:effectClrLst/>
+    <dgm:txLinClrLst/>
+    <dgm:txFillClrLst/>
+    <dgm:txEffectClrLst/>
+  </dgm:styleLbl>
+  <dgm:styleLbl name="parChTrans2D2">
+    <dgm:fillClrLst meth="repeat">
+      <a:schemeClr val="accent3">
+        <a:tint val="90000"/>
+      </a:schemeClr>
+    </dgm:fillClrLst>
+    <dgm:linClrLst meth="repeat">
+      <a:schemeClr val="accent3">
+        <a:tint val="90000"/>
+      </a:schemeClr>
+    </dgm:linClrLst>
+    <dgm:effectClrLst/>
+    <dgm:txLinClrLst/>
+    <dgm:txFillClrLst/>
+    <dgm:txEffectClrLst/>
+  </dgm:styleLbl>
+  <dgm:styleLbl name="parChTrans2D3">
+    <dgm:fillClrLst meth="repeat">
+      <a:schemeClr val="accent3">
+        <a:tint val="70000"/>
+      </a:schemeClr>
+    </dgm:fillClrLst>
+    <dgm:linClrLst meth="repeat">
+      <a:schemeClr val="accent3">
+        <a:tint val="70000"/>
+      </a:schemeClr>
+    </dgm:linClrLst>
+    <dgm:effectClrLst/>
+    <dgm:txLinClrLst/>
+    <dgm:txFillClrLst/>
+    <dgm:txEffectClrLst/>
+  </dgm:styleLbl>
+  <dgm:styleLbl name="parChTrans2D4">
+    <dgm:fillClrLst meth="repeat">
+      <a:schemeClr val="accent3">
+        <a:tint val="50000"/>
+      </a:schemeClr>
+    </dgm:fillClrLst>
+    <dgm:linClrLst meth="repeat">
+      <a:schemeClr val="accent3">
+        <a:tint val="50000"/>
       </a:schemeClr>
     </dgm:linClrLst>
     <dgm:effectClrLst/>
     <dgm:txLinClrLst/>
     <dgm:txFillClrLst meth="repeat">
-      <a:schemeClr val="lt1"/>
+      <a:schemeClr val="dk1"/>
     </dgm:txFillClrLst>
     <dgm:txEffectClrLst/>
   </dgm:styleLbl>
-  <dgm:styleLbl name="parChTrans2D2">
+  <dgm:styleLbl name="parChTrans1D1">
     <dgm:fillClrLst meth="repeat">
-      <a:schemeClr val="accent1"/>
+      <a:schemeClr val="accent3">
+        <a:shade val="80000"/>
+      </a:schemeClr>
     </dgm:fillClrLst>
     <dgm:linClrLst meth="repeat">
-      <a:schemeClr val="accent1"/>
-    </dgm:linClrLst>
-    <dgm:effectClrLst/>
-    <dgm:txLinClrLst/>
-    <dgm:txFillClrLst meth="repeat">
-      <a:schemeClr val="lt1"/>
-    </dgm:txFillClrLst>
-    <dgm:txEffectClrLst/>
-  </dgm:styleLbl>
-  <dgm:styleLbl name="parChTrans2D3">
-    <dgm:fillClrLst meth="repeat">
-      <a:schemeClr val="accent1"/>
-    </dgm:fillClrLst>
-    <dgm:linClrLst meth="repeat">
-      <a:schemeClr val="accent1"/>
-    </dgm:linClrLst>
-    <dgm:effectClrLst/>
-    <dgm:txLinClrLst/>
-    <dgm:txFillClrLst meth="repeat">
-      <a:schemeClr val="lt1"/>
-    </dgm:txFillClrLst>
-    <dgm:txEffectClrLst/>
-  </dgm:styleLbl>
-  <dgm:styleLbl name="parChTrans2D4">
-    <dgm:fillClrLst meth="repeat">
-      <a:schemeClr val="accent1"/>
-    </dgm:fillClrLst>
-    <dgm:linClrLst meth="repeat">
-      <a:schemeClr val="accent1"/>
-    </dgm:linClrLst>
-    <dgm:effectClrLst/>
-    <dgm:txLinClrLst/>
-    <dgm:txFillClrLst meth="repeat">
-      <a:schemeClr val="lt1"/>
-    </dgm:txFillClrLst>
-    <dgm:txEffectClrLst/>
-  </dgm:styleLbl>
-  <dgm:styleLbl name="parChTrans1D1">
-    <dgm:fillClrLst meth="repeat">
-      <a:schemeClr val="accent1"/>
-    </dgm:fillClrLst>
-    <dgm:linClrLst meth="repeat">
-      <a:schemeClr val="accent1">
-        <a:shade val="60000"/>
+      <a:schemeClr val="accent3">
+        <a:shade val="80000"/>
       </a:schemeClr>
     </dgm:linClrLst>
     <dgm:effectClrLst/>
@@ -1243,11 +1459,13 @@
   </dgm:styleLbl>
   <dgm:styleLbl name="parChTrans1D2">
     <dgm:fillClrLst meth="repeat">
-      <a:schemeClr val="accent1"/>
+      <a:schemeClr val="accent3">
+        <a:tint val="90000"/>
+      </a:schemeClr>
     </dgm:fillClrLst>
     <dgm:linClrLst meth="repeat">
-      <a:schemeClr val="accent1">
-        <a:shade val="60000"/>
+      <a:schemeClr val="accent3">
+        <a:tint val="90000"/>
       </a:schemeClr>
     </dgm:linClrLst>
     <dgm:effectClrLst/>
@@ -1259,11 +1477,13 @@
   </dgm:styleLbl>
   <dgm:styleLbl name="parChTrans1D3">
     <dgm:fillClrLst meth="repeat">
-      <a:schemeClr val="accent1"/>
+      <a:schemeClr val="accent3">
+        <a:tint val="70000"/>
+      </a:schemeClr>
     </dgm:fillClrLst>
     <dgm:linClrLst meth="repeat">
-      <a:schemeClr val="accent1">
-        <a:shade val="80000"/>
+      <a:schemeClr val="accent3">
+        <a:tint val="70000"/>
       </a:schemeClr>
     </dgm:linClrLst>
     <dgm:effectClrLst/>
@@ -1275,11 +1495,13 @@
   </dgm:styleLbl>
   <dgm:styleLbl name="parChTrans1D4">
     <dgm:fillClrLst meth="repeat">
-      <a:schemeClr val="accent1"/>
+      <a:schemeClr val="accent3">
+        <a:tint val="50000"/>
+      </a:schemeClr>
     </dgm:fillClrLst>
     <dgm:linClrLst meth="repeat">
-      <a:schemeClr val="accent1">
-        <a:shade val="80000"/>
+      <a:schemeClr val="accent3">
+        <a:tint val="50000"/>
       </a:schemeClr>
     </dgm:linClrLst>
     <dgm:effectClrLst/>
@@ -1295,8 +1517,13 @@
         <a:alpha val="90000"/>
       </a:schemeClr>
     </dgm:fillClrLst>
-    <dgm:linClrLst meth="repeat">
-      <a:schemeClr val="accent1"/>
+    <dgm:linClrLst meth="cycle">
+      <a:schemeClr val="accent3">
+        <a:shade val="50000"/>
+      </a:schemeClr>
+      <a:schemeClr val="accent3">
+        <a:tint val="55000"/>
+      </a:schemeClr>
     </dgm:linClrLst>
     <dgm:effectClrLst/>
     <dgm:txLinClrLst/>
@@ -1311,8 +1538,13 @@
         <a:alpha val="90000"/>
       </a:schemeClr>
     </dgm:fillClrLst>
-    <dgm:linClrLst meth="repeat">
-      <a:schemeClr val="accent1"/>
+    <dgm:linClrLst meth="cycle">
+      <a:schemeClr val="accent3">
+        <a:shade val="50000"/>
+      </a:schemeClr>
+      <a:schemeClr val="accent3">
+        <a:tint val="55000"/>
+      </a:schemeClr>
     </dgm:linClrLst>
     <dgm:effectClrLst/>
     <dgm:txLinClrLst/>
@@ -1327,8 +1559,13 @@
         <a:alpha val="90000"/>
       </a:schemeClr>
     </dgm:fillClrLst>
-    <dgm:linClrLst meth="repeat">
-      <a:schemeClr val="accent1"/>
+    <dgm:linClrLst meth="cycle">
+      <a:schemeClr val="accent3">
+        <a:shade val="50000"/>
+      </a:schemeClr>
+      <a:schemeClr val="accent3">
+        <a:tint val="55000"/>
+      </a:schemeClr>
     </dgm:linClrLst>
     <dgm:effectClrLst/>
     <dgm:txLinClrLst/>
@@ -1340,11 +1577,11 @@
   <dgm:styleLbl name="trAlignAcc1">
     <dgm:fillClrLst meth="repeat">
       <a:schemeClr val="lt1">
-        <a:alpha val="40000"/>
+        <a:alpha val="55000"/>
       </a:schemeClr>
     </dgm:fillClrLst>
     <dgm:linClrLst meth="repeat">
-      <a:schemeClr val="accent1"/>
+      <a:schemeClr val="accent3"/>
     </dgm:linClrLst>
     <dgm:effectClrLst/>
     <dgm:txLinClrLst/>
@@ -1359,8 +1596,13 @@
         <a:alpha val="90000"/>
       </a:schemeClr>
     </dgm:fillClrLst>
-    <dgm:linClrLst meth="repeat">
-      <a:schemeClr val="accent1"/>
+    <dgm:linClrLst meth="cycle">
+      <a:schemeClr val="accent3">
+        <a:shade val="50000"/>
+      </a:schemeClr>
+      <a:schemeClr val="accent3">
+        <a:tint val="55000"/>
+      </a:schemeClr>
     </dgm:linClrLst>
     <dgm:effectClrLst/>
     <dgm:txLinClrLst/>
@@ -1373,8 +1615,13 @@
     <dgm:fillClrLst meth="repeat">
       <a:schemeClr val="lt1"/>
     </dgm:fillClrLst>
-    <dgm:linClrLst meth="repeat">
-      <a:schemeClr val="accent1"/>
+    <dgm:linClrLst meth="cycle">
+      <a:schemeClr val="accent3">
+        <a:shade val="50000"/>
+      </a:schemeClr>
+      <a:schemeClr val="accent3">
+        <a:tint val="55000"/>
+      </a:schemeClr>
     </dgm:linClrLst>
     <dgm:effectClrLst/>
     <dgm:txLinClrLst/>
@@ -1388,7 +1635,7 @@
       <a:schemeClr val="lt1"/>
     </dgm:fillClrLst>
     <dgm:linClrLst meth="repeat">
-      <a:schemeClr val="accent1"/>
+      <a:schemeClr val="accent3"/>
     </dgm:linClrLst>
     <dgm:effectClrLst/>
     <dgm:txLinClrLst/>
@@ -1402,7 +1649,7 @@
       <a:schemeClr val="lt1"/>
     </dgm:fillClrLst>
     <dgm:linClrLst meth="repeat">
-      <a:schemeClr val="accent1"/>
+      <a:schemeClr val="accent3"/>
     </dgm:linClrLst>
     <dgm:effectClrLst/>
     <dgm:txLinClrLst/>
@@ -1413,15 +1660,15 @@
   </dgm:styleLbl>
   <dgm:styleLbl name="fgAccFollowNode1">
     <dgm:fillClrLst meth="repeat">
-      <a:schemeClr val="accent1">
+      <a:schemeClr val="accent3">
         <a:alpha val="90000"/>
-        <a:tint val="40000"/>
+        <a:tint val="55000"/>
       </a:schemeClr>
     </dgm:fillClrLst>
     <dgm:linClrLst meth="repeat">
-      <a:schemeClr val="accent1">
+      <a:schemeClr val="accent3">
         <a:alpha val="90000"/>
-        <a:tint val="40000"/>
+        <a:tint val="55000"/>
       </a:schemeClr>
     </dgm:linClrLst>
     <dgm:effectClrLst/>
@@ -1433,15 +1680,15 @@
   </dgm:styleLbl>
   <dgm:styleLbl name="alignAccFollowNode1">
     <dgm:fillClrLst meth="repeat">
-      <a:schemeClr val="accent1">
+      <a:schemeClr val="accent3">
         <a:alpha val="90000"/>
-        <a:tint val="40000"/>
+        <a:tint val="55000"/>
       </a:schemeClr>
     </dgm:fillClrLst>
     <dgm:linClrLst meth="repeat">
-      <a:schemeClr val="accent1">
+      <a:schemeClr val="accent3">
         <a:alpha val="90000"/>
-        <a:tint val="40000"/>
+        <a:tint val="55000"/>
       </a:schemeClr>
     </dgm:linClrLst>
     <dgm:effectClrLst/>
@@ -1453,141 +1700,9 @@
   </dgm:styleLbl>
   <dgm:styleLbl name="bgAccFollowNode1">
     <dgm:fillClrLst meth="repeat">
-      <a:schemeClr val="accent1">
+      <a:schemeClr val="accent3">
         <a:alpha val="90000"/>
-        <a:tint val="40000"/>
-      </a:schemeClr>
-    </dgm:fillClrLst>
-    <dgm:linClrLst meth="repeat">
-      <a:schemeClr val="accent1">
-        <a:alpha val="90000"/>
-        <a:tint val="40000"/>
-      </a:schemeClr>
-    </dgm:linClrLst>
-    <dgm:effectClrLst/>
-    <dgm:txLinClrLst/>
-    <dgm:txFillClrLst meth="repeat">
-      <a:schemeClr val="dk1"/>
-    </dgm:txFillClrLst>
-    <dgm:txEffectClrLst/>
-  </dgm:styleLbl>
-  <dgm:styleLbl name="fgAcc0">
-    <dgm:fillClrLst meth="repeat">
-      <a:schemeClr val="lt1">
-        <a:alpha val="90000"/>
-      </a:schemeClr>
-    </dgm:fillClrLst>
-    <dgm:linClrLst meth="repeat">
-      <a:schemeClr val="accent1"/>
-    </dgm:linClrLst>
-    <dgm:effectClrLst/>
-    <dgm:txLinClrLst/>
-    <dgm:txFillClrLst meth="repeat">
-      <a:schemeClr val="dk1"/>
-    </dgm:txFillClrLst>
-    <dgm:txEffectClrLst/>
-  </dgm:styleLbl>
-  <dgm:styleLbl name="fgAcc2">
-    <dgm:fillClrLst meth="repeat">
-      <a:schemeClr val="lt1">
-        <a:alpha val="90000"/>
-      </a:schemeClr>
-    </dgm:fillClrLst>
-    <dgm:linClrLst meth="repeat">
-      <a:schemeClr val="accent1"/>
-    </dgm:linClrLst>
-    <dgm:effectClrLst/>
-    <dgm:txLinClrLst/>
-    <dgm:txFillClrLst meth="repeat">
-      <a:schemeClr val="dk1"/>
-    </dgm:txFillClrLst>
-    <dgm:txEffectClrLst/>
-  </dgm:styleLbl>
-  <dgm:styleLbl name="fgAcc3">
-    <dgm:fillClrLst meth="repeat">
-      <a:schemeClr val="lt1">
-        <a:alpha val="90000"/>
-      </a:schemeClr>
-    </dgm:fillClrLst>
-    <dgm:linClrLst meth="repeat">
-      <a:schemeClr val="accent1"/>
-    </dgm:linClrLst>
-    <dgm:effectClrLst/>
-    <dgm:txLinClrLst/>
-    <dgm:txFillClrLst meth="repeat">
-      <a:schemeClr val="dk1"/>
-    </dgm:txFillClrLst>
-    <dgm:txEffectClrLst/>
-  </dgm:styleLbl>
-  <dgm:styleLbl name="fgAcc4">
-    <dgm:fillClrLst meth="repeat">
-      <a:schemeClr val="lt1">
-        <a:alpha val="90000"/>
-      </a:schemeClr>
-    </dgm:fillClrLst>
-    <dgm:linClrLst meth="repeat">
-      <a:schemeClr val="accent1"/>
-    </dgm:linClrLst>
-    <dgm:effectClrLst/>
-    <dgm:txLinClrLst/>
-    <dgm:txFillClrLst meth="repeat">
-      <a:schemeClr val="dk1"/>
-    </dgm:txFillClrLst>
-    <dgm:txEffectClrLst/>
-  </dgm:styleLbl>
-  <dgm:styleLbl name="bgShp">
-    <dgm:fillClrLst meth="repeat">
-      <a:schemeClr val="accent1">
-        <a:tint val="40000"/>
-      </a:schemeClr>
-    </dgm:fillClrLst>
-    <dgm:linClrLst meth="repeat">
-      <a:schemeClr val="accent1"/>
-    </dgm:linClrLst>
-    <dgm:effectClrLst/>
-    <dgm:txLinClrLst/>
-    <dgm:txFillClrLst meth="repeat">
-      <a:schemeClr val="dk1"/>
-    </dgm:txFillClrLst>
-    <dgm:txEffectClrLst/>
-  </dgm:styleLbl>
-  <dgm:styleLbl name="dkBgShp">
-    <dgm:fillClrLst meth="repeat">
-      <a:schemeClr val="accent1">
-        <a:shade val="80000"/>
-      </a:schemeClr>
-    </dgm:fillClrLst>
-    <dgm:linClrLst meth="repeat">
-      <a:schemeClr val="accent1"/>
-    </dgm:linClrLst>
-    <dgm:effectClrLst/>
-    <dgm:txLinClrLst/>
-    <dgm:txFillClrLst meth="repeat">
-      <a:schemeClr val="lt1"/>
-    </dgm:txFillClrLst>
-    <dgm:txEffectClrLst/>
-  </dgm:styleLbl>
-  <dgm:styleLbl name="trBgShp">
-    <dgm:fillClrLst meth="repeat">
-      <a:schemeClr val="accent1">
-        <a:tint val="50000"/>
-        <a:alpha val="40000"/>
-      </a:schemeClr>
-    </dgm:fillClrLst>
-    <dgm:linClrLst meth="repeat">
-      <a:schemeClr val="accent1"/>
-    </dgm:linClrLst>
-    <dgm:effectClrLst/>
-    <dgm:txLinClrLst/>
-    <dgm:txFillClrLst meth="repeat">
-      <a:schemeClr val="lt1"/>
-    </dgm:txFillClrLst>
-    <dgm:txEffectClrLst/>
-  </dgm:styleLbl>
-  <dgm:styleLbl name="fgShp">
-    <dgm:fillClrLst meth="repeat">
-      <a:schemeClr val="accent1">
-        <a:tint val="60000"/>
+        <a:tint val="55000"/>
       </a:schemeClr>
     </dgm:fillClrLst>
     <dgm:linClrLst meth="repeat">
@@ -1600,6 +1715,143 @@
     </dgm:txFillClrLst>
     <dgm:txEffectClrLst/>
   </dgm:styleLbl>
+  <dgm:styleLbl name="fgAcc0">
+    <dgm:fillClrLst meth="repeat">
+      <a:schemeClr val="lt1">
+        <a:alpha val="90000"/>
+      </a:schemeClr>
+    </dgm:fillClrLst>
+    <dgm:linClrLst meth="repeat">
+      <a:schemeClr val="accent3">
+        <a:shade val="80000"/>
+      </a:schemeClr>
+    </dgm:linClrLst>
+    <dgm:effectClrLst/>
+    <dgm:txLinClrLst/>
+    <dgm:txFillClrLst meth="repeat">
+      <a:schemeClr val="dk1"/>
+    </dgm:txFillClrLst>
+    <dgm:txEffectClrLst/>
+  </dgm:styleLbl>
+  <dgm:styleLbl name="fgAcc2">
+    <dgm:fillClrLst meth="repeat">
+      <a:schemeClr val="lt1">
+        <a:alpha val="90000"/>
+      </a:schemeClr>
+    </dgm:fillClrLst>
+    <dgm:linClrLst meth="repeat">
+      <a:schemeClr val="accent3">
+        <a:tint val="90000"/>
+      </a:schemeClr>
+    </dgm:linClrLst>
+    <dgm:effectClrLst/>
+    <dgm:txLinClrLst/>
+    <dgm:txFillClrLst meth="repeat">
+      <a:schemeClr val="dk1"/>
+    </dgm:txFillClrLst>
+    <dgm:txEffectClrLst/>
+  </dgm:styleLbl>
+  <dgm:styleLbl name="fgAcc3">
+    <dgm:fillClrLst meth="repeat">
+      <a:schemeClr val="lt1">
+        <a:alpha val="90000"/>
+      </a:schemeClr>
+    </dgm:fillClrLst>
+    <dgm:linClrLst meth="repeat">
+      <a:schemeClr val="accent3">
+        <a:tint val="70000"/>
+      </a:schemeClr>
+    </dgm:linClrLst>
+    <dgm:effectClrLst/>
+    <dgm:txLinClrLst/>
+    <dgm:txFillClrLst meth="repeat">
+      <a:schemeClr val="dk1"/>
+    </dgm:txFillClrLst>
+    <dgm:txEffectClrLst/>
+  </dgm:styleLbl>
+  <dgm:styleLbl name="fgAcc4">
+    <dgm:fillClrLst meth="repeat">
+      <a:schemeClr val="lt1">
+        <a:alpha val="90000"/>
+      </a:schemeClr>
+    </dgm:fillClrLst>
+    <dgm:linClrLst meth="repeat">
+      <a:schemeClr val="accent3">
+        <a:tint val="50000"/>
+      </a:schemeClr>
+    </dgm:linClrLst>
+    <dgm:effectClrLst/>
+    <dgm:txLinClrLst/>
+    <dgm:txFillClrLst meth="repeat">
+      <a:schemeClr val="dk1"/>
+    </dgm:txFillClrLst>
+    <dgm:txEffectClrLst/>
+  </dgm:styleLbl>
+  <dgm:styleLbl name="bgShp">
+    <dgm:fillClrLst meth="repeat">
+      <a:schemeClr val="accent3">
+        <a:tint val="55000"/>
+      </a:schemeClr>
+    </dgm:fillClrLst>
+    <dgm:linClrLst meth="repeat">
+      <a:schemeClr val="dk1"/>
+    </dgm:linClrLst>
+    <dgm:effectClrLst/>
+    <dgm:txLinClrLst/>
+    <dgm:txFillClrLst meth="repeat">
+      <a:schemeClr val="dk1"/>
+    </dgm:txFillClrLst>
+    <dgm:txEffectClrLst/>
+  </dgm:styleLbl>
+  <dgm:styleLbl name="dkBgShp">
+    <dgm:fillClrLst meth="repeat">
+      <a:schemeClr val="accent3">
+        <a:shade val="90000"/>
+      </a:schemeClr>
+    </dgm:fillClrLst>
+    <dgm:linClrLst meth="repeat">
+      <a:schemeClr val="dk1"/>
+    </dgm:linClrLst>
+    <dgm:effectClrLst/>
+    <dgm:txLinClrLst/>
+    <dgm:txFillClrLst meth="repeat">
+      <a:schemeClr val="lt1"/>
+    </dgm:txFillClrLst>
+    <dgm:txEffectClrLst/>
+  </dgm:styleLbl>
+  <dgm:styleLbl name="trBgShp">
+    <dgm:fillClrLst meth="repeat">
+      <a:schemeClr val="accent3">
+        <a:tint val="50000"/>
+        <a:alpha val="55000"/>
+      </a:schemeClr>
+    </dgm:fillClrLst>
+    <dgm:linClrLst meth="repeat">
+      <a:schemeClr val="accent3"/>
+    </dgm:linClrLst>
+    <dgm:effectClrLst/>
+    <dgm:txLinClrLst/>
+    <dgm:txFillClrLst meth="repeat">
+      <a:schemeClr val="lt1"/>
+    </dgm:txFillClrLst>
+    <dgm:txEffectClrLst/>
+  </dgm:styleLbl>
+  <dgm:styleLbl name="fgShp">
+    <dgm:fillClrLst meth="repeat">
+      <a:schemeClr val="accent3">
+        <a:tint val="55000"/>
+      </a:schemeClr>
+    </dgm:fillClrLst>
+    <dgm:linClrLst meth="repeat">
+      <a:schemeClr val="lt1"/>
+    </dgm:linClrLst>
+    <dgm:effectClrLst/>
+    <dgm:txLinClrLst/>
+    <dgm:txFillClrLst meth="repeat">
+      <a:schemeClr val="dk1"/>
+    </dgm:txFillClrLst>
+    <dgm:txEffectClrLst/>
+  </dgm:styleLbl>
   <dgm:styleLbl name="revTx">
     <dgm:fillClrLst meth="repeat">
       <a:schemeClr val="lt1">
@@ -1625,57 +1877,29 @@
 <dgm:dataModel xmlns:dgm="http://schemas.openxmlformats.org/drawingml/2006/diagram" xmlns:a="http://schemas.openxmlformats.org/drawingml/2006/main">
   <dgm:ptLst>
     <dgm:pt modelId="{438416E7-1283-4D1F-A0C9-DABDD2F27FCE}" type="doc">
-      <dgm:prSet loTypeId="urn:microsoft.com/office/officeart/2005/8/layout/process1" loCatId="process" qsTypeId="urn:microsoft.com/office/officeart/2005/8/quickstyle/simple2" qsCatId="simple" csTypeId="urn:microsoft.com/office/officeart/2005/8/colors/accent1_2" csCatId="accent1" phldr="1"/>
+      <dgm:prSet loTypeId="urn:microsoft.com/office/officeart/2005/8/layout/process1" loCatId="process" qsTypeId="urn:microsoft.com/office/officeart/2005/8/quickstyle/simple2" qsCatId="simple" csTypeId="urn:microsoft.com/office/officeart/2005/8/colors/accent3_4" csCatId="accent3" phldr="1"/>
       <dgm:spPr/>
     </dgm:pt>
     <dgm:pt modelId="{DE464311-0A12-482A-9F17-E14388DF3C78}">
       <dgm:prSet phldrT="[Text]"/>
-      <dgm:spPr>
-        <a:solidFill>
-          <a:srgbClr val="D6CA2A"/>
-        </a:solidFill>
-      </dgm:spPr>
+      <dgm:spPr/>
       <dgm:t>
         <a:bodyPr/>
         <a:lstStyle/>
         <a:p>
           <a:r>
-            <a:rPr lang="es-ES" dirty="0" err="1">
-              <a:solidFill>
-                <a:schemeClr val="bg1">
-                  <a:lumMod val="50000"/>
-                </a:schemeClr>
-              </a:solidFill>
-            </a:rPr>
+            <a:rPr lang="es-ES" dirty="0" err="1"/>
             <a:t>Baseline</a:t>
           </a:r>
           <a:r>
-            <a:rPr lang="es-ES" dirty="0">
-              <a:solidFill>
-                <a:schemeClr val="bg1">
-                  <a:lumMod val="50000"/>
-                </a:schemeClr>
-              </a:solidFill>
-            </a:rPr>
+            <a:rPr lang="es-ES" dirty="0"/>
             <a:t> </a:t>
           </a:r>
           <a:r>
-            <a:rPr lang="es-ES" dirty="0" err="1">
-              <a:solidFill>
-                <a:schemeClr val="bg1">
-                  <a:lumMod val="50000"/>
-                </a:schemeClr>
-              </a:solidFill>
-            </a:rPr>
+            <a:rPr lang="es-ES" dirty="0" err="1"/>
             <a:t>model</a:t>
           </a:r>
-          <a:endParaRPr lang="en-US" dirty="0">
-            <a:solidFill>
-              <a:schemeClr val="bg1">
-                <a:lumMod val="50000"/>
-              </a:schemeClr>
-            </a:solidFill>
-          </a:endParaRPr>
+          <a:endParaRPr lang="en-US" dirty="0"/>
         </a:p>
       </dgm:t>
     </dgm:pt>
@@ -1692,23 +1916,12 @@
     </dgm:pt>
     <dgm:pt modelId="{5548BE58-DCE4-4A08-92C6-20153C2868E4}" type="sibTrans" cxnId="{782F3FF5-28A4-46CE-8887-EA02D7772417}">
       <dgm:prSet/>
-      <dgm:spPr>
-        <a:solidFill>
-          <a:schemeClr val="bg1">
-            <a:lumMod val="65000"/>
-          </a:schemeClr>
-        </a:solidFill>
-      </dgm:spPr>
+      <dgm:spPr/>
       <dgm:t>
         <a:bodyPr/>
         <a:lstStyle/>
         <a:p>
           <a:endParaRPr lang="en-US">
-            <a:solidFill>
-              <a:schemeClr val="bg1">
-                <a:lumMod val="50000"/>
-              </a:schemeClr>
-            </a:solidFill>
             <a:highlight>
               <a:srgbClr val="C0C0C0"/>
             </a:highlight>
@@ -1718,62 +1931,28 @@
     </dgm:pt>
     <dgm:pt modelId="{C14BC89A-F795-4693-887E-85C90EF4DF63}">
       <dgm:prSet phldrT="[Text]"/>
-      <dgm:spPr>
-        <a:solidFill>
-          <a:srgbClr val="D6CA2A"/>
-        </a:solidFill>
-      </dgm:spPr>
+      <dgm:spPr/>
       <dgm:t>
         <a:bodyPr/>
         <a:lstStyle/>
         <a:p>
           <a:r>
-            <a:rPr lang="es-ES" dirty="0">
-              <a:solidFill>
-                <a:schemeClr val="bg1">
-                  <a:lumMod val="50000"/>
-                </a:schemeClr>
-              </a:solidFill>
-            </a:rPr>
+            <a:rPr lang="es-ES" dirty="0"/>
             <a:t>4 + 2 </a:t>
           </a:r>
           <a:r>
-            <a:rPr lang="es-ES" dirty="0" err="1">
-              <a:solidFill>
-                <a:schemeClr val="bg1">
-                  <a:lumMod val="50000"/>
-                </a:schemeClr>
-              </a:solidFill>
-            </a:rPr>
+            <a:rPr lang="es-ES" dirty="0" err="1"/>
             <a:t>model</a:t>
           </a:r>
           <a:r>
-            <a:rPr lang="es-ES" dirty="0">
-              <a:solidFill>
-                <a:schemeClr val="bg1">
-                  <a:lumMod val="50000"/>
-                </a:schemeClr>
-              </a:solidFill>
-            </a:rPr>
+            <a:rPr lang="es-ES" dirty="0"/>
             <a:t> </a:t>
           </a:r>
           <a:r>
-            <a:rPr lang="es-ES" dirty="0" err="1">
-              <a:solidFill>
-                <a:schemeClr val="bg1">
-                  <a:lumMod val="50000"/>
-                </a:schemeClr>
-              </a:solidFill>
-            </a:rPr>
+            <a:rPr lang="es-ES" dirty="0" err="1"/>
             <a:t>iterations</a:t>
           </a:r>
-          <a:endParaRPr lang="en-US" dirty="0">
-            <a:solidFill>
-              <a:schemeClr val="bg1">
-                <a:lumMod val="50000"/>
-              </a:schemeClr>
-            </a:solidFill>
-          </a:endParaRPr>
+          <a:endParaRPr lang="en-US" dirty="0"/>
         </a:p>
       </dgm:t>
     </dgm:pt>
@@ -1790,13 +1969,7 @@
     </dgm:pt>
     <dgm:pt modelId="{FF10A927-E604-4E6B-A678-49EBFFFF6EA3}" type="sibTrans" cxnId="{D89BC4B2-5A63-403A-BFED-13F4636DAA4D}">
       <dgm:prSet/>
-      <dgm:spPr>
-        <a:solidFill>
-          <a:schemeClr val="bg1">
-            <a:lumMod val="65000"/>
-          </a:schemeClr>
-        </a:solidFill>
-      </dgm:spPr>
+      <dgm:spPr/>
       <dgm:t>
         <a:bodyPr/>
         <a:lstStyle/>
@@ -1811,42 +1984,20 @@
     </dgm:pt>
     <dgm:pt modelId="{857A1F93-9117-487D-8F9A-598A4578A918}">
       <dgm:prSet phldrT="[Text]"/>
-      <dgm:spPr>
-        <a:solidFill>
-          <a:srgbClr val="D6CA2A"/>
-        </a:solidFill>
-      </dgm:spPr>
+      <dgm:spPr/>
       <dgm:t>
         <a:bodyPr/>
         <a:lstStyle/>
         <a:p>
           <a:r>
-            <a:rPr lang="es-ES" dirty="0">
-              <a:solidFill>
-                <a:schemeClr val="bg1">
-                  <a:lumMod val="50000"/>
-                </a:schemeClr>
-              </a:solidFill>
-            </a:rPr>
+            <a:rPr lang="es-ES" dirty="0"/>
             <a:t>Final </a:t>
           </a:r>
           <a:r>
-            <a:rPr lang="es-ES" dirty="0" err="1">
-              <a:solidFill>
-                <a:schemeClr val="bg1">
-                  <a:lumMod val="50000"/>
-                </a:schemeClr>
-              </a:solidFill>
-            </a:rPr>
+            <a:rPr lang="es-ES" dirty="0" err="1"/>
             <a:t>model</a:t>
           </a:r>
-          <a:endParaRPr lang="en-US" dirty="0">
-            <a:solidFill>
-              <a:schemeClr val="bg1">
-                <a:lumMod val="50000"/>
-              </a:schemeClr>
-            </a:solidFill>
-          </a:endParaRPr>
+          <a:endParaRPr lang="en-US" dirty="0"/>
         </a:p>
       </dgm:t>
     </dgm:pt>
@@ -1956,49 +2107,29 @@
 <dgm:dataModel xmlns:dgm="http://schemas.openxmlformats.org/drawingml/2006/diagram" xmlns:a="http://schemas.openxmlformats.org/drawingml/2006/main">
   <dgm:ptLst>
     <dgm:pt modelId="{438416E7-1283-4D1F-A0C9-DABDD2F27FCE}" type="doc">
-      <dgm:prSet loTypeId="urn:microsoft.com/office/officeart/2005/8/layout/process1" loCatId="process" qsTypeId="urn:microsoft.com/office/officeart/2005/8/quickstyle/simple1" qsCatId="simple" csTypeId="urn:microsoft.com/office/officeart/2005/8/colors/accent1_2" csCatId="accent1" phldr="1"/>
+      <dgm:prSet loTypeId="urn:microsoft.com/office/officeart/2005/8/layout/process1" loCatId="process" qsTypeId="urn:microsoft.com/office/officeart/2005/8/quickstyle/simple1" qsCatId="simple" csTypeId="urn:microsoft.com/office/officeart/2005/8/colors/accent3_4" csCatId="accent3" phldr="1"/>
       <dgm:spPr/>
     </dgm:pt>
     <dgm:pt modelId="{DE464311-0A12-482A-9F17-E14388DF3C78}">
       <dgm:prSet phldrT="[Text]" custT="1"/>
-      <dgm:spPr>
-        <a:solidFill>
-          <a:srgbClr val="D6CA2A"/>
-        </a:solidFill>
-      </dgm:spPr>
+      <dgm:spPr/>
       <dgm:t>
         <a:bodyPr/>
         <a:lstStyle/>
         <a:p>
           <a:r>
-            <a:rPr lang="es-ES" sz="3700" dirty="0" err="1">
-              <a:solidFill>
-                <a:srgbClr val="7F7F7F"/>
-              </a:solidFill>
-            </a:rPr>
+            <a:rPr lang="es-ES" sz="3700" dirty="0" err="1"/>
             <a:t>Baseline</a:t>
           </a:r>
           <a:r>
-            <a:rPr lang="es-ES" sz="3700" dirty="0">
-              <a:solidFill>
-                <a:srgbClr val="7F7F7F"/>
-              </a:solidFill>
-            </a:rPr>
+            <a:rPr lang="es-ES" sz="3700" dirty="0"/>
             <a:t> </a:t>
           </a:r>
           <a:r>
-            <a:rPr lang="es-ES" sz="3700" dirty="0" err="1">
-              <a:solidFill>
-                <a:srgbClr val="7F7F7F"/>
-              </a:solidFill>
-            </a:rPr>
+            <a:rPr lang="es-ES" sz="3700" dirty="0" err="1"/>
             <a:t>model</a:t>
           </a:r>
-          <a:endParaRPr lang="en-US" sz="3700" dirty="0">
-            <a:solidFill>
-              <a:srgbClr val="7F7F7F"/>
-            </a:solidFill>
-          </a:endParaRPr>
+          <a:endParaRPr lang="en-US" sz="3700" dirty="0"/>
         </a:p>
       </dgm:t>
     </dgm:pt>
@@ -2015,13 +2146,7 @@
     </dgm:pt>
     <dgm:pt modelId="{5548BE58-DCE4-4A08-92C6-20153C2868E4}" type="sibTrans" cxnId="{782F3FF5-28A4-46CE-8887-EA02D7772417}">
       <dgm:prSet custT="1"/>
-      <dgm:spPr>
-        <a:solidFill>
-          <a:schemeClr val="bg1">
-            <a:lumMod val="65000"/>
-          </a:schemeClr>
-        </a:solidFill>
-      </dgm:spPr>
+      <dgm:spPr/>
       <dgm:t>
         <a:bodyPr/>
         <a:lstStyle/>
@@ -2032,92 +2157,48 @@
     </dgm:pt>
     <dgm:pt modelId="{C14BC89A-F795-4693-887E-85C90EF4DF63}">
       <dgm:prSet phldrT="[Text]" custT="1"/>
-      <dgm:spPr>
-        <a:solidFill>
-          <a:srgbClr val="5FA972"/>
-        </a:solidFill>
-      </dgm:spPr>
+      <dgm:spPr/>
       <dgm:t>
         <a:bodyPr/>
         <a:lstStyle/>
         <a:p>
           <a:r>
-            <a:rPr lang="es-ES" sz="2000" dirty="0" err="1">
-              <a:solidFill>
-                <a:srgbClr val="F2F2F2"/>
-              </a:solidFill>
-            </a:rPr>
+            <a:rPr lang="es-ES" sz="2000" dirty="0" err="1"/>
             <a:t>Database</a:t>
           </a:r>
           <a:r>
-            <a:rPr lang="es-ES" sz="2000" dirty="0">
-              <a:solidFill>
-                <a:srgbClr val="F2F2F2"/>
-              </a:solidFill>
-            </a:rPr>
+            <a:rPr lang="es-ES" sz="2000" dirty="0"/>
             <a:t> </a:t>
           </a:r>
           <a:r>
-            <a:rPr lang="es-ES" sz="2000" dirty="0" err="1">
-              <a:solidFill>
-                <a:srgbClr val="F2F2F2"/>
-              </a:solidFill>
-            </a:rPr>
+            <a:rPr lang="es-ES" sz="2000" dirty="0" err="1"/>
             <a:t>from</a:t>
           </a:r>
           <a:r>
-            <a:rPr lang="es-ES" sz="2000" dirty="0">
-              <a:solidFill>
-                <a:srgbClr val="F2F2F2"/>
-              </a:solidFill>
-            </a:rPr>
+            <a:rPr lang="es-ES" sz="2000" dirty="0"/>
             <a:t> </a:t>
           </a:r>
           <a:r>
-            <a:rPr lang="es-ES" sz="2000" dirty="0" err="1">
-              <a:solidFill>
-                <a:srgbClr val="F2F2F2"/>
-              </a:solidFill>
-            </a:rPr>
+            <a:rPr lang="es-ES" sz="2000" dirty="0" err="1"/>
             <a:t>best</a:t>
           </a:r>
           <a:r>
-            <a:rPr lang="es-ES" sz="2000" dirty="0">
-              <a:solidFill>
-                <a:srgbClr val="F2F2F2"/>
-              </a:solidFill>
-            </a:rPr>
+            <a:rPr lang="es-ES" sz="2000" dirty="0"/>
             <a:t> linear </a:t>
           </a:r>
           <a:r>
-            <a:rPr lang="es-ES" sz="2000" dirty="0" err="1">
-              <a:solidFill>
-                <a:srgbClr val="F2F2F2"/>
-              </a:solidFill>
-            </a:rPr>
+            <a:rPr lang="es-ES" sz="2000" dirty="0" err="1"/>
             <a:t>regression</a:t>
           </a:r>
           <a:r>
-            <a:rPr lang="es-ES" sz="2000" dirty="0">
-              <a:solidFill>
-                <a:srgbClr val="F2F2F2"/>
-              </a:solidFill>
-            </a:rPr>
+            <a:rPr lang="es-ES" sz="2000" dirty="0"/>
             <a:t> </a:t>
           </a:r>
           <a:r>
-            <a:rPr lang="es-ES" sz="2000" dirty="0" err="1">
-              <a:solidFill>
-                <a:srgbClr val="F2F2F2"/>
-              </a:solidFill>
-            </a:rPr>
+            <a:rPr lang="es-ES" sz="2000" dirty="0" err="1"/>
             <a:t>model</a:t>
           </a:r>
-          <a:endParaRPr lang="en-US" sz="2000" dirty="0">
-            <a:solidFill>
-              <a:srgbClr val="F2F2F2"/>
-            </a:solidFill>
-          </a:endParaRPr>
+          <a:endParaRPr lang="en-US" sz="2000" dirty="0"/>
         </a:p>
       </dgm:t>
     </dgm:pt>
@@ -2134,13 +2215,7 @@
     </dgm:pt>
     <dgm:pt modelId="{FF10A927-E604-4E6B-A678-49EBFFFF6EA3}" type="sibTrans" cxnId="{D89BC4B2-5A63-403A-BFED-13F4636DAA4D}">
       <dgm:prSet custT="1"/>
-      <dgm:spPr>
-        <a:solidFill>
-          <a:schemeClr val="bg1">
-            <a:lumMod val="65000"/>
-          </a:schemeClr>
-        </a:solidFill>
-      </dgm:spPr>
+      <dgm:spPr/>
       <dgm:t>
         <a:bodyPr/>
         <a:lstStyle/>
@@ -2151,36 +2226,20 @@
     </dgm:pt>
     <dgm:pt modelId="{857A1F93-9117-487D-8F9A-598A4578A918}">
       <dgm:prSet phldrT="[Text]" custT="1"/>
-      <dgm:spPr>
-        <a:solidFill>
-          <a:srgbClr val="D6CA2A"/>
-        </a:solidFill>
-      </dgm:spPr>
+      <dgm:spPr/>
       <dgm:t>
         <a:bodyPr/>
         <a:lstStyle/>
         <a:p>
           <a:r>
-            <a:rPr lang="es-ES" sz="3700" dirty="0">
-              <a:solidFill>
-                <a:srgbClr val="83837C"/>
-              </a:solidFill>
-            </a:rPr>
+            <a:rPr lang="es-ES" sz="3700" dirty="0"/>
             <a:t>Final </a:t>
           </a:r>
           <a:r>
-            <a:rPr lang="es-ES" sz="3700" dirty="0" err="1">
-              <a:solidFill>
-                <a:srgbClr val="83837C"/>
-              </a:solidFill>
-            </a:rPr>
+            <a:rPr lang="es-ES" sz="3700" dirty="0" err="1"/>
             <a:t>model</a:t>
           </a:r>
-          <a:endParaRPr lang="en-US" sz="3700" dirty="0">
-            <a:solidFill>
-              <a:srgbClr val="83837C"/>
-            </a:solidFill>
-          </a:endParaRPr>
+          <a:endParaRPr lang="en-US" sz="3700" dirty="0"/>
         </a:p>
       </dgm:t>
     </dgm:pt>
@@ -2208,36 +2267,20 @@
     </dgm:pt>
     <dgm:pt modelId="{B4BA2051-BA5F-4342-958B-EAF65224858A}">
       <dgm:prSet phldrT="[Text]" custT="1"/>
-      <dgm:spPr>
-        <a:solidFill>
-          <a:srgbClr val="5FA972"/>
-        </a:solidFill>
-      </dgm:spPr>
+      <dgm:spPr/>
       <dgm:t>
         <a:bodyPr/>
         <a:lstStyle/>
         <a:p>
           <a:r>
-            <a:rPr lang="es-ES" sz="1800" dirty="0">
-              <a:solidFill>
-                <a:srgbClr val="F2F2F2"/>
-              </a:solidFill>
-            </a:rPr>
+            <a:rPr lang="es-ES" sz="1800" dirty="0"/>
             <a:t>Max Depth </a:t>
           </a:r>
           <a:r>
-            <a:rPr lang="es-ES" sz="1800" dirty="0" err="1">
-              <a:solidFill>
-                <a:srgbClr val="F2F2F2"/>
-              </a:solidFill>
-            </a:rPr>
+            <a:rPr lang="es-ES" sz="1800" dirty="0" err="1"/>
             <a:t>selection</a:t>
           </a:r>
-          <a:endParaRPr lang="es-ES" sz="1800" dirty="0">
-            <a:solidFill>
-              <a:srgbClr val="F2F2F2"/>
-            </a:solidFill>
-          </a:endParaRPr>
+          <a:endParaRPr lang="es-ES" sz="1800" dirty="0"/>
         </a:p>
       </dgm:t>
     </dgm:pt>
@@ -2254,13 +2297,7 @@
     </dgm:pt>
     <dgm:pt modelId="{C8C31702-3E97-4650-85C3-ED4C45D19BD1}" type="sibTrans" cxnId="{3DAAD998-C550-48D8-AA08-57CF91240F94}">
       <dgm:prSet custT="1"/>
-      <dgm:spPr>
-        <a:solidFill>
-          <a:schemeClr val="bg1">
-            <a:lumMod val="65000"/>
-          </a:schemeClr>
-        </a:solidFill>
-      </dgm:spPr>
+      <dgm:spPr/>
       <dgm:t>
         <a:bodyPr/>
         <a:lstStyle/>
@@ -2404,7 +2441,13 @@
           </a:avLst>
         </a:prstGeom>
         <a:solidFill>
-          <a:srgbClr val="D6CA2A"/>
+          <a:schemeClr val="accent3">
+            <a:shade val="50000"/>
+            <a:hueOff val="0"/>
+            <a:satOff val="0"/>
+            <a:lumOff val="0"/>
+            <a:alphaOff val="0"/>
+          </a:schemeClr>
         </a:solidFill>
         <a:ln w="19050" cap="flat" cmpd="sng" algn="ctr">
           <a:solidFill>
@@ -2453,42 +2496,18 @@
             <a:buNone/>
           </a:pPr>
           <a:r>
-            <a:rPr lang="es-ES" sz="3700" kern="1200" dirty="0" err="1">
-              <a:solidFill>
-                <a:schemeClr val="bg1">
-                  <a:lumMod val="50000"/>
-                </a:schemeClr>
-              </a:solidFill>
-            </a:rPr>
+            <a:rPr lang="es-ES" sz="3700" kern="1200" dirty="0" err="1"/>
             <a:t>Baseline</a:t>
           </a:r>
           <a:r>
-            <a:rPr lang="es-ES" sz="3700" kern="1200" dirty="0">
-              <a:solidFill>
-                <a:schemeClr val="bg1">
-                  <a:lumMod val="50000"/>
-                </a:schemeClr>
-              </a:solidFill>
-            </a:rPr>
+            <a:rPr lang="es-ES" sz="3700" kern="1200" dirty="0"/>
             <a:t> </a:t>
           </a:r>
           <a:r>
-            <a:rPr lang="es-ES" sz="3700" kern="1200" dirty="0" err="1">
-              <a:solidFill>
-                <a:schemeClr val="bg1">
-                  <a:lumMod val="50000"/>
-                </a:schemeClr>
-              </a:solidFill>
-            </a:rPr>
+            <a:rPr lang="es-ES" sz="3700" kern="1200" dirty="0" err="1"/>
             <a:t>model</a:t>
           </a:r>
-          <a:endParaRPr lang="en-US" sz="3700" kern="1200" dirty="0">
-            <a:solidFill>
-              <a:schemeClr val="bg1">
-                <a:lumMod val="50000"/>
-              </a:schemeClr>
-            </a:solidFill>
-          </a:endParaRPr>
+          <a:endParaRPr lang="en-US" sz="3700" kern="1200" dirty="0"/>
         </a:p>
       </dsp:txBody>
       <dsp:txXfrm>
@@ -2513,8 +2532,12 @@
           </a:avLst>
         </a:prstGeom>
         <a:solidFill>
-          <a:schemeClr val="bg1">
-            <a:lumMod val="65000"/>
+          <a:schemeClr val="accent3">
+            <a:shade val="90000"/>
+            <a:hueOff val="0"/>
+            <a:satOff val="0"/>
+            <a:lumOff val="0"/>
+            <a:alphaOff val="0"/>
           </a:schemeClr>
         </a:solidFill>
         <a:ln>
@@ -2555,11 +2578,6 @@
             <a:buNone/>
           </a:pPr>
           <a:endParaRPr lang="en-US" sz="2500" kern="1200">
-            <a:solidFill>
-              <a:schemeClr val="bg1">
-                <a:lumMod val="50000"/>
-              </a:schemeClr>
-            </a:solidFill>
             <a:highlight>
               <a:srgbClr val="C0C0C0"/>
             </a:highlight>
@@ -2587,7 +2605,13 @@
           </a:avLst>
         </a:prstGeom>
         <a:solidFill>
-          <a:srgbClr val="D6CA2A"/>
+          <a:schemeClr val="accent3">
+            <a:shade val="50000"/>
+            <a:hueOff val="0"/>
+            <a:satOff val="0"/>
+            <a:lumOff val="23975"/>
+            <a:alphaOff val="0"/>
+          </a:schemeClr>
         </a:solidFill>
         <a:ln w="19050" cap="flat" cmpd="sng" algn="ctr">
           <a:solidFill>
@@ -2636,52 +2660,22 @@
             <a:buNone/>
           </a:pPr>
           <a:r>
-            <a:rPr lang="es-ES" sz="3700" kern="1200" dirty="0">
-              <a:solidFill>
-                <a:schemeClr val="bg1">
-                  <a:lumMod val="50000"/>
-                </a:schemeClr>
-              </a:solidFill>
-            </a:rPr>
+            <a:rPr lang="es-ES" sz="3700" kern="1200" dirty="0"/>
             <a:t>4 + 2 </a:t>
           </a:r>
           <a:r>
-            <a:rPr lang="es-ES" sz="3700" kern="1200" dirty="0" err="1">
-              <a:solidFill>
-                <a:schemeClr val="bg1">
-                  <a:lumMod val="50000"/>
-                </a:schemeClr>
-              </a:solidFill>
-            </a:rPr>
+            <a:rPr lang="es-ES" sz="3700" kern="1200" dirty="0" err="1"/>
             <a:t>model</a:t>
           </a:r>
           <a:r>
-            <a:rPr lang="es-ES" sz="3700" kern="1200" dirty="0">
-              <a:solidFill>
-                <a:schemeClr val="bg1">
-                  <a:lumMod val="50000"/>
-                </a:schemeClr>
-              </a:solidFill>
-            </a:rPr>
+            <a:rPr lang="es-ES" sz="3700" kern="1200" dirty="0"/>
             <a:t> </a:t>
           </a:r>
           <a:r>
-            <a:rPr lang="es-ES" sz="3700" kern="1200" dirty="0" err="1">
-              <a:solidFill>
-                <a:schemeClr val="bg1">
-                  <a:lumMod val="50000"/>
-                </a:schemeClr>
-              </a:solidFill>
-            </a:rPr>
+            <a:rPr lang="es-ES" sz="3700" kern="1200" dirty="0" err="1"/>
             <a:t>iterations</a:t>
           </a:r>
-          <a:endParaRPr lang="en-US" sz="3700" kern="1200" dirty="0">
-            <a:solidFill>
-              <a:schemeClr val="bg1">
-                <a:lumMod val="50000"/>
-              </a:schemeClr>
-            </a:solidFill>
-          </a:endParaRPr>
+          <a:endParaRPr lang="en-US" sz="3700" kern="1200" dirty="0"/>
         </a:p>
       </dsp:txBody>
       <dsp:txXfrm>
@@ -2706,8 +2700,12 @@
           </a:avLst>
         </a:prstGeom>
         <a:solidFill>
-          <a:schemeClr val="bg1">
-            <a:lumMod val="65000"/>
+          <a:schemeClr val="accent3">
+            <a:shade val="90000"/>
+            <a:hueOff val="0"/>
+            <a:satOff val="0"/>
+            <a:lumOff val="23095"/>
+            <a:alphaOff val="0"/>
           </a:schemeClr>
         </a:solidFill>
         <a:ln>
@@ -2775,7 +2773,13 @@
           </a:avLst>
         </a:prstGeom>
         <a:solidFill>
-          <a:srgbClr val="D6CA2A"/>
+          <a:schemeClr val="accent3">
+            <a:shade val="50000"/>
+            <a:hueOff val="0"/>
+            <a:satOff val="0"/>
+            <a:lumOff val="23975"/>
+            <a:alphaOff val="0"/>
+          </a:schemeClr>
         </a:solidFill>
         <a:ln w="19050" cap="flat" cmpd="sng" algn="ctr">
           <a:solidFill>
@@ -2824,32 +2828,14 @@
             <a:buNone/>
           </a:pPr>
           <a:r>
-            <a:rPr lang="es-ES" sz="3700" kern="1200" dirty="0">
-              <a:solidFill>
-                <a:schemeClr val="bg1">
-                  <a:lumMod val="50000"/>
-                </a:schemeClr>
-              </a:solidFill>
-            </a:rPr>
+            <a:rPr lang="es-ES" sz="3700" kern="1200" dirty="0"/>
             <a:t>Final </a:t>
           </a:r>
           <a:r>
-            <a:rPr lang="es-ES" sz="3700" kern="1200" dirty="0" err="1">
-              <a:solidFill>
-                <a:schemeClr val="bg1">
-                  <a:lumMod val="50000"/>
-                </a:schemeClr>
-              </a:solidFill>
-            </a:rPr>
+            <a:rPr lang="es-ES" sz="3700" kern="1200" dirty="0" err="1"/>
             <a:t>model</a:t>
           </a:r>
-          <a:endParaRPr lang="en-US" sz="3700" kern="1200" dirty="0">
-            <a:solidFill>
-              <a:schemeClr val="bg1">
-                <a:lumMod val="50000"/>
-              </a:schemeClr>
-            </a:solidFill>
-          </a:endParaRPr>
+          <a:endParaRPr lang="en-US" sz="3700" kern="1200" dirty="0"/>
         </a:p>
       </dsp:txBody>
       <dsp:txXfrm>
@@ -2885,7 +2871,13 @@
           </a:avLst>
         </a:prstGeom>
         <a:solidFill>
-          <a:srgbClr val="D6CA2A"/>
+          <a:schemeClr val="accent3">
+            <a:shade val="50000"/>
+            <a:hueOff val="0"/>
+            <a:satOff val="0"/>
+            <a:lumOff val="0"/>
+            <a:alphaOff val="0"/>
+          </a:schemeClr>
         </a:solidFill>
         <a:ln w="12700" cap="flat" cmpd="sng" algn="ctr">
           <a:solidFill>
@@ -2934,34 +2926,18 @@
             <a:buNone/>
           </a:pPr>
           <a:r>
-            <a:rPr lang="es-ES" sz="3700" kern="1200" dirty="0" err="1">
-              <a:solidFill>
-                <a:srgbClr val="7F7F7F"/>
-              </a:solidFill>
-            </a:rPr>
+            <a:rPr lang="es-ES" sz="3700" kern="1200" dirty="0" err="1"/>
             <a:t>Baseline</a:t>
           </a:r>
           <a:r>
-            <a:rPr lang="es-ES" sz="3700" kern="1200" dirty="0">
-              <a:solidFill>
-                <a:srgbClr val="7F7F7F"/>
-              </a:solidFill>
-            </a:rPr>
+            <a:rPr lang="es-ES" sz="3700" kern="1200" dirty="0"/>
             <a:t> </a:t>
           </a:r>
           <a:r>
-            <a:rPr lang="es-ES" sz="3700" kern="1200" dirty="0" err="1">
-              <a:solidFill>
-                <a:srgbClr val="7F7F7F"/>
-              </a:solidFill>
-            </a:rPr>
+            <a:rPr lang="es-ES" sz="3700" kern="1200" dirty="0" err="1"/>
             <a:t>model</a:t>
           </a:r>
-          <a:endParaRPr lang="en-US" sz="3700" kern="1200" dirty="0">
-            <a:solidFill>
-              <a:srgbClr val="7F7F7F"/>
-            </a:solidFill>
-          </a:endParaRPr>
+          <a:endParaRPr lang="en-US" sz="3700" kern="1200" dirty="0"/>
         </a:p>
       </dsp:txBody>
       <dsp:txXfrm>
@@ -2986,8 +2962,12 @@
           </a:avLst>
         </a:prstGeom>
         <a:solidFill>
-          <a:schemeClr val="bg1">
-            <a:lumMod val="65000"/>
+          <a:schemeClr val="accent3">
+            <a:shade val="90000"/>
+            <a:hueOff val="0"/>
+            <a:satOff val="0"/>
+            <a:lumOff val="0"/>
+            <a:alphaOff val="0"/>
           </a:schemeClr>
         </a:solidFill>
         <a:ln>
@@ -3049,7 +3029,13 @@
           <a:avLst/>
         </a:prstGeom>
         <a:solidFill>
-          <a:srgbClr val="5FA972"/>
+          <a:schemeClr val="accent3">
+            <a:shade val="50000"/>
+            <a:hueOff val="0"/>
+            <a:satOff val="0"/>
+            <a:lumOff val="17981"/>
+            <a:alphaOff val="0"/>
+          </a:schemeClr>
         </a:solidFill>
         <a:ln w="12700" cap="flat" cmpd="sng" algn="ctr">
           <a:solidFill>
@@ -3098,82 +3084,42 @@
             <a:buNone/>
           </a:pPr>
           <a:r>
-            <a:rPr lang="es-ES" sz="2000" kern="1200" dirty="0" err="1">
-              <a:solidFill>
-                <a:srgbClr val="F2F2F2"/>
-              </a:solidFill>
-            </a:rPr>
+            <a:rPr lang="es-ES" sz="2000" kern="1200" dirty="0" err="1"/>
             <a:t>Database</a:t>
           </a:r>
           <a:r>
-            <a:rPr lang="es-ES" sz="2000" kern="1200" dirty="0">
-              <a:solidFill>
-                <a:srgbClr val="F2F2F2"/>
-              </a:solidFill>
-            </a:rPr>
+            <a:rPr lang="es-ES" sz="2000" kern="1200" dirty="0"/>
             <a:t> </a:t>
           </a:r>
           <a:r>
-            <a:rPr lang="es-ES" sz="2000" kern="1200" dirty="0" err="1">
-              <a:solidFill>
-                <a:srgbClr val="F2F2F2"/>
-              </a:solidFill>
-            </a:rPr>
+            <a:rPr lang="es-ES" sz="2000" kern="1200" dirty="0" err="1"/>
             <a:t>from</a:t>
           </a:r>
           <a:r>
-            <a:rPr lang="es-ES" sz="2000" kern="1200" dirty="0">
-              <a:solidFill>
-                <a:srgbClr val="F2F2F2"/>
-              </a:solidFill>
-            </a:rPr>
+            <a:rPr lang="es-ES" sz="2000" kern="1200" dirty="0"/>
             <a:t> </a:t>
           </a:r>
           <a:r>
-            <a:rPr lang="es-ES" sz="2000" kern="1200" dirty="0" err="1">
-              <a:solidFill>
-                <a:srgbClr val="F2F2F2"/>
-              </a:solidFill>
-            </a:rPr>
+            <a:rPr lang="es-ES" sz="2000" kern="1200" dirty="0" err="1"/>
             <a:t>best</a:t>
           </a:r>
           <a:r>
-            <a:rPr lang="es-ES" sz="2000" kern="1200" dirty="0">
-              <a:solidFill>
-                <a:srgbClr val="F2F2F2"/>
-              </a:solidFill>
-            </a:rPr>
+            <a:rPr lang="es-ES" sz="2000" kern="1200" dirty="0"/>
             <a:t> linear </a:t>
           </a:r>
           <a:r>
-            <a:rPr lang="es-ES" sz="2000" kern="1200" dirty="0" err="1">
-              <a:solidFill>
-                <a:srgbClr val="F2F2F2"/>
-              </a:solidFill>
-            </a:rPr>
+            <a:rPr lang="es-ES" sz="2000" kern="1200" dirty="0" err="1"/>
             <a:t>regression</a:t>
           </a:r>
           <a:r>
-            <a:rPr lang="es-ES" sz="2000" kern="1200" dirty="0">
-              <a:solidFill>
-                <a:srgbClr val="F2F2F2"/>
-              </a:solidFill>
-            </a:rPr>
+            <a:rPr lang="es-ES" sz="2000" kern="1200" dirty="0"/>
             <a:t> </a:t>
           </a:r>
           <a:r>
-            <a:rPr lang="es-ES" sz="2000" kern="1200" dirty="0" err="1">
-              <a:solidFill>
-                <a:srgbClr val="F2F2F2"/>
-              </a:solidFill>
-            </a:rPr>
+            <a:rPr lang="es-ES" sz="2000" kern="1200" dirty="0" err="1"/>
             <a:t>model</a:t>
           </a:r>
-          <a:endParaRPr lang="en-US" sz="2000" kern="1200" dirty="0">
-            <a:solidFill>
-              <a:srgbClr val="F2F2F2"/>
-            </a:solidFill>
-          </a:endParaRPr>
+          <a:endParaRPr lang="en-US" sz="2000" kern="1200" dirty="0"/>
         </a:p>
       </dsp:txBody>
       <dsp:txXfrm>
@@ -3198,8 +3144,12 @@
           </a:avLst>
         </a:prstGeom>
         <a:solidFill>
-          <a:schemeClr val="bg1">
-            <a:lumMod val="65000"/>
+          <a:schemeClr val="accent3">
+            <a:shade val="90000"/>
+            <a:hueOff val="0"/>
+            <a:satOff val="0"/>
+            <a:lumOff val="15397"/>
+            <a:alphaOff val="0"/>
           </a:schemeClr>
         </a:solidFill>
         <a:ln>
@@ -3261,7 +3211,13 @@
           <a:avLst/>
         </a:prstGeom>
         <a:solidFill>
-          <a:srgbClr val="5FA972"/>
+          <a:schemeClr val="accent3">
+            <a:shade val="50000"/>
+            <a:hueOff val="0"/>
+            <a:satOff val="0"/>
+            <a:lumOff val="35962"/>
+            <a:alphaOff val="0"/>
+          </a:schemeClr>
         </a:solidFill>
         <a:ln w="12700" cap="flat" cmpd="sng" algn="ctr">
           <a:solidFill>
@@ -3310,26 +3266,14 @@
             <a:buNone/>
           </a:pPr>
           <a:r>
-            <a:rPr lang="es-ES" sz="1800" kern="1200" dirty="0">
-              <a:solidFill>
-                <a:srgbClr val="F2F2F2"/>
-              </a:solidFill>
-            </a:rPr>
+            <a:rPr lang="es-ES" sz="1800" kern="1200" dirty="0"/>
             <a:t>Max Depth </a:t>
           </a:r>
           <a:r>
-            <a:rPr lang="es-ES" sz="1800" kern="1200" dirty="0" err="1">
-              <a:solidFill>
-                <a:srgbClr val="F2F2F2"/>
-              </a:solidFill>
-            </a:rPr>
+            <a:rPr lang="es-ES" sz="1800" kern="1200" dirty="0" err="1"/>
             <a:t>selection</a:t>
           </a:r>
-          <a:endParaRPr lang="es-ES" sz="1800" kern="1200" dirty="0">
-            <a:solidFill>
-              <a:srgbClr val="F2F2F2"/>
-            </a:solidFill>
-          </a:endParaRPr>
+          <a:endParaRPr lang="es-ES" sz="1800" kern="1200" dirty="0"/>
         </a:p>
       </dsp:txBody>
       <dsp:txXfrm>
@@ -3354,8 +3298,12 @@
           </a:avLst>
         </a:prstGeom>
         <a:solidFill>
-          <a:schemeClr val="bg1">
-            <a:lumMod val="65000"/>
+          <a:schemeClr val="accent3">
+            <a:shade val="90000"/>
+            <a:hueOff val="0"/>
+            <a:satOff val="0"/>
+            <a:lumOff val="15397"/>
+            <a:alphaOff val="0"/>
           </a:schemeClr>
         </a:solidFill>
         <a:ln>
@@ -3419,7 +3367,13 @@
           </a:avLst>
         </a:prstGeom>
         <a:solidFill>
-          <a:srgbClr val="D6CA2A"/>
+          <a:schemeClr val="accent3">
+            <a:shade val="50000"/>
+            <a:hueOff val="0"/>
+            <a:satOff val="0"/>
+            <a:lumOff val="17981"/>
+            <a:alphaOff val="0"/>
+          </a:schemeClr>
         </a:solidFill>
         <a:ln w="12700" cap="flat" cmpd="sng" algn="ctr">
           <a:solidFill>
@@ -3468,26 +3422,14 @@
             <a:buNone/>
           </a:pPr>
           <a:r>
-            <a:rPr lang="es-ES" sz="3700" kern="1200" dirty="0">
-              <a:solidFill>
-                <a:srgbClr val="83837C"/>
-              </a:solidFill>
-            </a:rPr>
+            <a:rPr lang="es-ES" sz="3700" kern="1200" dirty="0"/>
             <a:t>Final </a:t>
           </a:r>
           <a:r>
-            <a:rPr lang="es-ES" sz="3700" kern="1200" dirty="0" err="1">
-              <a:solidFill>
-                <a:srgbClr val="83837C"/>
-              </a:solidFill>
-            </a:rPr>
+            <a:rPr lang="es-ES" sz="3700" kern="1200" dirty="0" err="1"/>
             <a:t>model</a:t>
           </a:r>
-          <a:endParaRPr lang="en-US" sz="3700" kern="1200" dirty="0">
-            <a:solidFill>
-              <a:srgbClr val="83837C"/>
-            </a:solidFill>
-          </a:endParaRPr>
+          <a:endParaRPr lang="en-US" sz="3700" kern="1200" dirty="0"/>
         </a:p>
       </dsp:txBody>
       <dsp:txXfrm>
@@ -5941,7 +5883,7 @@
           <a:p>
             <a:fld id="{DDFC71BD-66DB-4DF4-B6AA-81AF95ECA873}" type="datetimeFigureOut">
               <a:rPr lang="en-US" smtClean="0"/>
-              <a:t>5/12/2022</a:t>
+              <a:t>8/31/2022</a:t>
             </a:fld>
             <a:endParaRPr lang="en-US"/>
           </a:p>
@@ -6355,7 +6297,7 @@
           <a:p>
             <a:fld id="{5AB9D766-86BE-44A7-8EA1-E17F9F19C1EA}" type="datetime1">
               <a:rPr lang="en-US" smtClean="0"/>
-              <a:t>5/12/2022</a:t>
+              <a:t>8/31/2022</a:t>
             </a:fld>
             <a:endParaRPr lang="en-US"/>
           </a:p>
@@ -6600,7 +6542,7 @@
           <a:p>
             <a:fld id="{6C4D7432-5E6C-46EA-A449-A47B05385F53}" type="datetime1">
               <a:rPr lang="en-US" smtClean="0"/>
-              <a:t>5/12/2022</a:t>
+              <a:t>8/31/2022</a:t>
             </a:fld>
             <a:endParaRPr lang="en-US"/>
           </a:p>
@@ -6808,7 +6750,7 @@
           <a:p>
             <a:fld id="{2254F6D4-683B-439B-A08C-F163041C58B0}" type="datetime1">
               <a:rPr lang="en-US" smtClean="0"/>
-              <a:t>5/12/2022</a:t>
+              <a:t>8/31/2022</a:t>
             </a:fld>
             <a:endParaRPr lang="en-US"/>
           </a:p>
@@ -7006,7 +6948,7 @@
           <a:p>
             <a:fld id="{98C0A7CB-D8D8-497E-943A-F0D054D03FE9}" type="datetime1">
               <a:rPr lang="en-US" smtClean="0"/>
-              <a:t>5/12/2022</a:t>
+              <a:t>8/31/2022</a:t>
             </a:fld>
             <a:endParaRPr lang="en-US"/>
           </a:p>
@@ -7328,7 +7270,7 @@
           <a:p>
             <a:fld id="{4C002BA8-E710-46E2-ABC4-06DD03812709}" type="datetime1">
               <a:rPr lang="en-US" smtClean="0"/>
-              <a:t>5/12/2022</a:t>
+              <a:t>8/31/2022</a:t>
             </a:fld>
             <a:endParaRPr lang="en-US"/>
           </a:p>
@@ -7593,7 +7535,7 @@
           <a:p>
             <a:fld id="{937D22EB-5276-4868-838C-9F930FB5B837}" type="datetime1">
               <a:rPr lang="en-US" smtClean="0"/>
-              <a:t>5/12/2022</a:t>
+              <a:t>8/31/2022</a:t>
             </a:fld>
             <a:endParaRPr lang="en-US"/>
           </a:p>
@@ -8005,7 +7947,7 @@
           <a:p>
             <a:fld id="{796043FA-7CD9-4F48-A1A6-2BB074AE375A}" type="datetime1">
               <a:rPr lang="en-US" smtClean="0"/>
-              <a:t>5/12/2022</a:t>
+              <a:t>8/31/2022</a:t>
             </a:fld>
             <a:endParaRPr lang="en-US"/>
           </a:p>
@@ -8146,7 +8088,7 @@
           <a:p>
             <a:fld id="{926B2896-4986-42DD-8497-82372508CE57}" type="datetime1">
               <a:rPr lang="en-US" smtClean="0"/>
-              <a:t>5/12/2022</a:t>
+              <a:t>8/31/2022</a:t>
             </a:fld>
             <a:endParaRPr lang="en-US"/>
           </a:p>
@@ -8259,7 +8201,7 @@
           <a:p>
             <a:fld id="{2A2DCC60-AFB6-4C8C-84D7-F0BAEE04B12C}" type="datetime1">
               <a:rPr lang="en-US" smtClean="0"/>
-              <a:t>5/12/2022</a:t>
+              <a:t>8/31/2022</a:t>
             </a:fld>
             <a:endParaRPr lang="en-US"/>
           </a:p>
@@ -8570,7 +8512,7 @@
           <a:p>
             <a:fld id="{6B86C374-3AB8-4B25-8E4C-5B5E72FE8B4C}" type="datetime1">
               <a:rPr lang="en-US" smtClean="0"/>
-              <a:t>5/12/2022</a:t>
+              <a:t>8/31/2022</a:t>
             </a:fld>
             <a:endParaRPr lang="en-US"/>
           </a:p>
@@ -8858,7 +8800,7 @@
           <a:p>
             <a:fld id="{0E894994-C601-476A-9294-1F8065717147}" type="datetime1">
               <a:rPr lang="en-US" smtClean="0"/>
-              <a:t>5/12/2022</a:t>
+              <a:t>8/31/2022</a:t>
             </a:fld>
             <a:endParaRPr lang="en-US"/>
           </a:p>
@@ -9099,7 +9041,7 @@
           <a:p>
             <a:fld id="{B1C97232-E818-4BA3-B9C9-5E448792113D}" type="datetime1">
               <a:rPr lang="en-US" smtClean="0"/>
-              <a:t>5/12/2022</a:t>
+              <a:t>8/31/2022</a:t>
             </a:fld>
             <a:endParaRPr lang="en-US"/>
           </a:p>
@@ -9583,10 +9525,7 @@
             <a:r>
               <a:rPr lang="es-ES" b="1" dirty="0" err="1">
                 <a:solidFill>
-                  <a:schemeClr val="tx1">
-                    <a:lumMod val="50000"/>
-                    <a:lumOff val="50000"/>
-                  </a:schemeClr>
+                  <a:srgbClr val="32C3FF"/>
                 </a:solidFill>
                 <a:latin typeface="+mn-lt"/>
               </a:rPr>
@@ -9595,10 +9534,7 @@
             <a:r>
               <a:rPr lang="es-ES" b="1" dirty="0">
                 <a:solidFill>
-                  <a:schemeClr val="tx1">
-                    <a:lumMod val="50000"/>
-                    <a:lumOff val="50000"/>
-                  </a:schemeClr>
+                  <a:srgbClr val="32C3FF"/>
                 </a:solidFill>
                 <a:latin typeface="+mn-lt"/>
               </a:rPr>
@@ -9607,10 +9543,7 @@
             <a:r>
               <a:rPr lang="es-ES" b="1" dirty="0" err="1">
                 <a:solidFill>
-                  <a:schemeClr val="tx1">
-                    <a:lumMod val="50000"/>
-                    <a:lumOff val="50000"/>
-                  </a:schemeClr>
+                  <a:srgbClr val="32C3FF"/>
                 </a:solidFill>
                 <a:latin typeface="+mn-lt"/>
               </a:rPr>
@@ -9619,10 +9552,7 @@
             <a:r>
               <a:rPr lang="es-ES" b="1" dirty="0">
                 <a:solidFill>
-                  <a:schemeClr val="tx1">
-                    <a:lumMod val="50000"/>
-                    <a:lumOff val="50000"/>
-                  </a:schemeClr>
+                  <a:srgbClr val="32C3FF"/>
                 </a:solidFill>
                 <a:latin typeface="+mn-lt"/>
               </a:rPr>
@@ -9631,10 +9561,7 @@
             <a:r>
               <a:rPr lang="es-ES" b="1" dirty="0" err="1">
                 <a:solidFill>
-                  <a:schemeClr val="tx1">
-                    <a:lumMod val="50000"/>
-                    <a:lumOff val="50000"/>
-                  </a:schemeClr>
+                  <a:srgbClr val="32C3FF"/>
                 </a:solidFill>
                 <a:latin typeface="+mn-lt"/>
               </a:rPr>
@@ -9643,10 +9570,7 @@
             <a:r>
               <a:rPr lang="es-ES" b="1" dirty="0">
                 <a:solidFill>
-                  <a:schemeClr val="tx1">
-                    <a:lumMod val="50000"/>
-                    <a:lumOff val="50000"/>
-                  </a:schemeClr>
+                  <a:srgbClr val="32C3FF"/>
                 </a:solidFill>
                 <a:latin typeface="+mn-lt"/>
               </a:rPr>
@@ -9655,10 +9579,7 @@
             <a:r>
               <a:rPr lang="es-ES" b="1" dirty="0" err="1">
                 <a:solidFill>
-                  <a:schemeClr val="tx1">
-                    <a:lumMod val="50000"/>
-                    <a:lumOff val="50000"/>
-                  </a:schemeClr>
+                  <a:srgbClr val="32C3FF"/>
                 </a:solidFill>
                 <a:latin typeface="+mn-lt"/>
               </a:rPr>
@@ -9667,10 +9588,7 @@
             <a:r>
               <a:rPr lang="es-ES" b="1" dirty="0">
                 <a:solidFill>
-                  <a:schemeClr val="tx1">
-                    <a:lumMod val="50000"/>
-                    <a:lumOff val="50000"/>
-                  </a:schemeClr>
+                  <a:srgbClr val="32C3FF"/>
                 </a:solidFill>
                 <a:latin typeface="+mn-lt"/>
               </a:rPr>
@@ -9679,10 +9597,7 @@
             <a:r>
               <a:rPr lang="es-ES" b="1" dirty="0" err="1">
                 <a:solidFill>
-                  <a:schemeClr val="tx1">
-                    <a:lumMod val="50000"/>
-                    <a:lumOff val="50000"/>
-                  </a:schemeClr>
+                  <a:srgbClr val="32C3FF"/>
                 </a:solidFill>
                 <a:latin typeface="+mn-lt"/>
               </a:rPr>
@@ -9691,10 +9606,7 @@
             <a:r>
               <a:rPr lang="es-ES" b="1" dirty="0">
                 <a:solidFill>
-                  <a:schemeClr val="tx1">
-                    <a:lumMod val="50000"/>
-                    <a:lumOff val="50000"/>
-                  </a:schemeClr>
+                  <a:srgbClr val="32C3FF"/>
                 </a:solidFill>
                 <a:latin typeface="+mn-lt"/>
               </a:rPr>
@@ -9703,10 +9615,7 @@
             <a:r>
               <a:rPr lang="es-ES" b="1" dirty="0" err="1">
                 <a:solidFill>
-                  <a:schemeClr val="tx1">
-                    <a:lumMod val="50000"/>
-                    <a:lumOff val="50000"/>
-                  </a:schemeClr>
+                  <a:srgbClr val="32C3FF"/>
                 </a:solidFill>
                 <a:latin typeface="+mn-lt"/>
               </a:rPr>
@@ -9715,10 +9624,7 @@
             <a:r>
               <a:rPr lang="es-ES" b="1" dirty="0">
                 <a:solidFill>
-                  <a:schemeClr val="tx1">
-                    <a:lumMod val="50000"/>
-                    <a:lumOff val="50000"/>
-                  </a:schemeClr>
+                  <a:srgbClr val="32C3FF"/>
                 </a:solidFill>
                 <a:latin typeface="+mn-lt"/>
               </a:rPr>
@@ -9727,10 +9633,7 @@
             <a:r>
               <a:rPr lang="es-ES" b="1" dirty="0" err="1">
                 <a:solidFill>
-                  <a:schemeClr val="tx1">
-                    <a:lumMod val="50000"/>
-                    <a:lumOff val="50000"/>
-                  </a:schemeClr>
+                  <a:srgbClr val="32C3FF"/>
                 </a:solidFill>
                 <a:latin typeface="+mn-lt"/>
               </a:rPr>
@@ -9739,10 +9642,7 @@
             <a:r>
               <a:rPr lang="es-ES" b="1" dirty="0">
                 <a:solidFill>
-                  <a:schemeClr val="tx1">
-                    <a:lumMod val="50000"/>
-                    <a:lumOff val="50000"/>
-                  </a:schemeClr>
+                  <a:srgbClr val="32C3FF"/>
                 </a:solidFill>
                 <a:latin typeface="+mn-lt"/>
               </a:rPr>
@@ -9751,10 +9651,7 @@
             <a:r>
               <a:rPr lang="es-ES" b="1" dirty="0" err="1">
                 <a:solidFill>
-                  <a:schemeClr val="tx1">
-                    <a:lumMod val="50000"/>
-                    <a:lumOff val="50000"/>
-                  </a:schemeClr>
+                  <a:srgbClr val="32C3FF"/>
                 </a:solidFill>
                 <a:latin typeface="+mn-lt"/>
               </a:rPr>
@@ -9763,10 +9660,7 @@
             <a:r>
               <a:rPr lang="es-ES" b="1" dirty="0">
                 <a:solidFill>
-                  <a:schemeClr val="tx1">
-                    <a:lumMod val="50000"/>
-                    <a:lumOff val="50000"/>
-                  </a:schemeClr>
+                  <a:srgbClr val="32C3FF"/>
                 </a:solidFill>
                 <a:latin typeface="+mn-lt"/>
               </a:rPr>
@@ -9775,10 +9669,7 @@
             <a:r>
               <a:rPr lang="es-ES" b="1" dirty="0" err="1">
                 <a:solidFill>
-                  <a:schemeClr val="tx1">
-                    <a:lumMod val="50000"/>
-                    <a:lumOff val="50000"/>
-                  </a:schemeClr>
+                  <a:srgbClr val="32C3FF"/>
                 </a:solidFill>
                 <a:latin typeface="+mn-lt"/>
               </a:rPr>
@@ -9787,23 +9678,18 @@
             <a:r>
               <a:rPr lang="es-ES" b="1" dirty="0">
                 <a:solidFill>
-                  <a:schemeClr val="tx1">
-                    <a:lumMod val="50000"/>
-                    <a:lumOff val="50000"/>
-                  </a:schemeClr>
+                  <a:srgbClr val="32C3FF"/>
                 </a:solidFill>
                 <a:latin typeface="+mn-lt"/>
               </a:rPr>
               <a:t>?</a:t>
             </a:r>
-            <a:endParaRPr lang="en-US" b="1" dirty="0">
+            <a:endParaRPr lang="en-US" b="1">
               <a:solidFill>
-                <a:schemeClr val="tx1">
-                  <a:lumMod val="50000"/>
-                  <a:lumOff val="50000"/>
-                </a:schemeClr>
+                <a:srgbClr val="32C3FF"/>
               </a:solidFill>
               <a:latin typeface="+mn-lt"/>
+              <a:cs typeface="Calibri"/>
             </a:endParaRPr>
           </a:p>
         </p:txBody>
@@ -9831,13 +9717,13 @@
           </a:xfrm>
         </p:spPr>
         <p:txBody>
-          <a:bodyPr>
+          <a:bodyPr vert="horz" lIns="91440" tIns="45720" rIns="91440" bIns="45720" rtlCol="0" anchor="t">
             <a:normAutofit/>
           </a:bodyPr>
           <a:lstStyle/>
           <a:p>
             <a:r>
-              <a:rPr lang="es-ES" sz="3000" b="1" dirty="0">
+              <a:rPr lang="es-ES" sz="3000" dirty="0">
                 <a:solidFill>
                   <a:schemeClr val="tx1">
                     <a:lumMod val="50000"/>
@@ -9845,10 +9731,10 @@
                   </a:schemeClr>
                 </a:solidFill>
               </a:rPr>
-              <a:t>Federica Riva – </a:t>
-            </a:r>
-            <a:r>
-              <a:rPr lang="es-ES" sz="3000" b="1" dirty="0" err="1">
+              <a:t>Federica Riva &amp; </a:t>
+            </a:r>
+            <a:r>
+              <a:rPr lang="es-ES" sz="3000" dirty="0" err="1">
                 <a:solidFill>
                   <a:schemeClr val="tx1">
                     <a:lumMod val="50000"/>
@@ -9859,7 +9745,7 @@
               <a:t>Cathalijn</a:t>
             </a:r>
             <a:r>
-              <a:rPr lang="es-ES" sz="3000" b="1" dirty="0">
+              <a:rPr lang="es-ES" sz="3000" dirty="0">
                 <a:solidFill>
                   <a:schemeClr val="tx1">
                     <a:lumMod val="50000"/>
@@ -9869,10 +9755,19 @@
               </a:rPr>
               <a:t> Vos</a:t>
             </a:r>
+            <a:endParaRPr lang="es-ES" sz="3000" dirty="0">
+              <a:solidFill>
+                <a:schemeClr val="tx1">
+                  <a:lumMod val="50000"/>
+                  <a:lumOff val="50000"/>
+                </a:schemeClr>
+              </a:solidFill>
+              <a:cs typeface="Calibri"/>
+            </a:endParaRPr>
           </a:p>
           <a:p>
             <a:r>
-              <a:rPr lang="es-ES" sz="3000" b="1" dirty="0">
+              <a:rPr lang="es-ES" sz="3000" dirty="0">
                 <a:solidFill>
                   <a:schemeClr val="tx1">
                     <a:lumMod val="50000"/>
@@ -9882,13 +9777,14 @@
               </a:rPr>
               <a:t>13.05.2022 - Barcelona</a:t>
             </a:r>
-            <a:endParaRPr lang="en-US" sz="3000" b="1" dirty="0">
+            <a:endParaRPr lang="en-US" sz="3000">
               <a:solidFill>
                 <a:schemeClr val="tx1">
                   <a:lumMod val="50000"/>
                   <a:lumOff val="50000"/>
                 </a:schemeClr>
               </a:solidFill>
+              <a:cs typeface="Calibri"/>
             </a:endParaRPr>
           </a:p>
         </p:txBody>
@@ -10021,10 +9917,10 @@
           <a:lstStyle/>
           <a:p>
             <a:fld id="{70A36DDD-6718-4AAF-9FBC-AD300EE7F597}" type="slidenum">
-              <a:rPr lang="en-US" smtClean="0"/>
+              <a:rPr lang="en-US" dirty="0" smtClean="0"/>
               <a:t>10</a:t>
             </a:fld>
-            <a:endParaRPr lang="en-US"/>
+            <a:endParaRPr lang="en-US" dirty="0"/>
           </a:p>
         </p:txBody>
       </p:sp>
@@ -10044,16 +9940,14 @@
         </p:nvSpPr>
         <p:spPr>
           <a:xfrm>
-            <a:off x="838200" y="114432"/>
+            <a:off x="737937" y="244774"/>
             <a:ext cx="9770706" cy="1061194"/>
           </a:xfrm>
           <a:prstGeom prst="rect">
             <a:avLst/>
           </a:prstGeom>
           <a:ln w="28575">
-            <a:solidFill>
-              <a:srgbClr val="D6CA2A"/>
-            </a:solidFill>
+            <a:noFill/>
           </a:ln>
         </p:spPr>
         <p:txBody>
@@ -10081,34 +9975,82 @@
           </a:lstStyle>
           <a:p>
             <a:r>
-              <a:rPr lang="es-ES" b="1" dirty="0" err="1"/>
+              <a:rPr lang="es-ES" b="1" dirty="0">
+                <a:ea typeface="+mj-lt"/>
+                <a:cs typeface="+mj-lt"/>
+              </a:rPr>
+              <a:t>Linear </a:t>
+            </a:r>
+            <a:r>
+              <a:rPr lang="es-ES" b="1" dirty="0" err="1">
+                <a:ea typeface="+mj-lt"/>
+                <a:cs typeface="+mj-lt"/>
+              </a:rPr>
+              <a:t>regression</a:t>
+            </a:r>
+            <a:r>
+              <a:rPr lang="es-ES" b="1" dirty="0">
+                <a:ea typeface="+mj-lt"/>
+                <a:cs typeface="+mj-lt"/>
+              </a:rPr>
+              <a:t> </a:t>
+            </a:r>
+            <a:r>
+              <a:rPr lang="es-ES" b="1" dirty="0" err="1">
+                <a:ea typeface="+mj-lt"/>
+                <a:cs typeface="+mj-lt"/>
+              </a:rPr>
+              <a:t>model</a:t>
+            </a:r>
+            <a:r>
+              <a:rPr lang="es-ES" b="1" dirty="0">
+                <a:ea typeface="+mj-lt"/>
+                <a:cs typeface="+mj-lt"/>
+              </a:rPr>
+              <a:t>:</a:t>
+            </a:r>
+            <a:r>
+              <a:rPr lang="es-ES" b="1" dirty="0">
+                <a:solidFill>
+                  <a:srgbClr val="000000"/>
+                </a:solidFill>
+                <a:ea typeface="+mj-lt"/>
+                <a:cs typeface="+mj-lt"/>
+              </a:rPr>
+              <a:t> </a:t>
+            </a:r>
+            <a:r>
+              <a:rPr lang="es-ES" b="1" dirty="0" err="1">
+                <a:solidFill>
+                  <a:srgbClr val="32C3FF"/>
+                </a:solidFill>
+                <a:ea typeface="+mj-lt"/>
+                <a:cs typeface="+mj-lt"/>
+              </a:rPr>
               <a:t>Decision</a:t>
             </a:r>
             <a:r>
-              <a:rPr lang="es-ES" b="1" dirty="0"/>
+              <a:rPr lang="es-ES" b="1" dirty="0">
+                <a:solidFill>
+                  <a:srgbClr val="32C3FF"/>
+                </a:solidFill>
+              </a:rPr>
               <a:t> </a:t>
             </a:r>
             <a:r>
-              <a:rPr lang="es-ES" b="1" dirty="0" err="1"/>
+              <a:rPr lang="es-ES" b="1" dirty="0" err="1">
+                <a:solidFill>
+                  <a:srgbClr val="32C3FF"/>
+                </a:solidFill>
+              </a:rPr>
               <a:t>tree</a:t>
             </a:r>
-            <a:r>
-              <a:rPr lang="es-ES" b="1" dirty="0"/>
-              <a:t> </a:t>
-            </a:r>
-            <a:r>
-              <a:rPr lang="es-ES" b="1" dirty="0" err="1"/>
-              <a:t>regression</a:t>
-            </a:r>
-            <a:r>
-              <a:rPr lang="es-ES" b="1" dirty="0"/>
-              <a:t> </a:t>
-            </a:r>
-            <a:r>
-              <a:rPr lang="es-ES" b="1" dirty="0" err="1"/>
-              <a:t>model</a:t>
-            </a:r>
-            <a:endParaRPr lang="en-US" b="1" dirty="0"/>
+            <a:endParaRPr lang="es-ES" b="1" dirty="0" err="1">
+              <a:solidFill>
+                <a:srgbClr val="32C3FF"/>
+              </a:solidFill>
+              <a:cs typeface="Calibri Light"/>
+            </a:endParaRPr>
           </a:p>
         </p:txBody>
       </p:sp>
@@ -10127,13 +10069,13 @@
           <p:nvPr>
             <p:extLst>
               <p:ext uri="{D42A27DB-BD31-4B8C-83A1-F6EECF244321}">
-                <p14:modId xmlns:p14="http://schemas.microsoft.com/office/powerpoint/2010/main" val="2838905827"/>
+                <p14:modId xmlns:p14="http://schemas.microsoft.com/office/powerpoint/2010/main" val="1684363518"/>
               </p:ext>
             </p:extLst>
           </p:nvPr>
         </p:nvGraphicFramePr>
         <p:xfrm>
-          <a:off x="296172" y="1571480"/>
+          <a:off x="256067" y="2183085"/>
           <a:ext cx="6795292" cy="2482444"/>
         </p:xfrm>
         <a:graphic>
@@ -10818,6 +10760,47 @@
           </a:extLst>
         </p:spPr>
       </p:pic>
+      <p:cxnSp>
+        <p:nvCxnSpPr>
+          <p:cNvPr id="5" name="Straight Arrow Connector 4">
+            <a:extLst>
+              <a:ext uri="{FF2B5EF4-FFF2-40B4-BE49-F238E27FC236}">
+                <a16:creationId xmlns:a16="http://schemas.microsoft.com/office/drawing/2014/main" id="{51C717A3-08D3-A86F-A9F0-FFE621FCFC87}"/>
+              </a:ext>
+            </a:extLst>
+          </p:cNvPr>
+          <p:cNvCxnSpPr/>
+          <p:nvPr/>
+        </p:nvCxnSpPr>
+        <p:spPr>
+          <a:xfrm flipV="1">
+            <a:off x="846221" y="1658352"/>
+            <a:ext cx="9875920" cy="15040"/>
+          </a:xfrm>
+          <a:prstGeom prst="straightConnector1">
+            <a:avLst/>
+          </a:prstGeom>
+          <a:ln w="57150">
+            <a:solidFill>
+              <a:srgbClr val="32C3FF"/>
+            </a:solidFill>
+          </a:ln>
+        </p:spPr>
+        <p:style>
+          <a:lnRef idx="1">
+            <a:schemeClr val="accent1"/>
+          </a:lnRef>
+          <a:fillRef idx="0">
+            <a:schemeClr val="accent1"/>
+          </a:fillRef>
+          <a:effectRef idx="0">
+            <a:schemeClr val="accent1"/>
+          </a:effectRef>
+          <a:fontRef idx="minor">
+            <a:schemeClr val="tx1"/>
+          </a:fontRef>
+        </p:style>
+      </p:cxnSp>
     </p:spTree>
     <p:extLst>
       <p:ext uri="{BB962C8B-B14F-4D97-AF65-F5344CB8AC3E}">
@@ -10870,10 +10853,10 @@
           <a:lstStyle/>
           <a:p>
             <a:fld id="{70A36DDD-6718-4AAF-9FBC-AD300EE7F597}" type="slidenum">
-              <a:rPr lang="en-US" smtClean="0"/>
+              <a:rPr lang="en-US" dirty="0" smtClean="0"/>
               <a:t>11</a:t>
             </a:fld>
-            <a:endParaRPr lang="en-US"/>
+            <a:endParaRPr lang="en-US" dirty="0"/>
           </a:p>
         </p:txBody>
       </p:sp>
@@ -10893,16 +10876,14 @@
         </p:nvSpPr>
         <p:spPr>
           <a:xfrm>
-            <a:off x="439562" y="173096"/>
+            <a:off x="389430" y="333517"/>
             <a:ext cx="10017671" cy="881060"/>
           </a:xfrm>
           <a:prstGeom prst="rect">
             <a:avLst/>
           </a:prstGeom>
           <a:ln w="28575">
-            <a:solidFill>
-              <a:srgbClr val="D6CA2A"/>
-            </a:solidFill>
+            <a:noFill/>
           </a:ln>
         </p:spPr>
         <p:txBody>
@@ -10956,16 +10937,14 @@
         </p:nvSpPr>
         <p:spPr>
           <a:xfrm>
-            <a:off x="2060839" y="1424233"/>
+            <a:off x="727339" y="1860378"/>
             <a:ext cx="9770706" cy="1389434"/>
           </a:xfrm>
           <a:prstGeom prst="rect">
             <a:avLst/>
           </a:prstGeom>
           <a:ln w="28575">
-            <a:solidFill>
-              <a:srgbClr val="D6CA2A"/>
-            </a:solidFill>
+            <a:noFill/>
           </a:ln>
         </p:spPr>
         <p:txBody>
@@ -10996,14 +10975,14 @@
               <a:lnSpc>
                 <a:spcPct val="150000"/>
               </a:lnSpc>
-              <a:buFont typeface="Wingdings" panose="05000000000000000000" pitchFamily="2" charset="2"/>
-              <a:buChar char="§"/>
+              <a:buFont typeface="Arial" panose="05000000000000000000" pitchFamily="2" charset="2"/>
+              <a:buChar char="•"/>
             </a:pPr>
             <a:r>
               <a:rPr lang="es-ES" sz="2600" dirty="0" err="1">
                 <a:latin typeface="+mn-lt"/>
               </a:rPr>
-              <a:t>According</a:t>
+              <a:t>The</a:t>
             </a:r>
             <a:r>
               <a:rPr lang="es-ES" sz="2600" dirty="0">
@@ -11015,7 +10994,7 @@
               <a:rPr lang="es-ES" sz="2600" dirty="0" err="1">
                 <a:latin typeface="+mn-lt"/>
               </a:rPr>
-              <a:t>to</a:t>
+              <a:t>decision</a:t>
             </a:r>
             <a:r>
               <a:rPr lang="es-ES" sz="2600" dirty="0">
@@ -11027,7 +11006,7 @@
               <a:rPr lang="es-ES" sz="2600" dirty="0" err="1">
                 <a:latin typeface="+mn-lt"/>
               </a:rPr>
-              <a:t>our</a:t>
+              <a:t>tree</a:t>
             </a:r>
             <a:r>
               <a:rPr lang="es-ES" sz="2600" dirty="0">
@@ -11036,16 +11015,40 @@
               <a:t> </a:t>
             </a:r>
             <a:r>
-              <a:rPr lang="en-US" sz="2600" dirty="0">
+              <a:rPr lang="es-ES" sz="2600" dirty="0" err="1">
                 <a:latin typeface="+mn-lt"/>
               </a:rPr>
-              <a:t>analysis</a:t>
+              <a:t>regression</a:t>
             </a:r>
             <a:r>
               <a:rPr lang="es-ES" sz="2600" dirty="0">
                 <a:latin typeface="+mn-lt"/>
               </a:rPr>
-              <a:t>, </a:t>
+              <a:t> </a:t>
+            </a:r>
+            <a:r>
+              <a:rPr lang="es-ES" sz="2600" dirty="0" err="1">
+                <a:latin typeface="+mn-lt"/>
+              </a:rPr>
+              <a:t>model</a:t>
+            </a:r>
+            <a:r>
+              <a:rPr lang="es-ES" sz="2600" dirty="0">
+                <a:latin typeface="+mn-lt"/>
+              </a:rPr>
+              <a:t> </a:t>
+            </a:r>
+            <a:r>
+              <a:rPr lang="es-ES" sz="2600" dirty="0" err="1">
+                <a:latin typeface="+mn-lt"/>
+              </a:rPr>
+              <a:t>is</a:t>
+            </a:r>
+            <a:r>
+              <a:rPr lang="es-ES" sz="2600" dirty="0">
+                <a:latin typeface="+mn-lt"/>
+              </a:rPr>
+              <a:t> </a:t>
             </a:r>
             <a:r>
               <a:rPr lang="es-ES" sz="2600" dirty="0" err="1">
@@ -11063,7 +11066,7 @@
               <a:rPr lang="es-ES" sz="2600" dirty="0" err="1">
                 <a:latin typeface="+mn-lt"/>
               </a:rPr>
-              <a:t>decision</a:t>
+              <a:t>better</a:t>
             </a:r>
             <a:r>
               <a:rPr lang="es-ES" sz="2600" dirty="0">
@@ -11075,7 +11078,7 @@
               <a:rPr lang="es-ES" sz="2600" dirty="0" err="1">
                 <a:latin typeface="+mn-lt"/>
               </a:rPr>
-              <a:t>tree</a:t>
+              <a:t>choice</a:t>
             </a:r>
             <a:r>
               <a:rPr lang="es-ES" sz="2600" dirty="0">
@@ -11087,7 +11090,7 @@
               <a:rPr lang="es-ES" sz="2600" dirty="0" err="1">
                 <a:latin typeface="+mn-lt"/>
               </a:rPr>
-              <a:t>regression</a:t>
+              <a:t>to</a:t>
             </a:r>
             <a:r>
               <a:rPr lang="es-ES" sz="2600" dirty="0">
@@ -11099,7 +11102,7 @@
               <a:rPr lang="es-ES" sz="2600" dirty="0" err="1">
                 <a:latin typeface="+mn-lt"/>
               </a:rPr>
-              <a:t>model</a:t>
+              <a:t>predict</a:t>
             </a:r>
             <a:r>
               <a:rPr lang="es-ES" sz="2600" dirty="0">
@@ -11111,7 +11114,7 @@
               <a:rPr lang="es-ES" sz="2600" dirty="0" err="1">
                 <a:latin typeface="+mn-lt"/>
               </a:rPr>
-              <a:t>is</a:t>
+              <a:t>house</a:t>
             </a:r>
             <a:r>
               <a:rPr lang="es-ES" sz="2600" dirty="0">
@@ -11123,7 +11126,7 @@
               <a:rPr lang="es-ES" sz="2600" dirty="0" err="1">
                 <a:latin typeface="+mn-lt"/>
               </a:rPr>
-              <a:t>the</a:t>
+              <a:t>prices</a:t>
             </a:r>
             <a:r>
               <a:rPr lang="es-ES" sz="2600" dirty="0">
@@ -11135,7 +11138,7 @@
               <a:rPr lang="es-ES" sz="2600" dirty="0" err="1">
                 <a:latin typeface="+mn-lt"/>
               </a:rPr>
-              <a:t>better</a:t>
+              <a:t>given</a:t>
             </a:r>
             <a:r>
               <a:rPr lang="es-ES" sz="2600" dirty="0">
@@ -11147,7 +11150,7 @@
               <a:rPr lang="es-ES" sz="2600" dirty="0" err="1">
                 <a:latin typeface="+mn-lt"/>
               </a:rPr>
-              <a:t>choice</a:t>
+              <a:t>the</a:t>
             </a:r>
             <a:r>
               <a:rPr lang="es-ES" sz="2600" dirty="0">
@@ -11159,7 +11162,7 @@
               <a:rPr lang="es-ES" sz="2600" dirty="0" err="1">
                 <a:latin typeface="+mn-lt"/>
               </a:rPr>
-              <a:t>to</a:t>
+              <a:t>current</a:t>
             </a:r>
             <a:r>
               <a:rPr lang="es-ES" sz="2600" dirty="0">
@@ -11171,78 +11174,6 @@
               <a:rPr lang="es-ES" sz="2600" dirty="0" err="1">
                 <a:latin typeface="+mn-lt"/>
               </a:rPr>
-              <a:t>predict</a:t>
-            </a:r>
-            <a:r>
-              <a:rPr lang="es-ES" sz="2600" dirty="0">
-                <a:latin typeface="+mn-lt"/>
-              </a:rPr>
-              <a:t> </a:t>
-            </a:r>
-            <a:r>
-              <a:rPr lang="es-ES" sz="2600" dirty="0" err="1">
-                <a:latin typeface="+mn-lt"/>
-              </a:rPr>
-              <a:t>house</a:t>
-            </a:r>
-            <a:r>
-              <a:rPr lang="es-ES" sz="2600" dirty="0">
-                <a:latin typeface="+mn-lt"/>
-              </a:rPr>
-              <a:t> </a:t>
-            </a:r>
-            <a:r>
-              <a:rPr lang="es-ES" sz="2600" dirty="0" err="1">
-                <a:latin typeface="+mn-lt"/>
-              </a:rPr>
-              <a:t>prices</a:t>
-            </a:r>
-            <a:r>
-              <a:rPr lang="es-ES" sz="2600" dirty="0">
-                <a:latin typeface="+mn-lt"/>
-              </a:rPr>
-              <a:t> </a:t>
-            </a:r>
-            <a:r>
-              <a:rPr lang="es-ES" sz="2600" dirty="0" err="1">
-                <a:latin typeface="+mn-lt"/>
-              </a:rPr>
-              <a:t>given</a:t>
-            </a:r>
-            <a:r>
-              <a:rPr lang="es-ES" sz="2600" dirty="0">
-                <a:latin typeface="+mn-lt"/>
-              </a:rPr>
-              <a:t> </a:t>
-            </a:r>
-            <a:r>
-              <a:rPr lang="es-ES" sz="2600" dirty="0" err="1">
-                <a:latin typeface="+mn-lt"/>
-              </a:rPr>
-              <a:t>the</a:t>
-            </a:r>
-            <a:r>
-              <a:rPr lang="es-ES" sz="2600" dirty="0">
-                <a:latin typeface="+mn-lt"/>
-              </a:rPr>
-              <a:t> </a:t>
-            </a:r>
-            <a:r>
-              <a:rPr lang="es-ES" sz="2600" dirty="0" err="1">
-                <a:latin typeface="+mn-lt"/>
-              </a:rPr>
-              <a:t>current</a:t>
-            </a:r>
-            <a:r>
-              <a:rPr lang="es-ES" sz="2600" dirty="0">
-                <a:latin typeface="+mn-lt"/>
-              </a:rPr>
-              <a:t> </a:t>
-            </a:r>
-            <a:r>
-              <a:rPr lang="es-ES" sz="2600" dirty="0" err="1">
-                <a:latin typeface="+mn-lt"/>
-              </a:rPr>
               <a:t>database</a:t>
             </a:r>
             <a:r>
@@ -11251,63 +11182,10 @@
               </a:rPr>
               <a:t>.</a:t>
             </a:r>
+            <a:endParaRPr lang="en-US"/>
           </a:p>
         </p:txBody>
       </p:sp>
-      <p:pic>
-        <p:nvPicPr>
-          <p:cNvPr id="10" name="Picture 3">
-            <a:extLst>
-              <a:ext uri="{FF2B5EF4-FFF2-40B4-BE49-F238E27FC236}">
-                <a16:creationId xmlns:a16="http://schemas.microsoft.com/office/drawing/2014/main" id="{906B26D5-7323-AAD1-FE67-ED22716C0188}"/>
-              </a:ext>
-            </a:extLst>
-          </p:cNvPr>
-          <p:cNvPicPr>
-            <a:picLocks noChangeAspect="1" noChangeArrowheads="1"/>
-          </p:cNvPicPr>
-          <p:nvPr/>
-        </p:nvPicPr>
-        <p:blipFill>
-          <a:blip r:embed="rId2">
-            <a:duotone>
-              <a:prstClr val="black"/>
-              <a:srgbClr val="D6CA2A">
-                <a:tint val="45000"/>
-                <a:satMod val="400000"/>
-              </a:srgbClr>
-            </a:duotone>
-            <a:extLst>
-              <a:ext uri="{28A0092B-C50C-407E-A947-70E740481C1C}">
-                <a14:useLocalDpi xmlns:a14="http://schemas.microsoft.com/office/drawing/2010/main" val="0"/>
-              </a:ext>
-            </a:extLst>
-          </a:blip>
-          <a:srcRect/>
-          <a:stretch>
-            <a:fillRect/>
-          </a:stretch>
-        </p:blipFill>
-        <p:spPr bwMode="auto">
-          <a:xfrm>
-            <a:off x="233995" y="1400402"/>
-            <a:ext cx="1545260" cy="1488411"/>
-          </a:xfrm>
-          <a:prstGeom prst="rect">
-            <a:avLst/>
-          </a:prstGeom>
-          <a:noFill/>
-          <a:extLst>
-            <a:ext uri="{909E8E84-426E-40DD-AFC4-6F175D3DCCD1}">
-              <a14:hiddenFill xmlns:a14="http://schemas.microsoft.com/office/drawing/2010/main">
-                <a:solidFill>
-                  <a:srgbClr val="FFFFFF"/>
-                </a:solidFill>
-              </a14:hiddenFill>
-            </a:ext>
-          </a:extLst>
-        </p:spPr>
-      </p:pic>
       <p:sp>
         <p:nvSpPr>
           <p:cNvPr id="11" name="Title 1">
@@ -11324,96 +11202,14 @@
         </p:nvSpPr>
         <p:spPr>
           <a:xfrm>
-            <a:off x="2477383" y="4812434"/>
-            <a:ext cx="9354162" cy="1588816"/>
+            <a:off x="727791" y="4561777"/>
+            <a:ext cx="9534635" cy="1608868"/>
           </a:xfrm>
           <a:prstGeom prst="rect">
             <a:avLst/>
           </a:prstGeom>
           <a:ln w="28575">
-            <a:solidFill>
-              <a:srgbClr val="D6CA2A"/>
-            </a:solidFill>
-          </a:ln>
-        </p:spPr>
-        <p:txBody>
-          <a:bodyPr vert="horz" lIns="91440" tIns="45720" rIns="91440" bIns="45720" rtlCol="0" anchor="ctr">
-            <a:normAutofit fontScale="92500"/>
-          </a:bodyPr>
-          <a:lstStyle>
-            <a:lvl1pPr algn="l" defTabSz="914400" rtl="0" eaLnBrk="1" latinLnBrk="0" hangingPunct="1">
-              <a:lnSpc>
-                <a:spcPct val="90000"/>
-              </a:lnSpc>
-              <a:spcBef>
-                <a:spcPct val="0"/>
-              </a:spcBef>
-              <a:buNone/>
-              <a:defRPr sz="4400" kern="1200">
-                <a:solidFill>
-                  <a:schemeClr val="tx1"/>
-                </a:solidFill>
-                <a:latin typeface="+mj-lt"/>
-                <a:ea typeface="+mj-ea"/>
-                <a:cs typeface="+mj-cs"/>
-              </a:defRPr>
-            </a:lvl1pPr>
-          </a:lstStyle>
-          <a:p>
-            <a:pPr marL="571500" indent="-571500">
-              <a:lnSpc>
-                <a:spcPct val="150000"/>
-              </a:lnSpc>
-              <a:buFont typeface="Wingdings" panose="05000000000000000000" pitchFamily="2" charset="2"/>
-              <a:buChar char="§"/>
-            </a:pPr>
-            <a:r>
-              <a:rPr lang="en-US" sz="2600" dirty="0">
-                <a:latin typeface="+mn-lt"/>
-              </a:rPr>
-              <a:t>Our analysis also suggests that </a:t>
-            </a:r>
-            <a:r>
-              <a:rPr lang="en-US" sz="2600" dirty="0" err="1">
-                <a:latin typeface="+mn-lt"/>
-              </a:rPr>
-              <a:t>sqft_lot</a:t>
-            </a:r>
-            <a:r>
-              <a:rPr lang="en-US" sz="2600" dirty="0">
-                <a:latin typeface="+mn-lt"/>
-              </a:rPr>
-              <a:t>, sqft_lot15, sqft_living15 are not important factors in predicting the house prices</a:t>
-            </a:r>
-          </a:p>
-        </p:txBody>
-      </p:sp>
-      <p:sp>
-        <p:nvSpPr>
-          <p:cNvPr id="12" name="Title 1">
-            <a:extLst>
-              <a:ext uri="{FF2B5EF4-FFF2-40B4-BE49-F238E27FC236}">
-                <a16:creationId xmlns:a16="http://schemas.microsoft.com/office/drawing/2014/main" id="{09DD80C5-6309-B07A-66E9-C30E98F00620}"/>
-              </a:ext>
-            </a:extLst>
-          </p:cNvPr>
-          <p:cNvSpPr txBox="1">
-            <a:spLocks/>
-          </p:cNvSpPr>
-          <p:nvPr/>
-        </p:nvSpPr>
-        <p:spPr>
-          <a:xfrm>
-            <a:off x="297517" y="2968149"/>
-            <a:ext cx="11534028" cy="1389434"/>
-          </a:xfrm>
-          <a:prstGeom prst="rect">
-            <a:avLst/>
-          </a:prstGeom>
-          <a:ln w="28575">
-            <a:solidFill>
-              <a:srgbClr val="D6CA2A"/>
-            </a:solidFill>
+            <a:noFill/>
           </a:ln>
         </p:spPr>
         <p:txBody>
@@ -11444,8 +11240,87 @@
               <a:lnSpc>
                 <a:spcPct val="150000"/>
               </a:lnSpc>
-              <a:buFont typeface="Wingdings" panose="05000000000000000000" pitchFamily="2" charset="2"/>
-              <a:buChar char="§"/>
+              <a:buFont typeface="Arial" panose="05000000000000000000" pitchFamily="2" charset="2"/>
+              <a:buChar char="•"/>
+            </a:pPr>
+            <a:r>
+              <a:rPr lang="en-US" sz="2600" dirty="0">
+                <a:latin typeface="+mn-lt"/>
+              </a:rPr>
+              <a:t>Analysis suggests that </a:t>
+            </a:r>
+            <a:r>
+              <a:rPr lang="en-US" sz="2600" dirty="0" err="1">
+                <a:latin typeface="+mn-lt"/>
+              </a:rPr>
+              <a:t>sqft_lot</a:t>
+            </a:r>
+            <a:r>
+              <a:rPr lang="en-US" sz="2600" dirty="0">
+                <a:latin typeface="+mn-lt"/>
+              </a:rPr>
+              <a:t>, sqft_lot15, sqft_living15 are not important factors in predicting the house prices</a:t>
+            </a:r>
+            <a:endParaRPr lang="en-US"/>
+          </a:p>
+        </p:txBody>
+      </p:sp>
+      <p:sp>
+        <p:nvSpPr>
+          <p:cNvPr id="12" name="Title 1">
+            <a:extLst>
+              <a:ext uri="{FF2B5EF4-FFF2-40B4-BE49-F238E27FC236}">
+                <a16:creationId xmlns:a16="http://schemas.microsoft.com/office/drawing/2014/main" id="{09DD80C5-6309-B07A-66E9-C30E98F00620}"/>
+              </a:ext>
+            </a:extLst>
+          </p:cNvPr>
+          <p:cNvSpPr txBox="1">
+            <a:spLocks/>
+          </p:cNvSpPr>
+          <p:nvPr/>
+        </p:nvSpPr>
+        <p:spPr>
+          <a:xfrm>
+            <a:off x="728649" y="3248886"/>
+            <a:ext cx="11534028" cy="1389434"/>
+          </a:xfrm>
+          <a:prstGeom prst="rect">
+            <a:avLst/>
+          </a:prstGeom>
+          <a:ln w="28575">
+            <a:noFill/>
+          </a:ln>
+        </p:spPr>
+        <p:txBody>
+          <a:bodyPr vert="horz" lIns="91440" tIns="45720" rIns="91440" bIns="45720" rtlCol="0" anchor="ctr">
+            <a:normAutofit/>
+          </a:bodyPr>
+          <a:lstStyle>
+            <a:lvl1pPr algn="l" defTabSz="914400" rtl="0" eaLnBrk="1" latinLnBrk="0" hangingPunct="1">
+              <a:lnSpc>
+                <a:spcPct val="90000"/>
+              </a:lnSpc>
+              <a:spcBef>
+                <a:spcPct val="0"/>
+              </a:spcBef>
+              <a:buNone/>
+              <a:defRPr sz="4400" kern="1200">
+                <a:solidFill>
+                  <a:schemeClr val="tx1"/>
+                </a:solidFill>
+                <a:latin typeface="+mj-lt"/>
+                <a:ea typeface="+mj-ea"/>
+                <a:cs typeface="+mj-cs"/>
+              </a:defRPr>
+            </a:lvl1pPr>
+          </a:lstStyle>
+          <a:p>
+            <a:pPr marL="571500" indent="-571500">
+              <a:lnSpc>
+                <a:spcPct val="150000"/>
+              </a:lnSpc>
+              <a:buFont typeface="Arial" panose="05000000000000000000" pitchFamily="2" charset="2"/>
+              <a:buChar char="•"/>
             </a:pPr>
             <a:r>
               <a:rPr lang="es-ES" sz="2600" dirty="0" err="1">
@@ -11591,115 +11466,51 @@
               </a:rPr>
               <a:t> $100k</a:t>
             </a:r>
+            <a:endParaRPr lang="en-US"/>
           </a:p>
         </p:txBody>
       </p:sp>
-      <p:pic>
-        <p:nvPicPr>
-          <p:cNvPr id="13" name="Picture 2" descr="Angle Symbol Brand Clipart Variable, Hammer, Tool, Text, Logo Transparent  Png – Pngset.com">
+      <p:cxnSp>
+        <p:nvCxnSpPr>
+          <p:cNvPr id="9" name="Straight Arrow Connector 8">
             <a:extLst>
               <a:ext uri="{FF2B5EF4-FFF2-40B4-BE49-F238E27FC236}">
-                <a16:creationId xmlns:a16="http://schemas.microsoft.com/office/drawing/2014/main" id="{1E04C23D-0CBA-DA15-9F7D-85C97A9709E6}"/>
+                <a16:creationId xmlns:a16="http://schemas.microsoft.com/office/drawing/2014/main" id="{6F551271-ADA7-2257-26E9-4484E3AF8E8F}"/>
               </a:ext>
             </a:extLst>
           </p:cNvPr>
-          <p:cNvPicPr>
-            <a:picLocks noChangeAspect="1" noChangeArrowheads="1"/>
-          </p:cNvPicPr>
+          <p:cNvCxnSpPr/>
           <p:nvPr/>
-        </p:nvPicPr>
-        <p:blipFill>
-          <a:blip r:embed="rId3">
-            <a:biLevel thresh="25000"/>
-            <a:extLst>
-              <a:ext uri="{28A0092B-C50C-407E-A947-70E740481C1C}">
-                <a14:useLocalDpi xmlns:a14="http://schemas.microsoft.com/office/drawing/2010/main" val="0"/>
-              </a:ext>
-            </a:extLst>
-          </a:blip>
-          <a:srcRect/>
-          <a:stretch>
-            <a:fillRect/>
-          </a:stretch>
-        </p:blipFill>
-        <p:spPr bwMode="auto">
-          <a:xfrm rot="20291121">
-            <a:off x="432960" y="4899726"/>
-            <a:ext cx="1781933" cy="1414232"/>
+        </p:nvCxnSpPr>
+        <p:spPr>
+          <a:xfrm flipV="1">
+            <a:off x="846221" y="1658352"/>
+            <a:ext cx="9875920" cy="15040"/>
           </a:xfrm>
-          <a:prstGeom prst="rect">
+          <a:prstGeom prst="straightConnector1">
             <a:avLst/>
           </a:prstGeom>
-          <a:noFill/>
-          <a:extLst>
-            <a:ext uri="{909E8E84-426E-40DD-AFC4-6F175D3DCCD1}">
-              <a14:hiddenFill xmlns:a14="http://schemas.microsoft.com/office/drawing/2010/main">
-                <a:solidFill>
-                  <a:srgbClr val="FFFFFF"/>
-                </a:solidFill>
-              </a14:hiddenFill>
-            </a:ext>
-          </a:extLst>
-        </p:spPr>
-      </p:pic>
-      <p:sp>
-        <p:nvSpPr>
-          <p:cNvPr id="2" name="Cross 1">
-            <a:extLst>
-              <a:ext uri="{FF2B5EF4-FFF2-40B4-BE49-F238E27FC236}">
-                <a16:creationId xmlns:a16="http://schemas.microsoft.com/office/drawing/2014/main" id="{722F9549-5518-1652-D25A-AA0C025D541B}"/>
-              </a:ext>
-            </a:extLst>
-          </p:cNvPr>
-          <p:cNvSpPr/>
-          <p:nvPr/>
-        </p:nvSpPr>
-        <p:spPr>
-          <a:xfrm rot="18554885">
-            <a:off x="473978" y="4656409"/>
-            <a:ext cx="1717834" cy="1714861"/>
-          </a:xfrm>
-          <a:prstGeom prst="plus">
-            <a:avLst>
-              <a:gd name="adj" fmla="val 42359"/>
-            </a:avLst>
-          </a:prstGeom>
-          <a:solidFill>
-            <a:srgbClr val="D6CA2A">
-              <a:alpha val="60000"/>
-            </a:srgbClr>
-          </a:solidFill>
-          <a:ln>
+          <a:ln w="57150">
             <a:solidFill>
-              <a:srgbClr val="D6CA2A"/>
+              <a:srgbClr val="32C3FF"/>
             </a:solidFill>
           </a:ln>
         </p:spPr>
         <p:style>
-          <a:lnRef idx="2">
-            <a:schemeClr val="accent4">
-              <a:shade val="50000"/>
-            </a:schemeClr>
+          <a:lnRef idx="1">
+            <a:schemeClr val="accent1"/>
           </a:lnRef>
-          <a:fillRef idx="1">
-            <a:schemeClr val="accent4"/>
+          <a:fillRef idx="0">
+            <a:schemeClr val="accent1"/>
           </a:fillRef>
           <a:effectRef idx="0">
-            <a:schemeClr val="accent4"/>
+            <a:schemeClr val="accent1"/>
           </a:effectRef>
           <a:fontRef idx="minor">
-            <a:schemeClr val="lt1"/>
+            <a:schemeClr val="tx1"/>
           </a:fontRef>
         </p:style>
-        <p:txBody>
-          <a:bodyPr rtlCol="0" anchor="ctr"/>
-          <a:lstStyle/>
-          <a:p>
-            <a:pPr algn="ctr"/>
-            <a:endParaRPr lang="en-US"/>
-          </a:p>
-        </p:txBody>
-      </p:sp>
+      </p:cxnSp>
     </p:spTree>
     <p:extLst>
       <p:ext uri="{BB962C8B-B14F-4D97-AF65-F5344CB8AC3E}">
@@ -11782,9 +11593,7 @@
             <a:avLst/>
           </a:prstGeom>
           <a:ln w="28575">
-            <a:solidFill>
-              <a:srgbClr val="D6CA2A"/>
-            </a:solidFill>
+            <a:noFill/>
           </a:ln>
         </p:spPr>
         <p:txBody>
@@ -11848,6 +11657,47 @@
           </a:p>
         </p:txBody>
       </p:sp>
+      <p:cxnSp>
+        <p:nvCxnSpPr>
+          <p:cNvPr id="3" name="Straight Arrow Connector 2">
+            <a:extLst>
+              <a:ext uri="{FF2B5EF4-FFF2-40B4-BE49-F238E27FC236}">
+                <a16:creationId xmlns:a16="http://schemas.microsoft.com/office/drawing/2014/main" id="{EF0DE97D-6F07-E907-D271-B72C49E495B3}"/>
+              </a:ext>
+            </a:extLst>
+          </p:cNvPr>
+          <p:cNvCxnSpPr/>
+          <p:nvPr/>
+        </p:nvCxnSpPr>
+        <p:spPr>
+          <a:xfrm flipV="1">
+            <a:off x="1076826" y="4064668"/>
+            <a:ext cx="9875920" cy="15040"/>
+          </a:xfrm>
+          <a:prstGeom prst="straightConnector1">
+            <a:avLst/>
+          </a:prstGeom>
+          <a:ln w="57150">
+            <a:solidFill>
+              <a:srgbClr val="32C3FF"/>
+            </a:solidFill>
+          </a:ln>
+        </p:spPr>
+        <p:style>
+          <a:lnRef idx="1">
+            <a:schemeClr val="accent1"/>
+          </a:lnRef>
+          <a:fillRef idx="0">
+            <a:schemeClr val="accent1"/>
+          </a:fillRef>
+          <a:effectRef idx="0">
+            <a:schemeClr val="accent1"/>
+          </a:effectRef>
+          <a:fontRef idx="minor">
+            <a:schemeClr val="tx1"/>
+          </a:fontRef>
+        </p:style>
+      </p:cxnSp>
     </p:spTree>
     <p:extLst>
       <p:ext uri="{BB962C8B-B14F-4D97-AF65-F5344CB8AC3E}">
@@ -11896,17 +11746,19 @@
         </p:nvSpPr>
         <p:spPr>
           <a:xfrm>
-            <a:off x="546566" y="1669982"/>
-            <a:ext cx="10017671" cy="1005124"/>
+            <a:off x="546566" y="2151245"/>
+            <a:ext cx="10017671" cy="995097"/>
           </a:xfrm>
         </p:spPr>
         <p:txBody>
-          <a:bodyPr>
-            <a:normAutofit fontScale="92500"/>
+          <a:bodyPr vert="horz" lIns="91440" tIns="45720" rIns="91440" bIns="45720" rtlCol="0" anchor="t">
+            <a:normAutofit/>
           </a:bodyPr>
           <a:lstStyle/>
           <a:p>
-            <a:pPr algn="just"/>
+            <a:pPr marL="0" indent="0" algn="ctr">
+              <a:buNone/>
+            </a:pPr>
             <a:r>
               <a:rPr lang="es-ES" dirty="0" err="1"/>
               <a:t>Implement</a:t>
@@ -12027,7 +11879,9 @@
               <a:rPr lang="es-ES" dirty="0"/>
               <a:t>.</a:t>
             </a:r>
-            <a:endParaRPr lang="en-US" dirty="0"/>
+            <a:endParaRPr lang="en-US" dirty="0">
+              <a:cs typeface="Calibri" panose="020F0502020204030204"/>
+            </a:endParaRPr>
           </a:p>
         </p:txBody>
       </p:sp>
@@ -12053,10 +11907,10 @@
           <a:lstStyle/>
           <a:p>
             <a:fld id="{70A36DDD-6718-4AAF-9FBC-AD300EE7F597}" type="slidenum">
-              <a:rPr lang="en-US" smtClean="0"/>
+              <a:rPr lang="en-US" dirty="0" smtClean="0"/>
               <a:t>13</a:t>
             </a:fld>
-            <a:endParaRPr lang="en-US"/>
+            <a:endParaRPr lang="en-US" dirty="0"/>
           </a:p>
         </p:txBody>
       </p:sp>
@@ -12130,9 +11984,7 @@
             <a:avLst/>
           </a:prstGeom>
           <a:ln w="28575">
-            <a:solidFill>
-              <a:srgbClr val="D6CA2A"/>
-            </a:solidFill>
+            <a:noFill/>
           </a:ln>
         </p:spPr>
         <p:txBody>
@@ -12171,6 +12023,47 @@
           </a:p>
         </p:txBody>
       </p:sp>
+      <p:cxnSp>
+        <p:nvCxnSpPr>
+          <p:cNvPr id="6" name="Straight Arrow Connector 5">
+            <a:extLst>
+              <a:ext uri="{FF2B5EF4-FFF2-40B4-BE49-F238E27FC236}">
+                <a16:creationId xmlns:a16="http://schemas.microsoft.com/office/drawing/2014/main" id="{8B0670A9-F09C-7A17-B2F8-33E122FE3B6F}"/>
+              </a:ext>
+            </a:extLst>
+          </p:cNvPr>
+          <p:cNvCxnSpPr/>
+          <p:nvPr/>
+        </p:nvCxnSpPr>
+        <p:spPr>
+          <a:xfrm flipV="1">
+            <a:off x="846221" y="1658352"/>
+            <a:ext cx="9875920" cy="15040"/>
+          </a:xfrm>
+          <a:prstGeom prst="straightConnector1">
+            <a:avLst/>
+          </a:prstGeom>
+          <a:ln w="57150">
+            <a:solidFill>
+              <a:srgbClr val="32C3FF"/>
+            </a:solidFill>
+          </a:ln>
+        </p:spPr>
+        <p:style>
+          <a:lnRef idx="1">
+            <a:schemeClr val="accent1"/>
+          </a:lnRef>
+          <a:fillRef idx="0">
+            <a:schemeClr val="accent1"/>
+          </a:fillRef>
+          <a:effectRef idx="0">
+            <a:schemeClr val="accent1"/>
+          </a:effectRef>
+          <a:fontRef idx="minor">
+            <a:schemeClr val="tx1"/>
+          </a:fontRef>
+        </p:style>
+      </p:cxnSp>
     </p:spTree>
     <p:extLst>
       <p:ext uri="{BB962C8B-B14F-4D97-AF65-F5344CB8AC3E}">
@@ -12223,9 +12116,7 @@
             <a:ext cx="9770706" cy="1325563"/>
           </a:xfrm>
           <a:ln w="28575">
-            <a:solidFill>
-              <a:srgbClr val="D6CA2A"/>
-            </a:solidFill>
+            <a:noFill/>
           </a:ln>
         </p:spPr>
         <p:txBody>
@@ -12263,7 +12154,7 @@
           </a:xfrm>
         </p:spPr>
         <p:txBody>
-          <a:bodyPr>
+          <a:bodyPr vert="horz" lIns="91440" tIns="45720" rIns="91440" bIns="45720" rtlCol="0" anchor="t">
             <a:normAutofit/>
           </a:bodyPr>
           <a:lstStyle/>
@@ -12272,60 +12163,68 @@
               <a:lnSpc>
                 <a:spcPct val="200000"/>
               </a:lnSpc>
-              <a:buFont typeface="Wingdings" panose="05000000000000000000" pitchFamily="2" charset="2"/>
-              <a:buChar char="§"/>
+              <a:buFont typeface="Arial" panose="05000000000000000000" pitchFamily="2" charset="2"/>
+              <a:buChar char="•"/>
             </a:pPr>
             <a:r>
               <a:rPr lang="es-ES" sz="3200" dirty="0" err="1"/>
               <a:t>Objectives</a:t>
             </a:r>
-            <a:endParaRPr lang="es-ES" sz="3200" dirty="0"/>
+            <a:endParaRPr lang="es-ES" sz="3200" dirty="0">
+              <a:cs typeface="Calibri" panose="020F0502020204030204"/>
+            </a:endParaRPr>
           </a:p>
           <a:p>
             <a:pPr lvl="1">
               <a:lnSpc>
                 <a:spcPct val="200000"/>
               </a:lnSpc>
-              <a:buFont typeface="Wingdings" panose="05000000000000000000" pitchFamily="2" charset="2"/>
-              <a:buChar char="§"/>
+              <a:buFont typeface="Arial" panose="05000000000000000000" pitchFamily="2" charset="2"/>
+              <a:buChar char="•"/>
             </a:pPr>
             <a:r>
-              <a:rPr lang="es-ES" sz="2800" dirty="0" err="1"/>
+              <a:rPr lang="es-ES" sz="2600" dirty="0" err="1"/>
               <a:t>Methodology</a:t>
             </a:r>
-            <a:endParaRPr lang="es-ES" sz="2800" dirty="0"/>
+            <a:endParaRPr lang="es-ES" sz="2600" dirty="0">
+              <a:cs typeface="Calibri" panose="020F0502020204030204"/>
+            </a:endParaRPr>
           </a:p>
           <a:p>
             <a:pPr lvl="1">
               <a:lnSpc>
                 <a:spcPct val="200000"/>
               </a:lnSpc>
-              <a:buFont typeface="Wingdings" panose="05000000000000000000" pitchFamily="2" charset="2"/>
-              <a:buChar char="§"/>
+              <a:buFont typeface="Arial" panose="05000000000000000000" pitchFamily="2" charset="2"/>
+              <a:buChar char="•"/>
             </a:pPr>
             <a:r>
-              <a:rPr lang="es-ES" sz="2800" dirty="0" err="1"/>
+              <a:rPr lang="es-ES" sz="2600" dirty="0" err="1"/>
               <a:t>Results</a:t>
             </a:r>
-            <a:endParaRPr lang="es-ES" sz="2800" dirty="0"/>
+            <a:endParaRPr lang="es-ES" sz="2600" dirty="0">
+              <a:cs typeface="Calibri" panose="020F0502020204030204"/>
+            </a:endParaRPr>
           </a:p>
           <a:p>
             <a:pPr>
               <a:lnSpc>
                 <a:spcPct val="200000"/>
               </a:lnSpc>
-              <a:buFont typeface="Wingdings" panose="05000000000000000000" pitchFamily="2" charset="2"/>
-              <a:buChar char="§"/>
+              <a:buFont typeface="Arial" panose="05000000000000000000" pitchFamily="2" charset="2"/>
+              <a:buChar char="•"/>
             </a:pPr>
             <a:r>
               <a:rPr lang="es-ES" sz="3600" dirty="0"/>
-              <a:t> </a:t>
-            </a:r>
-            <a:r>
-              <a:rPr lang="es-ES" sz="3600" dirty="0" err="1"/>
+              <a:t> </a:t>
+            </a:r>
+            <a:r>
+              <a:rPr lang="es-ES" sz="3200" dirty="0" err="1"/>
               <a:t>Conclusions</a:t>
             </a:r>
-            <a:endParaRPr lang="en-US" sz="3600" dirty="0"/>
+            <a:endParaRPr lang="en-US" sz="3200" dirty="0">
+              <a:cs typeface="Calibri" panose="020F0502020204030204"/>
+            </a:endParaRPr>
           </a:p>
         </p:txBody>
       </p:sp>
@@ -12403,6 +12302,47 @@
           </a:extLst>
         </p:spPr>
       </p:pic>
+      <p:cxnSp>
+        <p:nvCxnSpPr>
+          <p:cNvPr id="7" name="Straight Arrow Connector 6">
+            <a:extLst>
+              <a:ext uri="{FF2B5EF4-FFF2-40B4-BE49-F238E27FC236}">
+                <a16:creationId xmlns:a16="http://schemas.microsoft.com/office/drawing/2014/main" id="{A152E179-F07B-C271-93A2-511A95FE7FF5}"/>
+              </a:ext>
+            </a:extLst>
+          </p:cNvPr>
+          <p:cNvCxnSpPr/>
+          <p:nvPr/>
+        </p:nvCxnSpPr>
+        <p:spPr>
+          <a:xfrm flipV="1">
+            <a:off x="846221" y="1658352"/>
+            <a:ext cx="9875920" cy="15040"/>
+          </a:xfrm>
+          <a:prstGeom prst="straightConnector1">
+            <a:avLst/>
+          </a:prstGeom>
+          <a:ln w="57150">
+            <a:solidFill>
+              <a:srgbClr val="32C3FF"/>
+            </a:solidFill>
+          </a:ln>
+        </p:spPr>
+        <p:style>
+          <a:lnRef idx="1">
+            <a:schemeClr val="accent1"/>
+          </a:lnRef>
+          <a:fillRef idx="0">
+            <a:schemeClr val="accent1"/>
+          </a:fillRef>
+          <a:effectRef idx="0">
+            <a:schemeClr val="accent1"/>
+          </a:effectRef>
+          <a:fontRef idx="minor">
+            <a:schemeClr val="tx1"/>
+          </a:fontRef>
+        </p:style>
+      </p:cxnSp>
     </p:spTree>
     <p:extLst>
       <p:ext uri="{BB962C8B-B14F-4D97-AF65-F5344CB8AC3E}">
@@ -12456,24 +12396,50 @@
           </a:xfrm>
         </p:spPr>
         <p:txBody>
-          <a:bodyPr>
-            <a:normAutofit lnSpcReduction="10000"/>
+          <a:bodyPr vert="horz" lIns="91440" tIns="45720" rIns="91440" bIns="45720" rtlCol="0" anchor="t">
+            <a:normAutofit/>
           </a:bodyPr>
           <a:lstStyle/>
           <a:p>
-            <a:pPr marL="514350" indent="-514350" algn="just">
-              <a:buAutoNum type="arabicParenR"/>
+            <a:pPr marL="0" indent="0" algn="just">
+              <a:buNone/>
             </a:pPr>
             <a:r>
-              <a:rPr lang="en-US" b="0" i="0" dirty="0">
+              <a:rPr lang="en-US" sz="2600" b="0" i="0" dirty="0">
                 <a:solidFill>
                   <a:srgbClr val="000000"/>
                 </a:solidFill>
                 <a:effectLst/>
-                <a:latin typeface="Helvetica Neue"/>
+                <a:latin typeface="Calibri"/>
+                <a:cs typeface="Calibri"/>
               </a:rPr>
-              <a:t>Explore the characteristics of the houses using some business intelligence tools.</a:t>
-            </a:r>
+              <a:t>Explore the characteristics of the </a:t>
+            </a:r>
+            <a:r>
+              <a:rPr lang="en-US" sz="2600" dirty="0">
+                <a:solidFill>
+                  <a:srgbClr val="000000"/>
+                </a:solidFill>
+                <a:latin typeface="Calibri"/>
+                <a:cs typeface="Calibri"/>
+              </a:rPr>
+              <a:t>house using</a:t>
+            </a:r>
+            <a:r>
+              <a:rPr lang="en-US" sz="2600" b="0" i="0" dirty="0">
+                <a:solidFill>
+                  <a:srgbClr val="000000"/>
+                </a:solidFill>
+                <a:effectLst/>
+                <a:latin typeface="Calibri"/>
+                <a:cs typeface="Calibri"/>
+              </a:rPr>
+              <a:t> some business intelligence tools.</a:t>
+            </a:r>
+            <a:endParaRPr lang="en-US" sz="2600">
+              <a:latin typeface="Calibri"/>
+              <a:cs typeface="Calibri"/>
+            </a:endParaRPr>
           </a:p>
         </p:txBody>
       </p:sp>
@@ -12520,15 +12486,13 @@
         </p:nvSpPr>
         <p:spPr>
           <a:xfrm>
-            <a:off x="854739" y="2069838"/>
-            <a:ext cx="2103120" cy="640080"/>
+            <a:off x="644186" y="2034746"/>
+            <a:ext cx="2103120" cy="492443"/>
           </a:xfrm>
           <a:prstGeom prst="rect">
             <a:avLst/>
           </a:prstGeom>
-          <a:solidFill>
-            <a:srgbClr val="D6CA2A"/>
-          </a:solidFill>
+          <a:noFill/>
           <a:ln>
             <a:solidFill>
               <a:schemeClr val="lt1">
@@ -12540,14 +12504,14 @@
           </a:ln>
         </p:spPr>
         <p:txBody>
-          <a:bodyPr wrap="square" rtlCol="0">
+          <a:bodyPr wrap="square" lIns="91440" tIns="45720" rIns="91440" bIns="45720" rtlCol="0" anchor="t">
             <a:spAutoFit/>
           </a:bodyPr>
           <a:lstStyle/>
           <a:p>
             <a:pPr algn="ctr"/>
             <a:r>
-              <a:rPr lang="es-ES" sz="3000" dirty="0">
+              <a:rPr lang="es-ES" sz="2600" dirty="0">
                 <a:solidFill>
                   <a:schemeClr val="tx1">
                     <a:lumMod val="50000"/>
@@ -12555,10 +12519,10 @@
                   </a:schemeClr>
                 </a:solidFill>
               </a:rPr>
-              <a:t>BI </a:t>
-            </a:r>
-            <a:r>
-              <a:rPr lang="es-ES" sz="3000" dirty="0" err="1">
+              <a:t>1. BI </a:t>
+            </a:r>
+            <a:r>
+              <a:rPr lang="es-ES" sz="2600" dirty="0" err="1">
                 <a:solidFill>
                   <a:schemeClr val="tx1">
                     <a:lumMod val="50000"/>
@@ -12568,7 +12532,7 @@
               </a:rPr>
               <a:t>tools</a:t>
             </a:r>
-            <a:endParaRPr lang="en-US" sz="3000" dirty="0">
+            <a:endParaRPr lang="en-US" sz="2600" dirty="0">
               <a:solidFill>
                 <a:schemeClr val="tx1">
                   <a:lumMod val="50000"/>
@@ -12594,14 +12558,12 @@
         <p:spPr>
           <a:xfrm>
             <a:off x="854739" y="5220867"/>
-            <a:ext cx="2103120" cy="1097280"/>
+            <a:ext cx="2103120" cy="892552"/>
           </a:xfrm>
           <a:prstGeom prst="rect">
             <a:avLst/>
           </a:prstGeom>
-          <a:solidFill>
-            <a:srgbClr val="D6CA2A"/>
-          </a:solidFill>
+          <a:noFill/>
           <a:ln>
             <a:solidFill>
               <a:schemeClr val="lt1">
@@ -12613,14 +12575,14 @@
           </a:ln>
         </p:spPr>
         <p:txBody>
-          <a:bodyPr wrap="square" rtlCol="0">
+          <a:bodyPr wrap="square" lIns="91440" tIns="45720" rIns="91440" bIns="45720" rtlCol="0" anchor="t">
             <a:spAutoFit/>
           </a:bodyPr>
           <a:lstStyle/>
           <a:p>
             <a:pPr algn="ctr"/>
             <a:r>
-              <a:rPr lang="es-ES" sz="3000" dirty="0">
+              <a:rPr lang="es-ES" sz="2600" dirty="0">
                 <a:solidFill>
                   <a:schemeClr val="tx1">
                     <a:lumMod val="50000"/>
@@ -12628,10 +12590,10 @@
                   </a:schemeClr>
                 </a:solidFill>
               </a:rPr>
-              <a:t>High-</a:t>
-            </a:r>
-            <a:r>
-              <a:rPr lang="es-ES" sz="3000" dirty="0" err="1">
+              <a:t>3. High-</a:t>
+            </a:r>
+            <a:r>
+              <a:rPr lang="es-ES" sz="2600" dirty="0" err="1">
                 <a:solidFill>
                   <a:schemeClr val="tx1">
                     <a:lumMod val="50000"/>
@@ -12642,7 +12604,7 @@
               <a:t>value</a:t>
             </a:r>
             <a:r>
-              <a:rPr lang="es-ES" sz="3000" dirty="0">
+              <a:rPr lang="es-ES" sz="2600" dirty="0">
                 <a:solidFill>
                   <a:schemeClr val="tx1">
                     <a:lumMod val="50000"/>
@@ -12653,7 +12615,7 @@
               <a:t> </a:t>
             </a:r>
             <a:r>
-              <a:rPr lang="es-ES" sz="3000" dirty="0" err="1">
+              <a:rPr lang="es-ES" sz="2600" dirty="0" err="1">
                 <a:solidFill>
                   <a:schemeClr val="tx1">
                     <a:lumMod val="50000"/>
@@ -12663,7 +12625,7 @@
               </a:rPr>
               <a:t>property</a:t>
             </a:r>
-            <a:endParaRPr lang="en-US" sz="3000" dirty="0">
+            <a:endParaRPr lang="en-US" sz="2600" dirty="0">
               <a:solidFill>
                 <a:schemeClr val="tx1">
                   <a:lumMod val="50000"/>
@@ -12688,15 +12650,13 @@
         </p:nvSpPr>
         <p:spPr>
           <a:xfrm>
-            <a:off x="854739" y="3438971"/>
-            <a:ext cx="2103120" cy="1097280"/>
+            <a:off x="784555" y="3428945"/>
+            <a:ext cx="2103120" cy="892552"/>
           </a:xfrm>
           <a:prstGeom prst="rect">
             <a:avLst/>
           </a:prstGeom>
-          <a:solidFill>
-            <a:srgbClr val="D6CA2A"/>
-          </a:solidFill>
+          <a:noFill/>
           <a:ln>
             <a:solidFill>
               <a:schemeClr val="lt1">
@@ -12708,14 +12668,14 @@
           </a:ln>
         </p:spPr>
         <p:txBody>
-          <a:bodyPr wrap="square" rtlCol="0">
+          <a:bodyPr wrap="square" lIns="91440" tIns="45720" rIns="91440" bIns="45720" rtlCol="0" anchor="t">
             <a:spAutoFit/>
           </a:bodyPr>
           <a:lstStyle/>
           <a:p>
             <a:pPr algn="ctr"/>
             <a:r>
-              <a:rPr lang="es-ES" sz="3000" dirty="0">
+              <a:rPr lang="es-ES" sz="2600" dirty="0">
                 <a:solidFill>
                   <a:schemeClr val="tx1">
                     <a:lumMod val="50000"/>
@@ -12723,10 +12683,10 @@
                   </a:schemeClr>
                 </a:solidFill>
               </a:rPr>
-              <a:t>Predictive </a:t>
-            </a:r>
-            <a:r>
-              <a:rPr lang="es-ES" sz="3000" dirty="0" err="1">
+              <a:t>2. Predictive </a:t>
+            </a:r>
+            <a:r>
+              <a:rPr lang="es-ES" sz="2600" dirty="0" err="1">
                 <a:solidFill>
                   <a:schemeClr val="tx1">
                     <a:lumMod val="50000"/>
@@ -12736,13 +12696,14 @@
               </a:rPr>
               <a:t>models</a:t>
             </a:r>
-            <a:endParaRPr lang="en-US" sz="3000" dirty="0">
+            <a:endParaRPr lang="en-US" sz="2600">
               <a:solidFill>
                 <a:schemeClr val="tx1">
                   <a:lumMod val="50000"/>
                   <a:lumOff val="50000"/>
                 </a:schemeClr>
               </a:solidFill>
+              <a:cs typeface="Calibri"/>
             </a:endParaRPr>
           </a:p>
         </p:txBody>
@@ -12769,9 +12730,7 @@
             <a:ext cx="9770706" cy="1325563"/>
           </a:xfrm>
           <a:ln w="28575">
-            <a:solidFill>
-              <a:srgbClr val="D6CA2A"/>
-            </a:solidFill>
+            <a:noFill/>
           </a:ln>
         </p:spPr>
         <p:txBody>
@@ -12802,7 +12761,7 @@
         </p:nvSpPr>
         <p:spPr>
           <a:xfrm>
-            <a:off x="3200400" y="5220867"/>
+            <a:off x="3200400" y="5311104"/>
             <a:ext cx="7903030" cy="1097280"/>
           </a:xfrm>
           <a:prstGeom prst="rect">
@@ -12810,7 +12769,7 @@
           </a:prstGeom>
         </p:spPr>
         <p:txBody>
-          <a:bodyPr vert="horz" lIns="91440" tIns="45720" rIns="91440" bIns="45720" rtlCol="0">
+          <a:bodyPr vert="horz" lIns="91440" tIns="45720" rIns="91440" bIns="45720" rtlCol="0" anchor="t">
             <a:normAutofit/>
           </a:bodyPr>
           <a:lstStyle>
@@ -12978,19 +12937,23 @@
             </a:lvl9pPr>
           </a:lstStyle>
           <a:p>
-            <a:pPr marL="514350" indent="-514350" algn="just">
-              <a:buFont typeface="+mj-lt"/>
-              <a:buAutoNum type="arabicParenR" startAt="3"/>
+            <a:pPr marL="0" indent="0" algn="just">
+              <a:buNone/>
             </a:pPr>
             <a:r>
-              <a:rPr lang="en-US" dirty="0">
+              <a:rPr lang="en-US" sz="2600" dirty="0">
                 <a:solidFill>
                   <a:srgbClr val="000000"/>
                 </a:solidFill>
-                <a:latin typeface="Helvetica Neue"/>
+                <a:latin typeface="Calibri"/>
+                <a:cs typeface="Calibri"/>
               </a:rPr>
               <a:t>Understanding which factors are responsible for higher property value - $650K and above.</a:t>
             </a:r>
+            <a:endParaRPr lang="en-US" sz="2600">
+              <a:latin typeface="Calibri"/>
+              <a:cs typeface="Calibri"/>
+            </a:endParaRPr>
           </a:p>
         </p:txBody>
       </p:sp>
@@ -13018,8 +12981,8 @@
           </a:prstGeom>
         </p:spPr>
         <p:txBody>
-          <a:bodyPr vert="horz" lIns="91440" tIns="45720" rIns="91440" bIns="45720" rtlCol="0">
-            <a:normAutofit fontScale="92500"/>
+          <a:bodyPr vert="horz" lIns="91440" tIns="45720" rIns="91440" bIns="45720" rtlCol="0" anchor="t">
+            <a:normAutofit lnSpcReduction="10000"/>
           </a:bodyPr>
           <a:lstStyle>
             <a:lvl1pPr marL="228600" indent="-228600" algn="l" defTabSz="914400" rtl="0" eaLnBrk="1" latinLnBrk="0" hangingPunct="1">
@@ -13186,29 +13149,99 @@
             </a:lvl9pPr>
           </a:lstStyle>
           <a:p>
-            <a:pPr marL="514350" indent="-514350" algn="just">
-              <a:buFont typeface="+mj-lt"/>
-              <a:buAutoNum type="arabicParenR" startAt="2"/>
+            <a:pPr marL="0" indent="0" algn="just">
+              <a:buNone/>
             </a:pPr>
+            <a:r>
+              <a:rPr lang="en-US" dirty="0">
+                <a:solidFill>
+                  <a:srgbClr val="000000"/>
+                </a:solidFill>
+                <a:latin typeface="Calibri"/>
+                <a:cs typeface="Calibri"/>
+              </a:rPr>
+              <a:t>Build</a:t>
+            </a:r>
             <a:r>
               <a:rPr lang="en-US" b="0" i="0" dirty="0">
                 <a:solidFill>
                   <a:srgbClr val="000000"/>
                 </a:solidFill>
                 <a:effectLst/>
-                <a:latin typeface="Helvetica Neue"/>
+                <a:latin typeface="Calibri"/>
+                <a:cs typeface="Calibri"/>
               </a:rPr>
-              <a:t>Build a model that will predict the price of a house based on features provided in the dataset.</a:t>
-            </a:r>
-            <a:endParaRPr lang="en-US" dirty="0">
-              <a:solidFill>
-                <a:srgbClr val="000000"/>
-              </a:solidFill>
-              <a:latin typeface="Helvetica Neue"/>
+              <a:t> a model that will predict the price of </a:t>
+            </a:r>
+            <a:r>
+              <a:rPr lang="en-US" dirty="0">
+                <a:solidFill>
+                  <a:srgbClr val="000000"/>
+                </a:solidFill>
+                <a:latin typeface="Calibri"/>
+                <a:cs typeface="Calibri"/>
+              </a:rPr>
+              <a:t>a house</a:t>
+            </a:r>
+            <a:r>
+              <a:rPr lang="en-US" b="0" i="0" dirty="0">
+                <a:solidFill>
+                  <a:srgbClr val="000000"/>
+                </a:solidFill>
+                <a:effectLst/>
+                <a:latin typeface="Calibri"/>
+                <a:cs typeface="Calibri"/>
+              </a:rPr>
+              <a:t> based on features provided in the dataset.</a:t>
+            </a:r>
+            <a:endParaRPr lang="en-US">
+              <a:latin typeface="Calibri"/>
+              <a:cs typeface="Calibri"/>
             </a:endParaRPr>
           </a:p>
         </p:txBody>
       </p:sp>
+      <p:cxnSp>
+        <p:nvCxnSpPr>
+          <p:cNvPr id="13" name="Straight Arrow Connector 12">
+            <a:extLst>
+              <a:ext uri="{FF2B5EF4-FFF2-40B4-BE49-F238E27FC236}">
+                <a16:creationId xmlns:a16="http://schemas.microsoft.com/office/drawing/2014/main" id="{07963526-A342-F4A4-2D48-5991AC19E0FA}"/>
+              </a:ext>
+            </a:extLst>
+          </p:cNvPr>
+          <p:cNvCxnSpPr/>
+          <p:nvPr/>
+        </p:nvCxnSpPr>
+        <p:spPr>
+          <a:xfrm flipV="1">
+            <a:off x="846221" y="1658352"/>
+            <a:ext cx="9875920" cy="15040"/>
+          </a:xfrm>
+          <a:prstGeom prst="straightConnector1">
+            <a:avLst/>
+          </a:prstGeom>
+          <a:ln w="57150">
+            <a:solidFill>
+              <a:srgbClr val="32C3FF"/>
+            </a:solidFill>
+          </a:ln>
+        </p:spPr>
+        <p:style>
+          <a:lnRef idx="1">
+            <a:schemeClr val="accent1"/>
+          </a:lnRef>
+          <a:fillRef idx="0">
+            <a:schemeClr val="accent1"/>
+          </a:fillRef>
+          <a:effectRef idx="0">
+            <a:schemeClr val="accent1"/>
+          </a:effectRef>
+          <a:fontRef idx="minor">
+            <a:schemeClr val="tx1"/>
+          </a:fontRef>
+        </p:style>
+      </p:cxnSp>
     </p:spTree>
     <p:extLst>
       <p:ext uri="{BB962C8B-B14F-4D97-AF65-F5344CB8AC3E}">
@@ -13385,9 +13418,7 @@
             <a:avLst/>
           </a:prstGeom>
           <a:ln w="28575">
-            <a:solidFill>
-              <a:srgbClr val="D6CA2A"/>
-            </a:solidFill>
+            <a:noFill/>
           </a:ln>
         </p:spPr>
         <p:txBody>
@@ -13423,17 +13454,70 @@
               <a:t>: </a:t>
             </a:r>
             <a:r>
-              <a:rPr lang="es-ES" b="1" dirty="0" err="1"/>
+              <a:rPr lang="es-ES" b="1" dirty="0" err="1">
+                <a:solidFill>
+                  <a:srgbClr val="32C3FF"/>
+                </a:solidFill>
+              </a:rPr>
               <a:t>objective</a:t>
             </a:r>
             <a:r>
-              <a:rPr lang="es-ES" b="1" dirty="0"/>
+              <a:rPr lang="es-ES" b="1" dirty="0">
+                <a:solidFill>
+                  <a:srgbClr val="32C3FF"/>
+                </a:solidFill>
+              </a:rPr>
               <a:t> 1</a:t>
             </a:r>
-            <a:endParaRPr lang="en-US" b="1" dirty="0"/>
+            <a:endParaRPr lang="en-US" b="1" dirty="0">
+              <a:solidFill>
+                <a:srgbClr val="32C3FF"/>
+              </a:solidFill>
+            </a:endParaRPr>
           </a:p>
         </p:txBody>
       </p:sp>
+      <p:cxnSp>
+        <p:nvCxnSpPr>
+          <p:cNvPr id="3" name="Straight Arrow Connector 2">
+            <a:extLst>
+              <a:ext uri="{FF2B5EF4-FFF2-40B4-BE49-F238E27FC236}">
+                <a16:creationId xmlns:a16="http://schemas.microsoft.com/office/drawing/2014/main" id="{99A63AE5-707B-175F-FBCB-FEE36EDE5517}"/>
+              </a:ext>
+            </a:extLst>
+          </p:cNvPr>
+          <p:cNvCxnSpPr/>
+          <p:nvPr/>
+        </p:nvCxnSpPr>
+        <p:spPr>
+          <a:xfrm flipV="1">
+            <a:off x="846221" y="1658352"/>
+            <a:ext cx="9875920" cy="15040"/>
+          </a:xfrm>
+          <a:prstGeom prst="straightConnector1">
+            <a:avLst/>
+          </a:prstGeom>
+          <a:ln w="57150">
+            <a:solidFill>
+              <a:srgbClr val="32C3FF"/>
+            </a:solidFill>
+          </a:ln>
+        </p:spPr>
+        <p:style>
+          <a:lnRef idx="1">
+            <a:schemeClr val="accent1"/>
+          </a:lnRef>
+          <a:fillRef idx="0">
+            <a:schemeClr val="accent1"/>
+          </a:fillRef>
+          <a:effectRef idx="0">
+            <a:schemeClr val="accent1"/>
+          </a:effectRef>
+          <a:fontRef idx="minor">
+            <a:schemeClr val="tx1"/>
+          </a:fontRef>
+        </p:style>
+      </p:cxnSp>
     </p:spTree>
     <p:extLst>
       <p:ext uri="{BB962C8B-B14F-4D97-AF65-F5344CB8AC3E}">
@@ -13509,7 +13593,7 @@
         </p:nvSpPr>
         <p:spPr>
           <a:xfrm>
-            <a:off x="766665" y="2629486"/>
+            <a:off x="766665" y="1797302"/>
             <a:ext cx="5329335" cy="1148897"/>
           </a:xfrm>
           <a:prstGeom prst="rect">
@@ -13598,9 +13682,7 @@
             <a:avLst/>
           </a:prstGeom>
           <a:ln w="28575">
-            <a:solidFill>
-              <a:srgbClr val="D6CA2A"/>
-            </a:solidFill>
+            <a:noFill/>
           </a:ln>
         </p:spPr>
         <p:txBody>
@@ -13629,13 +13711,33 @@
           <a:p>
             <a:r>
               <a:rPr lang="es-ES" b="1" dirty="0" err="1"/>
-              <a:t>Objective</a:t>
+              <a:t>Methodology</a:t>
             </a:r>
             <a:r>
               <a:rPr lang="es-ES" b="1" dirty="0"/>
+              <a:t>: </a:t>
+            </a:r>
+            <a:r>
+              <a:rPr lang="es-ES" b="1" dirty="0" err="1">
+                <a:solidFill>
+                  <a:srgbClr val="32C3FF"/>
+                </a:solidFill>
+              </a:rPr>
+              <a:t>objective</a:t>
+            </a:r>
+            <a:r>
+              <a:rPr lang="es-ES" b="1" dirty="0">
+                <a:solidFill>
+                  <a:srgbClr val="32C3FF"/>
+                </a:solidFill>
+              </a:rPr>
               <a:t> 2</a:t>
             </a:r>
-            <a:endParaRPr lang="en-US" b="1" dirty="0"/>
+            <a:endParaRPr lang="en-US" b="1" dirty="0">
+              <a:solidFill>
+                <a:srgbClr val="32C3FF"/>
+              </a:solidFill>
+            </a:endParaRPr>
           </a:p>
         </p:txBody>
       </p:sp>
@@ -13668,7 +13770,7 @@
         </p:blipFill>
         <p:spPr bwMode="auto">
           <a:xfrm>
-            <a:off x="6862665" y="4098698"/>
+            <a:off x="6737336" y="3286566"/>
             <a:ext cx="4841306" cy="2394177"/>
           </a:xfrm>
           <a:prstGeom prst="rect">
@@ -13702,7 +13804,7 @@
         </p:nvSpPr>
         <p:spPr>
           <a:xfrm>
-            <a:off x="6542314" y="2722279"/>
+            <a:off x="6492182" y="1890095"/>
             <a:ext cx="5329335" cy="963313"/>
           </a:xfrm>
           <a:prstGeom prst="rect">
@@ -13786,109 +13888,6 @@
           </a:p>
         </p:txBody>
       </p:sp>
-      <p:sp>
-        <p:nvSpPr>
-          <p:cNvPr id="11" name="Title 1">
-            <a:extLst>
-              <a:ext uri="{FF2B5EF4-FFF2-40B4-BE49-F238E27FC236}">
-                <a16:creationId xmlns:a16="http://schemas.microsoft.com/office/drawing/2014/main" id="{688A1906-9ADB-3342-A349-924470D168D9}"/>
-              </a:ext>
-            </a:extLst>
-          </p:cNvPr>
-          <p:cNvSpPr txBox="1">
-            <a:spLocks/>
-          </p:cNvSpPr>
-          <p:nvPr/>
-        </p:nvSpPr>
-        <p:spPr>
-          <a:xfrm>
-            <a:off x="838200" y="1827650"/>
-            <a:ext cx="9618306" cy="716319"/>
-          </a:xfrm>
-          <a:prstGeom prst="rect">
-            <a:avLst/>
-          </a:prstGeom>
-        </p:spPr>
-        <p:txBody>
-          <a:bodyPr vert="horz" lIns="91440" tIns="45720" rIns="91440" bIns="45720" rtlCol="0" anchor="ctr">
-            <a:noAutofit/>
-          </a:bodyPr>
-          <a:lstStyle>
-            <a:lvl1pPr algn="l" defTabSz="914400" rtl="0" eaLnBrk="1" latinLnBrk="0" hangingPunct="1">
-              <a:lnSpc>
-                <a:spcPct val="90000"/>
-              </a:lnSpc>
-              <a:spcBef>
-                <a:spcPct val="0"/>
-              </a:spcBef>
-              <a:buNone/>
-              <a:defRPr sz="4400" kern="1200">
-                <a:solidFill>
-                  <a:schemeClr val="tx1"/>
-                </a:solidFill>
-                <a:latin typeface="+mj-lt"/>
-                <a:ea typeface="+mj-ea"/>
-                <a:cs typeface="+mj-cs"/>
-              </a:defRPr>
-            </a:lvl1pPr>
-          </a:lstStyle>
-          <a:p>
-            <a:pPr>
-              <a:lnSpc>
-                <a:spcPct val="200000"/>
-              </a:lnSpc>
-            </a:pPr>
-            <a:r>
-              <a:rPr lang="es-ES" sz="3000" dirty="0" err="1">
-                <a:latin typeface="+mn-lt"/>
-              </a:rPr>
-              <a:t>Two</a:t>
-            </a:r>
-            <a:r>
-              <a:rPr lang="es-ES" sz="3000" dirty="0">
-                <a:latin typeface="+mn-lt"/>
-              </a:rPr>
-              <a:t> </a:t>
-            </a:r>
-            <a:r>
-              <a:rPr lang="es-ES" sz="3000" dirty="0" err="1">
-                <a:latin typeface="+mn-lt"/>
-              </a:rPr>
-              <a:t>types</a:t>
-            </a:r>
-            <a:r>
-              <a:rPr lang="es-ES" sz="3000" dirty="0">
-                <a:latin typeface="+mn-lt"/>
-              </a:rPr>
-              <a:t> </a:t>
-            </a:r>
-            <a:r>
-              <a:rPr lang="es-ES" sz="3000" dirty="0" err="1">
-                <a:latin typeface="+mn-lt"/>
-              </a:rPr>
-              <a:t>of</a:t>
-            </a:r>
-            <a:r>
-              <a:rPr lang="es-ES" sz="3000" dirty="0">
-                <a:latin typeface="+mn-lt"/>
-              </a:rPr>
-              <a:t> </a:t>
-            </a:r>
-            <a:r>
-              <a:rPr lang="es-ES" sz="3000" dirty="0" err="1">
-                <a:latin typeface="+mn-lt"/>
-              </a:rPr>
-              <a:t>model</a:t>
-            </a:r>
-            <a:r>
-              <a:rPr lang="es-ES" sz="3000" dirty="0">
-                <a:latin typeface="+mn-lt"/>
-              </a:rPr>
-              <a:t>: </a:t>
-            </a:r>
-          </a:p>
-        </p:txBody>
-      </p:sp>
       <p:pic>
         <p:nvPicPr>
           <p:cNvPr id="7172" name="Picture 4" descr="Linear Regression in Machine Learning">
@@ -13918,7 +13917,7 @@
         </p:blipFill>
         <p:spPr bwMode="auto">
           <a:xfrm>
-            <a:off x="1565986" y="3877517"/>
+            <a:off x="1555960" y="3240846"/>
             <a:ext cx="2478833" cy="2478833"/>
           </a:xfrm>
           <a:prstGeom prst="rect">
@@ -13936,6 +13935,47 @@
           </a:extLst>
         </p:spPr>
       </p:pic>
+      <p:cxnSp>
+        <p:nvCxnSpPr>
+          <p:cNvPr id="3" name="Straight Arrow Connector 2">
+            <a:extLst>
+              <a:ext uri="{FF2B5EF4-FFF2-40B4-BE49-F238E27FC236}">
+                <a16:creationId xmlns:a16="http://schemas.microsoft.com/office/drawing/2014/main" id="{0894A1FD-CE8C-B0A9-2664-834929B95611}"/>
+              </a:ext>
+            </a:extLst>
+          </p:cNvPr>
+          <p:cNvCxnSpPr/>
+          <p:nvPr/>
+        </p:nvCxnSpPr>
+        <p:spPr>
+          <a:xfrm flipV="1">
+            <a:off x="846221" y="1658352"/>
+            <a:ext cx="9875920" cy="15040"/>
+          </a:xfrm>
+          <a:prstGeom prst="straightConnector1">
+            <a:avLst/>
+          </a:prstGeom>
+          <a:ln w="57150">
+            <a:solidFill>
+              <a:srgbClr val="32C3FF"/>
+            </a:solidFill>
+          </a:ln>
+        </p:spPr>
+        <p:style>
+          <a:lnRef idx="1">
+            <a:schemeClr val="accent1"/>
+          </a:lnRef>
+          <a:fillRef idx="0">
+            <a:schemeClr val="accent1"/>
+          </a:fillRef>
+          <a:effectRef idx="0">
+            <a:schemeClr val="accent1"/>
+          </a:effectRef>
+          <a:fontRef idx="minor">
+            <a:schemeClr val="tx1"/>
+          </a:fontRef>
+        </p:style>
+      </p:cxnSp>
     </p:spTree>
     <p:extLst>
       <p:ext uri="{BB962C8B-B14F-4D97-AF65-F5344CB8AC3E}">
@@ -14011,16 +14051,14 @@
         </p:nvSpPr>
         <p:spPr>
           <a:xfrm>
-            <a:off x="838200" y="114431"/>
+            <a:off x="898358" y="309944"/>
             <a:ext cx="9770706" cy="1325563"/>
           </a:xfrm>
           <a:prstGeom prst="rect">
             <a:avLst/>
           </a:prstGeom>
           <a:ln w="28575">
-            <a:solidFill>
-              <a:srgbClr val="D6CA2A"/>
-            </a:solidFill>
+            <a:noFill/>
           </a:ln>
         </p:spPr>
         <p:txBody>
@@ -14080,7 +14118,7 @@
           <p:nvPr>
             <p:extLst>
               <p:ext uri="{D42A27DB-BD31-4B8C-83A1-F6EECF244321}">
-                <p14:modId xmlns:p14="http://schemas.microsoft.com/office/powerpoint/2010/main" val="2961489404"/>
+                <p14:modId xmlns:p14="http://schemas.microsoft.com/office/powerpoint/2010/main" val="3969102381"/>
               </p:ext>
             </p:extLst>
           </p:nvPr>
@@ -14116,7 +14154,7 @@
             <a:avLst/>
           </a:prstGeom>
           <a:solidFill>
-            <a:srgbClr val="5FA972"/>
+            <a:srgbClr val="32C3FF"/>
           </a:solidFill>
           <a:ln>
             <a:solidFill>
@@ -14141,16 +14179,14 @@
           </a:fontRef>
         </p:style>
         <p:txBody>
-          <a:bodyPr rtlCol="0" anchor="ctr"/>
+          <a:bodyPr lIns="91440" tIns="45720" rIns="91440" bIns="45720" rtlCol="0" anchor="ctr"/>
           <a:lstStyle/>
           <a:p>
             <a:pPr algn="ctr"/>
             <a:r>
               <a:rPr lang="es-ES" sz="2000" dirty="0">
                 <a:solidFill>
-                  <a:schemeClr val="bg1">
-                    <a:lumMod val="95000"/>
-                  </a:schemeClr>
+                  <a:schemeClr val="bg1"/>
                 </a:solidFill>
               </a:rPr>
               <a:t>Data </a:t>
@@ -14158,19 +14194,16 @@
             <a:r>
               <a:rPr lang="es-ES" sz="2000" dirty="0" err="1">
                 <a:solidFill>
-                  <a:schemeClr val="bg1">
-                    <a:lumMod val="95000"/>
-                  </a:schemeClr>
+                  <a:schemeClr val="bg1"/>
                 </a:solidFill>
               </a:rPr>
               <a:t>cleaning</a:t>
             </a:r>
             <a:endParaRPr lang="es-ES" sz="2000" dirty="0">
               <a:solidFill>
-                <a:schemeClr val="bg1">
-                  <a:lumMod val="95000"/>
-                </a:schemeClr>
+                <a:schemeClr val="bg1"/>
               </a:solidFill>
+              <a:cs typeface="Calibri"/>
             </a:endParaRPr>
           </a:p>
           <a:p>
@@ -14178,9 +14211,7 @@
             <a:r>
               <a:rPr lang="es-ES" sz="2000" dirty="0" err="1">
                 <a:solidFill>
-                  <a:schemeClr val="bg1">
-                    <a:lumMod val="95000"/>
-                  </a:schemeClr>
+                  <a:schemeClr val="bg1"/>
                 </a:solidFill>
               </a:rPr>
               <a:t>Features</a:t>
@@ -14188,9 +14219,7 @@
             <a:r>
               <a:rPr lang="es-ES" sz="2000" dirty="0">
                 <a:solidFill>
-                  <a:schemeClr val="bg1">
-                    <a:lumMod val="95000"/>
-                  </a:schemeClr>
+                  <a:schemeClr val="bg1"/>
                 </a:solidFill>
               </a:rPr>
               <a:t> </a:t>
@@ -14198,19 +14227,16 @@
             <a:r>
               <a:rPr lang="es-ES" sz="2000" dirty="0" err="1">
                 <a:solidFill>
-                  <a:schemeClr val="bg1">
-                    <a:lumMod val="95000"/>
-                  </a:schemeClr>
+                  <a:schemeClr val="bg1"/>
                 </a:solidFill>
               </a:rPr>
               <a:t>engineering</a:t>
             </a:r>
             <a:endParaRPr lang="es-ES" sz="2000" dirty="0">
               <a:solidFill>
-                <a:schemeClr val="bg1">
-                  <a:lumMod val="95000"/>
-                </a:schemeClr>
+                <a:schemeClr val="bg1"/>
               </a:solidFill>
+              <a:cs typeface="Calibri"/>
             </a:endParaRPr>
           </a:p>
           <a:p>
@@ -14218,9 +14244,7 @@
             <a:r>
               <a:rPr lang="es-ES" sz="2000" dirty="0" err="1">
                 <a:solidFill>
-                  <a:schemeClr val="bg1">
-                    <a:lumMod val="95000"/>
-                  </a:schemeClr>
+                  <a:schemeClr val="bg1"/>
                 </a:solidFill>
               </a:rPr>
               <a:t>Features</a:t>
@@ -14228,9 +14252,7 @@
             <a:r>
               <a:rPr lang="es-ES" sz="2000" dirty="0">
                 <a:solidFill>
-                  <a:schemeClr val="bg1">
-                    <a:lumMod val="95000"/>
-                  </a:schemeClr>
+                  <a:schemeClr val="bg1"/>
                 </a:solidFill>
               </a:rPr>
               <a:t> </a:t>
@@ -14238,19 +14260,16 @@
             <a:r>
               <a:rPr lang="es-ES" sz="2000" dirty="0" err="1">
                 <a:solidFill>
-                  <a:schemeClr val="bg1">
-                    <a:lumMod val="95000"/>
-                  </a:schemeClr>
+                  <a:schemeClr val="bg1"/>
                 </a:solidFill>
               </a:rPr>
               <a:t>selection</a:t>
             </a:r>
             <a:endParaRPr lang="es-ES" sz="2000" dirty="0">
               <a:solidFill>
-                <a:schemeClr val="bg1">
-                  <a:lumMod val="95000"/>
-                </a:schemeClr>
+                <a:schemeClr val="bg1"/>
               </a:solidFill>
+              <a:cs typeface="Calibri"/>
             </a:endParaRPr>
           </a:p>
           <a:p>
@@ -14258,9 +14277,7 @@
             <a:r>
               <a:rPr lang="es-ES" sz="2000" dirty="0" err="1">
                 <a:solidFill>
-                  <a:schemeClr val="bg1">
-                    <a:lumMod val="95000"/>
-                  </a:schemeClr>
+                  <a:schemeClr val="bg1"/>
                 </a:solidFill>
               </a:rPr>
               <a:t>Ouliers</a:t>
@@ -14268,9 +14285,7 @@
             <a:r>
               <a:rPr lang="es-ES" sz="2000" dirty="0">
                 <a:solidFill>
-                  <a:schemeClr val="bg1">
-                    <a:lumMod val="95000"/>
-                  </a:schemeClr>
+                  <a:schemeClr val="bg1"/>
                 </a:solidFill>
               </a:rPr>
               <a:t> </a:t>
@@ -14278,19 +14293,16 @@
             <a:r>
               <a:rPr lang="es-ES" sz="2000" dirty="0" err="1">
                 <a:solidFill>
-                  <a:schemeClr val="bg1">
-                    <a:lumMod val="95000"/>
-                  </a:schemeClr>
+                  <a:schemeClr val="bg1"/>
                 </a:solidFill>
               </a:rPr>
               <a:t>analysis</a:t>
             </a:r>
             <a:endParaRPr lang="en-US" sz="2000" dirty="0">
               <a:solidFill>
-                <a:schemeClr val="bg1">
-                  <a:lumMod val="95000"/>
-                </a:schemeClr>
+                <a:schemeClr val="bg1"/>
               </a:solidFill>
+              <a:cs typeface="Calibri" panose="020F0502020204030204"/>
             </a:endParaRPr>
           </a:p>
         </p:txBody>
@@ -14320,15 +14332,11 @@
             </a:avLst>
           </a:prstGeom>
           <a:solidFill>
-            <a:schemeClr val="bg1">
-              <a:lumMod val="75000"/>
-            </a:schemeClr>
+            <a:srgbClr val="32C3FF"/>
           </a:solidFill>
           <a:ln>
             <a:solidFill>
-              <a:schemeClr val="bg1">
-                <a:lumMod val="65000"/>
-              </a:schemeClr>
+              <a:srgbClr val="7F7F7F"/>
             </a:solidFill>
           </a:ln>
         </p:spPr>
@@ -14386,15 +14394,11 @@
             </a:avLst>
           </a:prstGeom>
           <a:solidFill>
-            <a:schemeClr val="bg1">
-              <a:lumMod val="75000"/>
-            </a:schemeClr>
+            <a:srgbClr val="32C3FF"/>
           </a:solidFill>
           <a:ln>
             <a:solidFill>
-              <a:schemeClr val="bg1">
-                <a:lumMod val="65000"/>
-              </a:schemeClr>
+              <a:srgbClr val="7F7F7F"/>
             </a:solidFill>
           </a:ln>
         </p:spPr>
@@ -14427,6 +14431,47 @@
           </a:p>
         </p:txBody>
       </p:sp>
+      <p:cxnSp>
+        <p:nvCxnSpPr>
+          <p:cNvPr id="15" name="Straight Arrow Connector 14">
+            <a:extLst>
+              <a:ext uri="{FF2B5EF4-FFF2-40B4-BE49-F238E27FC236}">
+                <a16:creationId xmlns:a16="http://schemas.microsoft.com/office/drawing/2014/main" id="{B2B3853E-45F4-4940-4722-64A64C74CE29}"/>
+              </a:ext>
+            </a:extLst>
+          </p:cNvPr>
+          <p:cNvCxnSpPr/>
+          <p:nvPr/>
+        </p:nvCxnSpPr>
+        <p:spPr>
+          <a:xfrm flipV="1">
+            <a:off x="846221" y="1658352"/>
+            <a:ext cx="9875920" cy="15040"/>
+          </a:xfrm>
+          <a:prstGeom prst="straightConnector1">
+            <a:avLst/>
+          </a:prstGeom>
+          <a:ln w="57150">
+            <a:solidFill>
+              <a:srgbClr val="32C3FF"/>
+            </a:solidFill>
+          </a:ln>
+        </p:spPr>
+        <p:style>
+          <a:lnRef idx="1">
+            <a:schemeClr val="accent1"/>
+          </a:lnRef>
+          <a:fillRef idx="0">
+            <a:schemeClr val="accent1"/>
+          </a:fillRef>
+          <a:effectRef idx="0">
+            <a:schemeClr val="accent1"/>
+          </a:effectRef>
+          <a:fontRef idx="minor">
+            <a:schemeClr val="tx1"/>
+          </a:fontRef>
+        </p:style>
+      </p:cxnSp>
     </p:spTree>
     <p:extLst>
       <p:ext uri="{BB962C8B-B14F-4D97-AF65-F5344CB8AC3E}">
@@ -14502,16 +14547,14 @@
         </p:nvSpPr>
         <p:spPr>
           <a:xfrm>
-            <a:off x="838200" y="114431"/>
+            <a:off x="788068" y="234747"/>
             <a:ext cx="9770706" cy="1139777"/>
           </a:xfrm>
           <a:prstGeom prst="rect">
             <a:avLst/>
           </a:prstGeom>
           <a:ln w="28575">
-            <a:solidFill>
-              <a:srgbClr val="D6CA2A"/>
-            </a:solidFill>
+            <a:noFill/>
           </a:ln>
         </p:spPr>
         <p:txBody>
@@ -14539,8 +14582,12 @@
           </a:lstStyle>
           <a:p>
             <a:r>
+              <a:rPr lang="es-ES" b="1" dirty="0"/>
+              <a:t>Linear </a:t>
+            </a:r>
+            <a:r>
               <a:rPr lang="es-ES" b="1" dirty="0" err="1"/>
-              <a:t>Best</a:t>
+              <a:t>regression</a:t>
             </a:r>
             <a:r>
               <a:rPr lang="es-ES" b="1" dirty="0"/>
@@ -14552,29 +14599,37 @@
             </a:r>
             <a:r>
               <a:rPr lang="es-ES" b="1" dirty="0"/>
-              <a:t> </a:t>
-            </a:r>
-            <a:r>
-              <a:rPr lang="es-ES" b="1" dirty="0" err="1"/>
-              <a:t>for</a:t>
-            </a:r>
-            <a:r>
-              <a:rPr lang="es-ES" b="1" dirty="0"/>
-              <a:t> Linear </a:t>
-            </a:r>
-            <a:r>
-              <a:rPr lang="es-ES" b="1" dirty="0" err="1"/>
-              <a:t>regression</a:t>
-            </a:r>
-            <a:r>
-              <a:rPr lang="es-ES" b="1" dirty="0"/>
-              <a:t> </a:t>
-            </a:r>
-            <a:r>
-              <a:rPr lang="es-ES" b="1" dirty="0" err="1"/>
+              <a:t>: </a:t>
+            </a:r>
+            <a:r>
+              <a:rPr lang="es-ES" b="1" dirty="0" err="1">
+                <a:solidFill>
+                  <a:srgbClr val="32C3FF"/>
+                </a:solidFill>
+              </a:rPr>
+              <a:t>best</a:t>
+            </a:r>
+            <a:r>
+              <a:rPr lang="es-ES" b="1" dirty="0">
+                <a:solidFill>
+                  <a:srgbClr val="32C3FF"/>
+                </a:solidFill>
+              </a:rPr>
+              <a:t> </a:t>
+            </a:r>
+            <a:r>
+              <a:rPr lang="es-ES" b="1" dirty="0" err="1">
+                <a:solidFill>
+                  <a:srgbClr val="32C3FF"/>
+                </a:solidFill>
+              </a:rPr>
               <a:t>approach</a:t>
             </a:r>
-            <a:endParaRPr lang="en-US" b="1" dirty="0"/>
+            <a:endParaRPr lang="en-US" b="1" dirty="0" err="1">
+              <a:solidFill>
+                <a:srgbClr val="32C3FF"/>
+              </a:solidFill>
+            </a:endParaRPr>
           </a:p>
         </p:txBody>
       </p:sp>
@@ -15253,54 +15308,47 @@
           </a:graphicData>
         </a:graphic>
       </p:graphicFrame>
-      <p:pic>
-        <p:nvPicPr>
-          <p:cNvPr id="1026" name="Picture 2" descr="Angle Symbol Brand Clipart Variable, Hammer, Tool, Text, Logo Transparent  Png – Pngset.com">
+      <p:cxnSp>
+        <p:nvCxnSpPr>
+          <p:cNvPr id="3" name="Straight Arrow Connector 2">
             <a:extLst>
               <a:ext uri="{FF2B5EF4-FFF2-40B4-BE49-F238E27FC236}">
-                <a16:creationId xmlns:a16="http://schemas.microsoft.com/office/drawing/2014/main" id="{681F7F27-1F5E-8A77-CEA3-A65668793EC9}"/>
+                <a16:creationId xmlns:a16="http://schemas.microsoft.com/office/drawing/2014/main" id="{C65412D6-E6B6-435D-CB76-B85527DF6D27}"/>
               </a:ext>
             </a:extLst>
           </p:cNvPr>
-          <p:cNvPicPr>
-            <a:picLocks noChangeAspect="1" noChangeArrowheads="1"/>
-          </p:cNvPicPr>
+          <p:cNvCxnSpPr/>
           <p:nvPr/>
-        </p:nvPicPr>
-        <p:blipFill>
-          <a:blip r:embed="rId2">
-            <a:biLevel thresh="25000"/>
-            <a:extLst>
-              <a:ext uri="{28A0092B-C50C-407E-A947-70E740481C1C}">
-                <a14:useLocalDpi xmlns:a14="http://schemas.microsoft.com/office/drawing/2010/main" val="0"/>
-              </a:ext>
-            </a:extLst>
-          </a:blip>
-          <a:srcRect/>
-          <a:stretch>
-            <a:fillRect/>
-          </a:stretch>
-        </p:blipFill>
-        <p:spPr bwMode="auto">
-          <a:xfrm rot="20291121">
-            <a:off x="9224918" y="4516016"/>
-            <a:ext cx="2128881" cy="1689588"/>
+        </p:nvCxnSpPr>
+        <p:spPr>
+          <a:xfrm flipV="1">
+            <a:off x="846221" y="1658352"/>
+            <a:ext cx="9875920" cy="15040"/>
           </a:xfrm>
-          <a:prstGeom prst="rect">
+          <a:prstGeom prst="straightConnector1">
             <a:avLst/>
           </a:prstGeom>
-          <a:noFill/>
-          <a:extLst>
-            <a:ext uri="{909E8E84-426E-40DD-AFC4-6F175D3DCCD1}">
-              <a14:hiddenFill xmlns:a14="http://schemas.microsoft.com/office/drawing/2010/main">
-                <a:solidFill>
-                  <a:srgbClr val="FFFFFF"/>
-                </a:solidFill>
-              </a14:hiddenFill>
-            </a:ext>
-          </a:extLst>
+          <a:ln w="57150">
+            <a:solidFill>
+              <a:srgbClr val="32C3FF"/>
+            </a:solidFill>
+          </a:ln>
         </p:spPr>
-      </p:pic>
+        <p:style>
+          <a:lnRef idx="1">
+            <a:schemeClr val="accent1"/>
+          </a:lnRef>
+          <a:fillRef idx="0">
+            <a:schemeClr val="accent1"/>
+          </a:fillRef>
+          <a:effectRef idx="0">
+            <a:schemeClr val="accent1"/>
+          </a:effectRef>
+          <a:fontRef idx="minor">
+            <a:schemeClr val="tx1"/>
+          </a:fontRef>
+        </p:style>
+      </p:cxnSp>
     </p:spTree>
     <p:extLst>
       <p:ext uri="{BB962C8B-B14F-4D97-AF65-F5344CB8AC3E}">
@@ -15376,16 +15424,14 @@
         </p:nvSpPr>
         <p:spPr>
           <a:xfrm>
-            <a:off x="838200" y="114432"/>
+            <a:off x="848226" y="234748"/>
             <a:ext cx="9770706" cy="1061194"/>
           </a:xfrm>
           <a:prstGeom prst="rect">
             <a:avLst/>
           </a:prstGeom>
           <a:ln w="28575">
-            <a:solidFill>
-              <a:srgbClr val="D6CA2A"/>
-            </a:solidFill>
+            <a:noFill/>
           </a:ln>
         </p:spPr>
         <p:txBody>
@@ -15413,42 +15459,77 @@
           </a:lstStyle>
           <a:p>
             <a:r>
-              <a:rPr lang="es-ES" b="1" dirty="0" err="1"/>
-              <a:t>Best</a:t>
-            </a:r>
-            <a:r>
-              <a:rPr lang="es-ES" b="1" dirty="0"/>
-              <a:t> </a:t>
-            </a:r>
-            <a:r>
-              <a:rPr lang="es-ES" b="1" dirty="0" err="1"/>
+              <a:rPr lang="es-ES" b="1" dirty="0">
+                <a:ea typeface="+mj-lt"/>
+                <a:cs typeface="+mj-lt"/>
+              </a:rPr>
+              <a:t>Linear </a:t>
+            </a:r>
+            <a:r>
+              <a:rPr lang="es-ES" b="1" dirty="0" err="1">
+                <a:ea typeface="+mj-lt"/>
+                <a:cs typeface="+mj-lt"/>
+              </a:rPr>
+              <a:t>regression</a:t>
+            </a:r>
+            <a:r>
+              <a:rPr lang="es-ES" b="1" dirty="0">
+                <a:ea typeface="+mj-lt"/>
+                <a:cs typeface="+mj-lt"/>
+              </a:rPr>
+              <a:t> </a:t>
+            </a:r>
+            <a:r>
+              <a:rPr lang="es-ES" b="1" dirty="0" err="1">
+                <a:ea typeface="+mj-lt"/>
+                <a:cs typeface="+mj-lt"/>
+              </a:rPr>
               <a:t>model</a:t>
             </a:r>
             <a:r>
-              <a:rPr lang="es-ES" b="1" dirty="0"/>
-              <a:t> </a:t>
-            </a:r>
-            <a:r>
-              <a:rPr lang="es-ES" b="1" dirty="0" err="1"/>
-              <a:t>for</a:t>
-            </a:r>
-            <a:r>
-              <a:rPr lang="es-ES" b="1" dirty="0"/>
-              <a:t> Linear </a:t>
-            </a:r>
-            <a:r>
-              <a:rPr lang="es-ES" b="1" dirty="0" err="1"/>
-              <a:t>regression</a:t>
-            </a:r>
-            <a:r>
-              <a:rPr lang="es-ES" b="1" dirty="0"/>
-              <a:t> </a:t>
-            </a:r>
-            <a:r>
-              <a:rPr lang="es-ES" b="1" dirty="0" err="1"/>
+              <a:rPr lang="es-ES" b="1" dirty="0">
+                <a:ea typeface="+mj-lt"/>
+                <a:cs typeface="+mj-lt"/>
+              </a:rPr>
+              <a:t>: </a:t>
+            </a:r>
+            <a:r>
+              <a:rPr lang="es-ES" b="1" dirty="0" err="1">
+                <a:solidFill>
+                  <a:srgbClr val="32C3FF"/>
+                </a:solidFill>
+                <a:ea typeface="+mj-lt"/>
+                <a:cs typeface="+mj-lt"/>
+              </a:rPr>
+              <a:t>best</a:t>
+            </a:r>
+            <a:r>
+              <a:rPr lang="es-ES" b="1" dirty="0">
+                <a:solidFill>
+                  <a:srgbClr val="32C3FF"/>
+                </a:solidFill>
+                <a:ea typeface="+mj-lt"/>
+                <a:cs typeface="+mj-lt"/>
+              </a:rPr>
+              <a:t> </a:t>
+            </a:r>
+            <a:r>
+              <a:rPr lang="es-ES" b="1" dirty="0" err="1">
+                <a:solidFill>
+                  <a:srgbClr val="32C3FF"/>
+                </a:solidFill>
+                <a:ea typeface="+mj-lt"/>
+                <a:cs typeface="+mj-lt"/>
+              </a:rPr>
               <a:t>approach</a:t>
             </a:r>
-            <a:endParaRPr lang="en-US" b="1" dirty="0"/>
+            <a:endParaRPr lang="es-ES" dirty="0" err="1">
+              <a:solidFill>
+                <a:srgbClr val="32C3FF"/>
+              </a:solidFill>
+              <a:ea typeface="+mj-lt"/>
+              <a:cs typeface="+mj-lt"/>
+            </a:endParaRPr>
           </a:p>
         </p:txBody>
       </p:sp>
@@ -16087,7 +16168,7 @@
         </p:blipFill>
         <p:spPr bwMode="auto">
           <a:xfrm>
-            <a:off x="6351590" y="1527360"/>
+            <a:off x="6592222" y="1712847"/>
             <a:ext cx="5031826" cy="5056213"/>
           </a:xfrm>
           <a:prstGeom prst="rect">
@@ -16105,6 +16186,47 @@
           </a:extLst>
         </p:spPr>
       </p:pic>
+      <p:cxnSp>
+        <p:nvCxnSpPr>
+          <p:cNvPr id="5" name="Straight Arrow Connector 4">
+            <a:extLst>
+              <a:ext uri="{FF2B5EF4-FFF2-40B4-BE49-F238E27FC236}">
+                <a16:creationId xmlns:a16="http://schemas.microsoft.com/office/drawing/2014/main" id="{6673B115-AC9C-9E5B-42C1-2E434B801B77}"/>
+              </a:ext>
+            </a:extLst>
+          </p:cNvPr>
+          <p:cNvCxnSpPr/>
+          <p:nvPr/>
+        </p:nvCxnSpPr>
+        <p:spPr>
+          <a:xfrm flipV="1">
+            <a:off x="846221" y="1658352"/>
+            <a:ext cx="9875920" cy="15040"/>
+          </a:xfrm>
+          <a:prstGeom prst="straightConnector1">
+            <a:avLst/>
+          </a:prstGeom>
+          <a:ln w="57150">
+            <a:solidFill>
+              <a:srgbClr val="32C3FF"/>
+            </a:solidFill>
+          </a:ln>
+        </p:spPr>
+        <p:style>
+          <a:lnRef idx="1">
+            <a:schemeClr val="accent1"/>
+          </a:lnRef>
+          <a:fillRef idx="0">
+            <a:schemeClr val="accent1"/>
+          </a:fillRef>
+          <a:effectRef idx="0">
+            <a:schemeClr val="accent1"/>
+          </a:effectRef>
+          <a:fontRef idx="minor">
+            <a:schemeClr val="tx1"/>
+          </a:fontRef>
+        </p:style>
+      </p:cxnSp>
     </p:spTree>
     <p:extLst>
       <p:ext uri="{BB962C8B-B14F-4D97-AF65-F5344CB8AC3E}">
@@ -16187,9 +16309,7 @@
             <a:avLst/>
           </a:prstGeom>
           <a:ln w="28575">
-            <a:solidFill>
-              <a:srgbClr val="D6CA2A"/>
-            </a:solidFill>
+            <a:noFill/>
           </a:ln>
         </p:spPr>
         <p:txBody>
@@ -16217,34 +16337,77 @@
           </a:lstStyle>
           <a:p>
             <a:r>
-              <a:rPr lang="es-ES" b="1" dirty="0" err="1"/>
+              <a:rPr lang="es-ES" b="1" dirty="0">
+                <a:ea typeface="+mj-lt"/>
+                <a:cs typeface="+mj-lt"/>
+              </a:rPr>
+              <a:t>Linear </a:t>
+            </a:r>
+            <a:r>
+              <a:rPr lang="es-ES" b="1" dirty="0" err="1">
+                <a:ea typeface="+mj-lt"/>
+                <a:cs typeface="+mj-lt"/>
+              </a:rPr>
+              <a:t>regression</a:t>
+            </a:r>
+            <a:r>
+              <a:rPr lang="es-ES" b="1" dirty="0">
+                <a:ea typeface="+mj-lt"/>
+                <a:cs typeface="+mj-lt"/>
+              </a:rPr>
+              <a:t> </a:t>
+            </a:r>
+            <a:r>
+              <a:rPr lang="es-ES" b="1" dirty="0" err="1">
+                <a:ea typeface="+mj-lt"/>
+                <a:cs typeface="+mj-lt"/>
+              </a:rPr>
+              <a:t>model</a:t>
+            </a:r>
+            <a:r>
+              <a:rPr lang="es-ES" b="1" dirty="0">
+                <a:ea typeface="+mj-lt"/>
+                <a:cs typeface="+mj-lt"/>
+              </a:rPr>
+              <a:t>: </a:t>
+            </a:r>
+            <a:r>
+              <a:rPr lang="es-ES" b="1" dirty="0" err="1">
+                <a:solidFill>
+                  <a:srgbClr val="32C3FF"/>
+                </a:solidFill>
+                <a:ea typeface="+mj-lt"/>
+                <a:cs typeface="+mj-lt"/>
+              </a:rPr>
               <a:t>Decision</a:t>
             </a:r>
             <a:r>
-              <a:rPr lang="es-ES" b="1" dirty="0"/>
-              <a:t> </a:t>
-            </a:r>
-            <a:r>
-              <a:rPr lang="es-ES" b="1" dirty="0" err="1"/>
+              <a:rPr lang="es-ES" b="1" dirty="0">
+                <a:solidFill>
+                  <a:srgbClr val="32C3FF"/>
+                </a:solidFill>
+                <a:ea typeface="+mj-lt"/>
+                <a:cs typeface="+mj-lt"/>
+              </a:rPr>
+              <a:t> </a:t>
+            </a:r>
+            <a:r>
+              <a:rPr lang="es-ES" b="1" dirty="0" err="1">
+                <a:solidFill>
+                  <a:srgbClr val="32C3FF"/>
+                </a:solidFill>
+                <a:ea typeface="+mj-lt"/>
+                <a:cs typeface="+mj-lt"/>
+              </a:rPr>
               <a:t>tree</a:t>
             </a:r>
-            <a:r>
-              <a:rPr lang="es-ES" b="1" dirty="0"/>
-              <a:t> </a:t>
-            </a:r>
-            <a:r>
-              <a:rPr lang="es-ES" b="1" dirty="0" err="1"/>
-              <a:t>regression</a:t>
-            </a:r>
-            <a:r>
-              <a:rPr lang="es-ES" b="1" dirty="0"/>
-              <a:t> </a:t>
-            </a:r>
-            <a:r>
-              <a:rPr lang="es-ES" b="1" dirty="0" err="1"/>
-              <a:t>model</a:t>
-            </a:r>
-            <a:endParaRPr lang="en-US" b="1" dirty="0"/>
+            <a:endParaRPr lang="en-US" dirty="0" err="1">
+              <a:solidFill>
+                <a:srgbClr val="32C3FF"/>
+              </a:solidFill>
+              <a:ea typeface="+mj-lt"/>
+              <a:cs typeface="+mj-lt"/>
+            </a:endParaRPr>
           </a:p>
         </p:txBody>
       </p:sp>
@@ -16261,7 +16424,7 @@
           <p:nvPr>
             <p:extLst>
               <p:ext uri="{D42A27DB-BD31-4B8C-83A1-F6EECF244321}">
-                <p14:modId xmlns:p14="http://schemas.microsoft.com/office/powerpoint/2010/main" val="613845527"/>
+                <p14:modId xmlns:p14="http://schemas.microsoft.com/office/powerpoint/2010/main" val="2653103888"/>
               </p:ext>
             </p:extLst>
           </p:nvPr>
@@ -16317,7 +16480,7 @@
               <a:avLst/>
             </a:prstGeom>
             <a:solidFill>
-              <a:srgbClr val="5FA972"/>
+              <a:srgbClr val="32C3FF"/>
             </a:solidFill>
           </p:spPr>
           <p:style>
@@ -16371,7 +16534,7 @@
               <a:avLst/>
             </a:prstGeom>
             <a:solidFill>
-              <a:srgbClr val="5FA972"/>
+              <a:srgbClr val="32C3FF"/>
             </a:solidFill>
           </p:spPr>
           <p:style>
@@ -16409,7 +16572,7 @@
               <a:r>
                 <a:rPr lang="es-ES" sz="2800" dirty="0" err="1">
                   <a:solidFill>
-                    <a:srgbClr val="F2F2F2"/>
+                    <a:srgbClr val="FFFFFF"/>
                   </a:solidFill>
                 </a:rPr>
                 <a:t>Overfitting</a:t>
@@ -16417,7 +16580,7 @@
               <a:r>
                 <a:rPr lang="es-ES" sz="2800" dirty="0">
                   <a:solidFill>
-                    <a:srgbClr val="F2F2F2"/>
+                    <a:srgbClr val="FFFFFF"/>
                   </a:solidFill>
                 </a:rPr>
                 <a:t> </a:t>
@@ -16425,15 +16588,16 @@
               <a:r>
                 <a:rPr lang="es-ES" sz="2800" dirty="0" err="1">
                   <a:solidFill>
-                    <a:srgbClr val="F2F2F2"/>
+                    <a:srgbClr val="FFFFFF"/>
                   </a:solidFill>
                 </a:rPr>
                 <a:t>check</a:t>
               </a:r>
-              <a:endParaRPr lang="en-US" sz="2800" kern="1200" dirty="0">
+              <a:endParaRPr lang="en-US" sz="2800" kern="1200">
                 <a:solidFill>
-                  <a:srgbClr val="F2F2F2"/>
+                  <a:srgbClr val="FFFFFF"/>
                 </a:solidFill>
+                <a:cs typeface="Calibri"/>
               </a:endParaRPr>
             </a:p>
           </p:txBody>
@@ -16463,9 +16627,7 @@
           </a:prstGeom>
           <a:ln w="57150">
             <a:solidFill>
-              <a:schemeClr val="bg1">
-                <a:lumMod val="65000"/>
-              </a:schemeClr>
+              <a:srgbClr val="32C3FF"/>
             </a:solidFill>
             <a:tailEnd type="triangle"/>
           </a:ln>
@@ -16509,11 +16671,50 @@
           </a:prstGeom>
           <a:ln w="57150">
             <a:solidFill>
-              <a:schemeClr val="bg1">
-                <a:lumMod val="65000"/>
-              </a:schemeClr>
+              <a:srgbClr val="32C3FF"/>
             </a:solidFill>
             <a:tailEnd type="triangle"/>
+          </a:ln>
+        </p:spPr>
+        <p:style>
+          <a:lnRef idx="1">
+            <a:schemeClr val="accent1"/>
+          </a:lnRef>
+          <a:fillRef idx="0">
+            <a:schemeClr val="accent1"/>
+          </a:fillRef>
+          <a:effectRef idx="0">
+            <a:schemeClr val="accent1"/>
+          </a:effectRef>
+          <a:fontRef idx="minor">
+            <a:schemeClr val="tx1"/>
+          </a:fontRef>
+        </p:style>
+      </p:cxnSp>
+      <p:cxnSp>
+        <p:nvCxnSpPr>
+          <p:cNvPr id="17" name="Straight Arrow Connector 16">
+            <a:extLst>
+              <a:ext uri="{FF2B5EF4-FFF2-40B4-BE49-F238E27FC236}">
+                <a16:creationId xmlns:a16="http://schemas.microsoft.com/office/drawing/2014/main" id="{E9296393-25B2-2FAD-6DEC-05C9C9D4E522}"/>
+              </a:ext>
+            </a:extLst>
+          </p:cNvPr>
+          <p:cNvCxnSpPr/>
+          <p:nvPr/>
+        </p:nvCxnSpPr>
+        <p:spPr>
+          <a:xfrm flipV="1">
+            <a:off x="846221" y="1658352"/>
+            <a:ext cx="9875920" cy="15040"/>
+          </a:xfrm>
+          <a:prstGeom prst="straightConnector1">
+            <a:avLst/>
+          </a:prstGeom>
+          <a:ln w="57150">
+            <a:solidFill>
+              <a:srgbClr val="32C3FF"/>
+            </a:solidFill>
           </a:ln>
         </p:spPr>
         <p:style>
